--- a/poster/Poster_Template_Landscape1.pptx
+++ b/poster/Poster_Template_Landscape1.pptx
@@ -295,7 +295,7 @@
               <a:pPr>
                 <a:defRPr/>
               </a:pPr>
-              <a:t>2/14/2018</a:t>
+              <a:t>3/22/22</a:t>
             </a:fld>
             <a:endParaRPr lang="en-US"/>
           </a:p>
@@ -570,35 +570,35 @@
           <a:p>
             <a:pPr lvl="0"/>
             <a:r>
-              <a:rPr lang="en-US" noProof="0" smtClean="0"/>
+              <a:rPr lang="en-US" noProof="0"/>
               <a:t>Click to edit Master text styles</a:t>
             </a:r>
           </a:p>
           <a:p>
             <a:pPr lvl="1"/>
             <a:r>
-              <a:rPr lang="en-US" noProof="0" smtClean="0"/>
+              <a:rPr lang="en-US" noProof="0"/>
               <a:t>Second level</a:t>
             </a:r>
           </a:p>
           <a:p>
             <a:pPr lvl="2"/>
             <a:r>
-              <a:rPr lang="en-US" noProof="0" smtClean="0"/>
+              <a:rPr lang="en-US" noProof="0"/>
               <a:t>Third level</a:t>
             </a:r>
           </a:p>
           <a:p>
             <a:pPr lvl="3"/>
             <a:r>
-              <a:rPr lang="en-US" noProof="0" smtClean="0"/>
+              <a:rPr lang="en-US" noProof="0"/>
               <a:t>Fourth level</a:t>
             </a:r>
           </a:p>
           <a:p>
             <a:pPr lvl="4"/>
             <a:r>
-              <a:rPr lang="en-US" noProof="0" smtClean="0"/>
+              <a:rPr lang="en-US" noProof="0"/>
               <a:t>Fifth level</a:t>
             </a:r>
           </a:p>
@@ -876,7 +876,7 @@
               <a:pPr defTabSz="909638"/>
               <a:t>1</a:t>
             </a:fld>
-            <a:endParaRPr lang="en-US" smtClean="0"/>
+            <a:endParaRPr lang="en-US"/>
           </a:p>
         </p:txBody>
       </p:sp>
@@ -917,7 +917,7 @@
           <a:lstStyle/>
           <a:p>
             <a:pPr eaLnBrk="1" hangingPunct="1"/>
-            <a:endParaRPr lang="en-US" smtClean="0"/>
+            <a:endParaRPr lang="en-US"/>
           </a:p>
         </p:txBody>
       </p:sp>
@@ -967,10 +967,9 @@
           <a:lstStyle/>
           <a:p>
             <a:r>
-              <a:rPr lang="en-US" smtClean="0"/>
+              <a:rPr lang="en-US"/>
               <a:t>Click to edit Master title style</a:t>
             </a:r>
-            <a:endParaRPr lang="en-US"/>
           </a:p>
         </p:txBody>
       </p:sp>
@@ -1086,10 +1085,9 @@
           </a:lstStyle>
           <a:p>
             <a:r>
-              <a:rPr lang="en-US" smtClean="0"/>
+              <a:rPr lang="en-US"/>
               <a:t>Click to edit Master subtitle style</a:t>
             </a:r>
-            <a:endParaRPr lang="en-US"/>
           </a:p>
         </p:txBody>
       </p:sp>
@@ -1115,7 +1113,7 @@
             <a:fld id="{C4C2F71C-4B08-4389-8F5D-0DF9D63B9394}" type="datetime1">
               <a:rPr lang="en-US"/>
               <a:pPr/>
-              <a:t>2/14/2018</a:t>
+              <a:t>3/22/22</a:t>
             </a:fld>
             <a:endParaRPr lang="en-US"/>
           </a:p>
@@ -1227,10 +1225,9 @@
           <a:lstStyle/>
           <a:p>
             <a:r>
-              <a:rPr lang="en-US" smtClean="0"/>
+              <a:rPr lang="en-US"/>
               <a:t>Click to edit Master title style</a:t>
             </a:r>
-            <a:endParaRPr lang="en-US"/>
           </a:p>
         </p:txBody>
       </p:sp>
@@ -1251,38 +1248,37 @@
           <a:p>
             <a:pPr lvl="0"/>
             <a:r>
-              <a:rPr lang="en-US" smtClean="0"/>
+              <a:rPr lang="en-US"/>
               <a:t>Click to edit Master text styles</a:t>
             </a:r>
           </a:p>
           <a:p>
             <a:pPr lvl="1"/>
             <a:r>
-              <a:rPr lang="en-US" smtClean="0"/>
+              <a:rPr lang="en-US"/>
               <a:t>Second level</a:t>
             </a:r>
           </a:p>
           <a:p>
             <a:pPr lvl="2"/>
             <a:r>
-              <a:rPr lang="en-US" smtClean="0"/>
+              <a:rPr lang="en-US"/>
               <a:t>Third level</a:t>
             </a:r>
           </a:p>
           <a:p>
             <a:pPr lvl="3"/>
             <a:r>
-              <a:rPr lang="en-US" smtClean="0"/>
+              <a:rPr lang="en-US"/>
               <a:t>Fourth level</a:t>
             </a:r>
           </a:p>
           <a:p>
             <a:pPr lvl="4"/>
             <a:r>
-              <a:rPr lang="en-US" smtClean="0"/>
+              <a:rPr lang="en-US"/>
               <a:t>Fifth level</a:t>
             </a:r>
-            <a:endParaRPr lang="en-US"/>
           </a:p>
         </p:txBody>
       </p:sp>
@@ -1308,7 +1304,7 @@
             <a:fld id="{E44472D3-D9C5-45B8-A0FE-DA537DE4FE83}" type="datetime1">
               <a:rPr lang="en-US"/>
               <a:pPr/>
-              <a:t>2/14/2018</a:t>
+              <a:t>3/22/22</a:t>
             </a:fld>
             <a:endParaRPr lang="en-US"/>
           </a:p>
@@ -1425,10 +1421,9 @@
           <a:lstStyle/>
           <a:p>
             <a:r>
-              <a:rPr lang="en-US" smtClean="0"/>
+              <a:rPr lang="en-US"/>
               <a:t>Click to edit Master title style</a:t>
             </a:r>
-            <a:endParaRPr lang="en-US"/>
           </a:p>
         </p:txBody>
       </p:sp>
@@ -1454,38 +1449,37 @@
           <a:p>
             <a:pPr lvl="0"/>
             <a:r>
-              <a:rPr lang="en-US" smtClean="0"/>
+              <a:rPr lang="en-US"/>
               <a:t>Click to edit Master text styles</a:t>
             </a:r>
           </a:p>
           <a:p>
             <a:pPr lvl="1"/>
             <a:r>
-              <a:rPr lang="en-US" smtClean="0"/>
+              <a:rPr lang="en-US"/>
               <a:t>Second level</a:t>
             </a:r>
           </a:p>
           <a:p>
             <a:pPr lvl="2"/>
             <a:r>
-              <a:rPr lang="en-US" smtClean="0"/>
+              <a:rPr lang="en-US"/>
               <a:t>Third level</a:t>
             </a:r>
           </a:p>
           <a:p>
             <a:pPr lvl="3"/>
             <a:r>
-              <a:rPr lang="en-US" smtClean="0"/>
+              <a:rPr lang="en-US"/>
               <a:t>Fourth level</a:t>
             </a:r>
           </a:p>
           <a:p>
             <a:pPr lvl="4"/>
             <a:r>
-              <a:rPr lang="en-US" smtClean="0"/>
+              <a:rPr lang="en-US"/>
               <a:t>Fifth level</a:t>
             </a:r>
-            <a:endParaRPr lang="en-US"/>
           </a:p>
         </p:txBody>
       </p:sp>
@@ -1511,7 +1505,7 @@
             <a:fld id="{77CDF5B8-3EEA-4690-AC98-82BFF2FBE4D2}" type="datetime1">
               <a:rPr lang="en-US"/>
               <a:pPr/>
-              <a:t>2/14/2018</a:t>
+              <a:t>3/22/22</a:t>
             </a:fld>
             <a:endParaRPr lang="en-US"/>
           </a:p>
@@ -1623,10 +1617,9 @@
           <a:lstStyle/>
           <a:p>
             <a:r>
-              <a:rPr lang="en-US" smtClean="0"/>
+              <a:rPr lang="en-US"/>
               <a:t>Click to edit Master title style</a:t>
             </a:r>
-            <a:endParaRPr lang="en-US"/>
           </a:p>
         </p:txBody>
       </p:sp>
@@ -1647,38 +1640,37 @@
           <a:p>
             <a:pPr lvl="0"/>
             <a:r>
-              <a:rPr lang="en-US" smtClean="0"/>
+              <a:rPr lang="en-US"/>
               <a:t>Click to edit Master text styles</a:t>
             </a:r>
           </a:p>
           <a:p>
             <a:pPr lvl="1"/>
             <a:r>
-              <a:rPr lang="en-US" smtClean="0"/>
+              <a:rPr lang="en-US"/>
               <a:t>Second level</a:t>
             </a:r>
           </a:p>
           <a:p>
             <a:pPr lvl="2"/>
             <a:r>
-              <a:rPr lang="en-US" smtClean="0"/>
+              <a:rPr lang="en-US"/>
               <a:t>Third level</a:t>
             </a:r>
           </a:p>
           <a:p>
             <a:pPr lvl="3"/>
             <a:r>
-              <a:rPr lang="en-US" smtClean="0"/>
+              <a:rPr lang="en-US"/>
               <a:t>Fourth level</a:t>
             </a:r>
           </a:p>
           <a:p>
             <a:pPr lvl="4"/>
             <a:r>
-              <a:rPr lang="en-US" smtClean="0"/>
+              <a:rPr lang="en-US"/>
               <a:t>Fifth level</a:t>
             </a:r>
-            <a:endParaRPr lang="en-US"/>
           </a:p>
         </p:txBody>
       </p:sp>
@@ -1704,7 +1696,7 @@
             <a:fld id="{C1054DBE-D131-4EDB-8641-C3A8C99CF218}" type="datetime1">
               <a:rPr lang="en-US"/>
               <a:pPr/>
-              <a:t>2/14/2018</a:t>
+              <a:t>3/22/22</a:t>
             </a:fld>
             <a:endParaRPr lang="en-US"/>
           </a:p>
@@ -1825,10 +1817,9 @@
           </a:lstStyle>
           <a:p>
             <a:r>
-              <a:rPr lang="en-US" smtClean="0"/>
+              <a:rPr lang="en-US"/>
               <a:t>Click to edit Master title style</a:t>
             </a:r>
-            <a:endParaRPr lang="en-US"/>
           </a:p>
         </p:txBody>
       </p:sp>
@@ -1945,7 +1936,7 @@
           <a:p>
             <a:pPr lvl="0"/>
             <a:r>
-              <a:rPr lang="en-US" smtClean="0"/>
+              <a:rPr lang="en-US"/>
               <a:t>Click to edit Master text styles</a:t>
             </a:r>
           </a:p>
@@ -1973,7 +1964,7 @@
             <a:fld id="{4092172C-BE27-4611-BEC7-D7DEF73798A6}" type="datetime1">
               <a:rPr lang="en-US"/>
               <a:pPr/>
-              <a:t>2/14/2018</a:t>
+              <a:t>3/22/22</a:t>
             </a:fld>
             <a:endParaRPr lang="en-US"/>
           </a:p>
@@ -2085,10 +2076,9 @@
           <a:lstStyle/>
           <a:p>
             <a:r>
-              <a:rPr lang="en-US" smtClean="0"/>
+              <a:rPr lang="en-US"/>
               <a:t>Click to edit Master title style</a:t>
             </a:r>
-            <a:endParaRPr lang="en-US"/>
           </a:p>
         </p:txBody>
       </p:sp>
@@ -2142,38 +2132,37 @@
           <a:p>
             <a:pPr lvl="0"/>
             <a:r>
-              <a:rPr lang="en-US" smtClean="0"/>
+              <a:rPr lang="en-US"/>
               <a:t>Click to edit Master text styles</a:t>
             </a:r>
           </a:p>
           <a:p>
             <a:pPr lvl="1"/>
             <a:r>
-              <a:rPr lang="en-US" smtClean="0"/>
+              <a:rPr lang="en-US"/>
               <a:t>Second level</a:t>
             </a:r>
           </a:p>
           <a:p>
             <a:pPr lvl="2"/>
             <a:r>
-              <a:rPr lang="en-US" smtClean="0"/>
+              <a:rPr lang="en-US"/>
               <a:t>Third level</a:t>
             </a:r>
           </a:p>
           <a:p>
             <a:pPr lvl="3"/>
             <a:r>
-              <a:rPr lang="en-US" smtClean="0"/>
+              <a:rPr lang="en-US"/>
               <a:t>Fourth level</a:t>
             </a:r>
           </a:p>
           <a:p>
             <a:pPr lvl="4"/>
             <a:r>
-              <a:rPr lang="en-US" smtClean="0"/>
+              <a:rPr lang="en-US"/>
               <a:t>Fifth level</a:t>
             </a:r>
-            <a:endParaRPr lang="en-US"/>
           </a:p>
         </p:txBody>
       </p:sp>
@@ -2227,38 +2216,37 @@
           <a:p>
             <a:pPr lvl="0"/>
             <a:r>
-              <a:rPr lang="en-US" smtClean="0"/>
+              <a:rPr lang="en-US"/>
               <a:t>Click to edit Master text styles</a:t>
             </a:r>
           </a:p>
           <a:p>
             <a:pPr lvl="1"/>
             <a:r>
-              <a:rPr lang="en-US" smtClean="0"/>
+              <a:rPr lang="en-US"/>
               <a:t>Second level</a:t>
             </a:r>
           </a:p>
           <a:p>
             <a:pPr lvl="2"/>
             <a:r>
-              <a:rPr lang="en-US" smtClean="0"/>
+              <a:rPr lang="en-US"/>
               <a:t>Third level</a:t>
             </a:r>
           </a:p>
           <a:p>
             <a:pPr lvl="3"/>
             <a:r>
-              <a:rPr lang="en-US" smtClean="0"/>
+              <a:rPr lang="en-US"/>
               <a:t>Fourth level</a:t>
             </a:r>
           </a:p>
           <a:p>
             <a:pPr lvl="4"/>
             <a:r>
-              <a:rPr lang="en-US" smtClean="0"/>
+              <a:rPr lang="en-US"/>
               <a:t>Fifth level</a:t>
             </a:r>
-            <a:endParaRPr lang="en-US"/>
           </a:p>
         </p:txBody>
       </p:sp>
@@ -2284,7 +2272,7 @@
             <a:fld id="{5F98B46A-B183-48B1-8EE5-545E75CCCBEF}" type="datetime1">
               <a:rPr lang="en-US"/>
               <a:pPr/>
-              <a:t>2/14/2018</a:t>
+              <a:t>3/22/22</a:t>
             </a:fld>
             <a:endParaRPr lang="en-US"/>
           </a:p>
@@ -2405,10 +2393,9 @@
           </a:lstStyle>
           <a:p>
             <a:r>
-              <a:rPr lang="en-US" smtClean="0"/>
+              <a:rPr lang="en-US"/>
               <a:t>Click to edit Master title style</a:t>
             </a:r>
-            <a:endParaRPr lang="en-US"/>
           </a:p>
         </p:txBody>
       </p:sp>
@@ -2471,7 +2458,7 @@
           <a:p>
             <a:pPr lvl="0"/>
             <a:r>
-              <a:rPr lang="en-US" smtClean="0"/>
+              <a:rPr lang="en-US"/>
               <a:t>Click to edit Master text styles</a:t>
             </a:r>
           </a:p>
@@ -2527,38 +2514,37 @@
           <a:p>
             <a:pPr lvl="0"/>
             <a:r>
-              <a:rPr lang="en-US" smtClean="0"/>
+              <a:rPr lang="en-US"/>
               <a:t>Click to edit Master text styles</a:t>
             </a:r>
           </a:p>
           <a:p>
             <a:pPr lvl="1"/>
             <a:r>
-              <a:rPr lang="en-US" smtClean="0"/>
+              <a:rPr lang="en-US"/>
               <a:t>Second level</a:t>
             </a:r>
           </a:p>
           <a:p>
             <a:pPr lvl="2"/>
             <a:r>
-              <a:rPr lang="en-US" smtClean="0"/>
+              <a:rPr lang="en-US"/>
               <a:t>Third level</a:t>
             </a:r>
           </a:p>
           <a:p>
             <a:pPr lvl="3"/>
             <a:r>
-              <a:rPr lang="en-US" smtClean="0"/>
+              <a:rPr lang="en-US"/>
               <a:t>Fourth level</a:t>
             </a:r>
           </a:p>
           <a:p>
             <a:pPr lvl="4"/>
             <a:r>
-              <a:rPr lang="en-US" smtClean="0"/>
+              <a:rPr lang="en-US"/>
               <a:t>Fifth level</a:t>
             </a:r>
-            <a:endParaRPr lang="en-US"/>
           </a:p>
         </p:txBody>
       </p:sp>
@@ -2621,7 +2607,7 @@
           <a:p>
             <a:pPr lvl="0"/>
             <a:r>
-              <a:rPr lang="en-US" smtClean="0"/>
+              <a:rPr lang="en-US"/>
               <a:t>Click to edit Master text styles</a:t>
             </a:r>
           </a:p>
@@ -2677,38 +2663,37 @@
           <a:p>
             <a:pPr lvl="0"/>
             <a:r>
-              <a:rPr lang="en-US" smtClean="0"/>
+              <a:rPr lang="en-US"/>
               <a:t>Click to edit Master text styles</a:t>
             </a:r>
           </a:p>
           <a:p>
             <a:pPr lvl="1"/>
             <a:r>
-              <a:rPr lang="en-US" smtClean="0"/>
+              <a:rPr lang="en-US"/>
               <a:t>Second level</a:t>
             </a:r>
           </a:p>
           <a:p>
             <a:pPr lvl="2"/>
             <a:r>
-              <a:rPr lang="en-US" smtClean="0"/>
+              <a:rPr lang="en-US"/>
               <a:t>Third level</a:t>
             </a:r>
           </a:p>
           <a:p>
             <a:pPr lvl="3"/>
             <a:r>
-              <a:rPr lang="en-US" smtClean="0"/>
+              <a:rPr lang="en-US"/>
               <a:t>Fourth level</a:t>
             </a:r>
           </a:p>
           <a:p>
             <a:pPr lvl="4"/>
             <a:r>
-              <a:rPr lang="en-US" smtClean="0"/>
+              <a:rPr lang="en-US"/>
               <a:t>Fifth level</a:t>
             </a:r>
-            <a:endParaRPr lang="en-US"/>
           </a:p>
         </p:txBody>
       </p:sp>
@@ -2734,7 +2719,7 @@
             <a:fld id="{D5556932-39C0-4F2A-896B-651B4F00ECFB}" type="datetime1">
               <a:rPr lang="en-US"/>
               <a:pPr/>
-              <a:t>2/14/2018</a:t>
+              <a:t>3/22/22</a:t>
             </a:fld>
             <a:endParaRPr lang="en-US"/>
           </a:p>
@@ -2846,10 +2831,9 @@
           <a:lstStyle/>
           <a:p>
             <a:r>
-              <a:rPr lang="en-US" smtClean="0"/>
+              <a:rPr lang="en-US"/>
               <a:t>Click to edit Master title style</a:t>
             </a:r>
-            <a:endParaRPr lang="en-US"/>
           </a:p>
         </p:txBody>
       </p:sp>
@@ -2875,7 +2859,7 @@
             <a:fld id="{A73915A9-D9C0-44FA-9681-731576DB131B}" type="datetime1">
               <a:rPr lang="en-US"/>
               <a:pPr/>
-              <a:t>2/14/2018</a:t>
+              <a:t>3/22/22</a:t>
             </a:fld>
             <a:endParaRPr lang="en-US"/>
           </a:p>
@@ -2993,7 +2977,7 @@
             <a:fld id="{4D682095-FDC6-47A4-B17F-B44B6473C2D0}" type="datetime1">
               <a:rPr lang="en-US"/>
               <a:pPr/>
-              <a:t>2/14/2018</a:t>
+              <a:t>3/22/22</a:t>
             </a:fld>
             <a:endParaRPr lang="en-US"/>
           </a:p>
@@ -3114,10 +3098,9 @@
           </a:lstStyle>
           <a:p>
             <a:r>
-              <a:rPr lang="en-US" smtClean="0"/>
+              <a:rPr lang="en-US"/>
               <a:t>Click to edit Master title style</a:t>
             </a:r>
-            <a:endParaRPr lang="en-US"/>
           </a:p>
         </p:txBody>
       </p:sp>
@@ -3171,38 +3154,37 @@
           <a:p>
             <a:pPr lvl="0"/>
             <a:r>
-              <a:rPr lang="en-US" smtClean="0"/>
+              <a:rPr lang="en-US"/>
               <a:t>Click to edit Master text styles</a:t>
             </a:r>
           </a:p>
           <a:p>
             <a:pPr lvl="1"/>
             <a:r>
-              <a:rPr lang="en-US" smtClean="0"/>
+              <a:rPr lang="en-US"/>
               <a:t>Second level</a:t>
             </a:r>
           </a:p>
           <a:p>
             <a:pPr lvl="2"/>
             <a:r>
-              <a:rPr lang="en-US" smtClean="0"/>
+              <a:rPr lang="en-US"/>
               <a:t>Third level</a:t>
             </a:r>
           </a:p>
           <a:p>
             <a:pPr lvl="3"/>
             <a:r>
-              <a:rPr lang="en-US" smtClean="0"/>
+              <a:rPr lang="en-US"/>
               <a:t>Fourth level</a:t>
             </a:r>
           </a:p>
           <a:p>
             <a:pPr lvl="4"/>
             <a:r>
-              <a:rPr lang="en-US" smtClean="0"/>
+              <a:rPr lang="en-US"/>
               <a:t>Fifth level</a:t>
             </a:r>
-            <a:endParaRPr lang="en-US"/>
           </a:p>
         </p:txBody>
       </p:sp>
@@ -3265,7 +3247,7 @@
           <a:p>
             <a:pPr lvl="0"/>
             <a:r>
-              <a:rPr lang="en-US" smtClean="0"/>
+              <a:rPr lang="en-US"/>
               <a:t>Click to edit Master text styles</a:t>
             </a:r>
           </a:p>
@@ -3293,7 +3275,7 @@
             <a:fld id="{1CA98B65-857C-4AD8-ACAB-4365D82174A1}" type="datetime1">
               <a:rPr lang="en-US"/>
               <a:pPr/>
-              <a:t>2/14/2018</a:t>
+              <a:t>3/22/22</a:t>
             </a:fld>
             <a:endParaRPr lang="en-US"/>
           </a:p>
@@ -3414,10 +3396,9 @@
           </a:lstStyle>
           <a:p>
             <a:r>
-              <a:rPr lang="en-US" smtClean="0"/>
+              <a:rPr lang="en-US"/>
               <a:t>Click to edit Master title style</a:t>
             </a:r>
-            <a:endParaRPr lang="en-US"/>
           </a:p>
         </p:txBody>
       </p:sp>
@@ -3544,7 +3525,7 @@
           <a:p>
             <a:pPr lvl="0"/>
             <a:r>
-              <a:rPr lang="en-US" smtClean="0"/>
+              <a:rPr lang="en-US"/>
               <a:t>Click to edit Master text styles</a:t>
             </a:r>
           </a:p>
@@ -3572,7 +3553,7 @@
             <a:fld id="{CE554E65-4191-47D0-B6EC-09CA8AC19719}" type="datetime1">
               <a:rPr lang="en-US"/>
               <a:pPr/>
-              <a:t>2/14/2018</a:t>
+              <a:t>3/22/22</a:t>
             </a:fld>
             <a:endParaRPr lang="en-US"/>
           </a:p>
@@ -3709,7 +3690,7 @@
           <a:p>
             <a:pPr lvl="0"/>
             <a:r>
-              <a:rPr lang="en-US" smtClean="0"/>
+              <a:rPr lang="en-US"/>
               <a:t>Click to edit Master title style</a:t>
             </a:r>
           </a:p>
@@ -3751,35 +3732,35 @@
           <a:p>
             <a:pPr lvl="0"/>
             <a:r>
-              <a:rPr lang="en-US" smtClean="0"/>
+              <a:rPr lang="en-US"/>
               <a:t>Click to edit Master text styles</a:t>
             </a:r>
           </a:p>
           <a:p>
             <a:pPr lvl="1"/>
             <a:r>
-              <a:rPr lang="en-US" smtClean="0"/>
+              <a:rPr lang="en-US"/>
               <a:t>Second level</a:t>
             </a:r>
           </a:p>
           <a:p>
             <a:pPr lvl="2"/>
             <a:r>
-              <a:rPr lang="en-US" smtClean="0"/>
+              <a:rPr lang="en-US"/>
               <a:t>Third level</a:t>
             </a:r>
           </a:p>
           <a:p>
             <a:pPr lvl="3"/>
             <a:r>
-              <a:rPr lang="en-US" smtClean="0"/>
+              <a:rPr lang="en-US"/>
               <a:t>Fourth level</a:t>
             </a:r>
           </a:p>
           <a:p>
             <a:pPr lvl="4"/>
             <a:r>
-              <a:rPr lang="en-US" smtClean="0"/>
+              <a:rPr lang="en-US"/>
               <a:t>Fifth level</a:t>
             </a:r>
           </a:p>
@@ -3827,7 +3808,7 @@
                 <a:cs typeface="Arial" pitchFamily="34" charset="0"/>
               </a:rPr>
               <a:pPr defTabSz="2925330" eaLnBrk="1" hangingPunct="1"/>
-              <a:t>2/14/2018</a:t>
+              <a:t>3/22/22</a:t>
             </a:fld>
             <a:endParaRPr lang="en-US">
               <a:cs typeface="Arial" pitchFamily="34" charset="0"/>
@@ -4418,7 +4399,7 @@
               <a:buNone/>
               <a:tabLst/>
             </a:pPr>
-            <a:endParaRPr kumimoji="0" lang="en-US" sz="3000" b="0" i="0" u="none" strike="noStrike" cap="none" normalizeH="0" baseline="0" smtClean="0">
+            <a:endParaRPr kumimoji="0" lang="en-US" sz="3000" b="0" i="0" u="none" strike="noStrike" cap="none" normalizeH="0" baseline="0">
               <a:ln>
                 <a:noFill/>
               </a:ln>
@@ -4548,7 +4529,7 @@
         <p:spPr bwMode="auto">
           <a:xfrm>
             <a:off x="22936199" y="11756135"/>
-            <a:ext cx="9481669" cy="8437821"/>
+            <a:ext cx="9481669" cy="3848263"/>
           </a:xfrm>
           <a:prstGeom prst="rect">
             <a:avLst/>
@@ -4865,11 +4846,11 @@
           <a:p>
             <a:pPr algn="ctr"/>
             <a:r>
-              <a:rPr lang="en-US" sz="2800" dirty="0" smtClean="0">
+              <a:rPr lang="en-US" sz="2800" dirty="0">
                 <a:latin typeface="Myriad Pro" panose="020B0503030403020204" pitchFamily="34" charset="0"/>
                 <a:cs typeface="Myriad Arabic" panose="01010101010101010101" pitchFamily="50" charset="-78"/>
               </a:rPr>
-              <a:t>TITLE TEXT</a:t>
+              <a:t>INTRODUCTION</a:t>
             </a:r>
           </a:p>
         </p:txBody>
@@ -4898,11 +4879,11 @@
           <a:p>
             <a:pPr algn="ctr"/>
             <a:r>
-              <a:rPr lang="en-US" sz="2800" cap="all" dirty="0" smtClean="0">
+              <a:rPr lang="en-US" sz="2800" cap="all" dirty="0">
                 <a:latin typeface="Myriad Pro" panose="020B0503030403020204" pitchFamily="34" charset="0"/>
                 <a:cs typeface="Futura"/>
               </a:rPr>
-              <a:t>TITLE TEXT</a:t>
+              <a:t>Methodology</a:t>
             </a:r>
           </a:p>
         </p:txBody>
@@ -4934,16 +4915,12 @@
           <a:p>
             <a:pPr algn="ctr"/>
             <a:r>
-              <a:rPr lang="en-US" sz="2800" cap="all" dirty="0" smtClean="0">
+              <a:rPr lang="en-US" sz="2800" cap="all" dirty="0">
                 <a:latin typeface="Myriad Pro" panose="020B0503030403020204" pitchFamily="34" charset="0"/>
                 <a:cs typeface="Futura"/>
               </a:rPr>
-              <a:t>Title TEXT</a:t>
-            </a:r>
-            <a:endParaRPr lang="en-US" sz="2800" cap="all" dirty="0">
-              <a:latin typeface="Myriad Pro" panose="020B0503030403020204" pitchFamily="34" charset="0"/>
-              <a:cs typeface="Futura"/>
-            </a:endParaRPr>
+              <a:t>FINDINGS</a:t>
+            </a:r>
           </a:p>
         </p:txBody>
       </p:sp>
@@ -4971,16 +4948,12 @@
           <a:p>
             <a:pPr algn="ctr"/>
             <a:r>
-              <a:rPr lang="en-US" sz="2800" dirty="0" smtClean="0">
+              <a:rPr lang="en-US" sz="2800" dirty="0">
                 <a:latin typeface="Myriad Pro" panose="020B0503030403020204" pitchFamily="34" charset="0"/>
                 <a:cs typeface="Futura"/>
               </a:rPr>
-              <a:t>TITLE TEXT</a:t>
-            </a:r>
-            <a:endParaRPr lang="en-US" sz="2800" dirty="0">
-              <a:latin typeface="Myriad Pro" panose="020B0503030403020204" pitchFamily="34" charset="0"/>
-              <a:cs typeface="Futura"/>
-            </a:endParaRPr>
+              <a:t>CONCLUSION and NEXT STEPS</a:t>
+            </a:r>
           </a:p>
         </p:txBody>
       </p:sp>
@@ -4992,8 +4965,8 @@
         </p:nvSpPr>
         <p:spPr>
           <a:xfrm>
-            <a:off x="6794272" y="42565"/>
-            <a:ext cx="17627600" cy="1323439"/>
+            <a:off x="500529" y="228600"/>
+            <a:ext cx="23921343" cy="1107996"/>
           </a:xfrm>
           <a:prstGeom prst="rect">
             <a:avLst/>
@@ -5008,22 +4981,13 @@
           <a:p>
             <a:pPr algn="ctr"/>
             <a:r>
-              <a:rPr lang="en-US" sz="8000" dirty="0" smtClean="0">
+              <a:rPr lang="en-US" sz="6600" dirty="0">
                 <a:solidFill>
                   <a:schemeClr val="bg1"/>
                 </a:solidFill>
                 <a:latin typeface="Impact" panose="020B0806030902050204" pitchFamily="34" charset="0"/>
               </a:rPr>
-              <a:t>POSTER </a:t>
-            </a:r>
-            <a:r>
-              <a:rPr lang="en-US" sz="8000" dirty="0">
-                <a:solidFill>
-                  <a:schemeClr val="bg1"/>
-                </a:solidFill>
-                <a:latin typeface="Impact" panose="020B0806030902050204" pitchFamily="34" charset="0"/>
-              </a:rPr>
-              <a:t>TITLE</a:t>
+              <a:t>Predicting Short-term Cryptocurrency Volatility using Twitter Data</a:t>
             </a:r>
           </a:p>
         </p:txBody>
@@ -5104,7 +5068,7 @@
               <a:buNone/>
               <a:tabLst/>
             </a:pPr>
-            <a:endParaRPr kumimoji="0" lang="en-US" sz="3000" b="0" i="0" u="none" strike="noStrike" cap="none" normalizeH="0" baseline="0" smtClean="0">
+            <a:endParaRPr kumimoji="0" lang="en-US" sz="3000" b="0" i="0" u="none" strike="noStrike" cap="none" normalizeH="0" baseline="0">
               <a:ln>
                 <a:noFill/>
               </a:ln>
@@ -5170,29 +5134,22 @@
           <a:p>
             <a:pPr algn="r"/>
             <a:r>
-              <a:rPr lang="en-US" sz="5334" dirty="0" smtClean="0">
+              <a:rPr lang="en-US" sz="5334" dirty="0">
                 <a:latin typeface="Impact"/>
                 <a:cs typeface="Impact"/>
               </a:rPr>
               <a:t>Purdue Undergraduate Research Conference </a:t>
             </a:r>
             <a:r>
-              <a:rPr lang="en-US" sz="5334" dirty="0" smtClean="0">
+              <a:rPr lang="en-US" sz="5334" dirty="0">
                 <a:solidFill>
                   <a:srgbClr val="4D4038"/>
                 </a:solidFill>
                 <a:latin typeface="Impact"/>
                 <a:cs typeface="Impact"/>
               </a:rPr>
-              <a:t>2018</a:t>
-            </a:r>
-            <a:endParaRPr lang="en-US" sz="5334" dirty="0">
-              <a:solidFill>
-                <a:srgbClr val="4D4038"/>
-              </a:solidFill>
-              <a:latin typeface="Impact"/>
-              <a:cs typeface="Impact"/>
-            </a:endParaRPr>
+              <a:t>2022</a:t>
+            </a:r>
           </a:p>
         </p:txBody>
       </p:sp>
@@ -5246,7 +5203,7 @@
               <a:buNone/>
               <a:tabLst/>
             </a:pPr>
-            <a:endParaRPr kumimoji="0" lang="en-US" sz="3000" b="0" i="0" u="none" strike="noStrike" cap="none" normalizeH="0" baseline="0" smtClean="0">
+            <a:endParaRPr kumimoji="0" lang="en-US" sz="3000" b="0" i="0" u="none" strike="noStrike" cap="none" normalizeH="0" baseline="0">
               <a:ln>
                 <a:noFill/>
               </a:ln>
@@ -5309,7 +5266,7 @@
               <a:buNone/>
               <a:tabLst/>
             </a:pPr>
-            <a:endParaRPr kumimoji="0" lang="en-US" sz="3000" b="0" i="0" u="none" strike="noStrike" cap="none" normalizeH="0" baseline="0" smtClean="0">
+            <a:endParaRPr kumimoji="0" lang="en-US" sz="3000" b="0" i="0" u="none" strike="noStrike" cap="none" normalizeH="0" baseline="0">
               <a:ln>
                 <a:noFill/>
               </a:ln>
@@ -5372,7 +5329,7 @@
               <a:buNone/>
               <a:tabLst/>
             </a:pPr>
-            <a:endParaRPr kumimoji="0" lang="en-US" sz="3000" b="0" i="0" u="none" strike="noStrike" cap="none" normalizeH="0" baseline="0" smtClean="0">
+            <a:endParaRPr kumimoji="0" lang="en-US" sz="3000" b="0" i="0" u="none" strike="noStrike" cap="none" normalizeH="0" baseline="0">
               <a:ln>
                 <a:noFill/>
               </a:ln>
@@ -5435,7 +5392,7 @@
               <a:buNone/>
               <a:tabLst/>
             </a:pPr>
-            <a:endParaRPr kumimoji="0" lang="en-US" sz="3000" b="0" i="0" u="none" strike="noStrike" cap="none" normalizeH="0" baseline="0" smtClean="0">
+            <a:endParaRPr kumimoji="0" lang="en-US" sz="3000" b="0" i="0" u="none" strike="noStrike" cap="none" normalizeH="0" baseline="0">
               <a:ln>
                 <a:noFill/>
               </a:ln>
@@ -5498,7 +5455,7 @@
               <a:buNone/>
               <a:tabLst/>
             </a:pPr>
-            <a:endParaRPr kumimoji="0" lang="en-US" sz="3000" b="0" i="0" u="none" strike="noStrike" cap="none" normalizeH="0" baseline="0" smtClean="0">
+            <a:endParaRPr kumimoji="0" lang="en-US" sz="3000" b="0" i="0" u="none" strike="noStrike" cap="none" normalizeH="0" baseline="0">
               <a:ln>
                 <a:noFill/>
               </a:ln>
@@ -5758,7 +5715,7 @@
           <a:lstStyle/>
           <a:p>
             <a:r>
-              <a:rPr lang="en-US" sz="1800" dirty="0" smtClean="0">
+              <a:rPr lang="en-US" sz="1800" dirty="0">
                 <a:latin typeface="Myriad Pro" panose="020B0503030403020204" pitchFamily="34" charset="0"/>
                 <a:cs typeface="Myriad Arabic" panose="01010101010101010101" pitchFamily="50" charset="-78"/>
               </a:rPr>
@@ -5790,7 +5747,7 @@
           <a:lstStyle/>
           <a:p>
             <a:r>
-              <a:rPr lang="en-US" sz="1800" dirty="0" smtClean="0">
+              <a:rPr lang="en-US" sz="1800" dirty="0">
                 <a:latin typeface="Myriad Pro" panose="020B0503030403020204" pitchFamily="34" charset="0"/>
                 <a:cs typeface="Myriad Arabic" panose="01010101010101010101" pitchFamily="50" charset="-78"/>
               </a:rPr>
@@ -5822,7 +5779,7 @@
           <a:lstStyle/>
           <a:p>
             <a:r>
-              <a:rPr lang="en-US" sz="1800" dirty="0" smtClean="0">
+              <a:rPr lang="en-US" sz="1800" dirty="0">
                 <a:latin typeface="Myriad Pro" panose="020B0503030403020204" pitchFamily="34" charset="0"/>
                 <a:cs typeface="Myriad Arabic" panose="01010101010101010101" pitchFamily="50" charset="-78"/>
               </a:rPr>
@@ -5854,7 +5811,7 @@
           <a:lstStyle/>
           <a:p>
             <a:r>
-              <a:rPr lang="en-US" sz="1800" dirty="0" smtClean="0">
+              <a:rPr lang="en-US" sz="1800" dirty="0">
                 <a:latin typeface="Myriad Pro" panose="020B0503030403020204" pitchFamily="34" charset="0"/>
                 <a:cs typeface="Myriad Arabic" panose="01010101010101010101" pitchFamily="50" charset="-78"/>
               </a:rPr>
@@ -5871,7 +5828,7 @@
         </p:nvSpPr>
         <p:spPr>
           <a:xfrm>
-            <a:off x="6658534" y="1231040"/>
+            <a:off x="4472213" y="1366469"/>
             <a:ext cx="17627600" cy="830997"/>
           </a:xfrm>
           <a:prstGeom prst="rect">
@@ -5887,20 +5844,113 @@
           <a:p>
             <a:pPr algn="ctr"/>
             <a:r>
-              <a:rPr lang="en-US" sz="4800" smtClean="0">
+              <a:rPr lang="en-US" sz="4800" dirty="0">
                 <a:solidFill>
                   <a:schemeClr val="bg1"/>
                 </a:solidFill>
                 <a:latin typeface="Impact" panose="020B0806030902050204" pitchFamily="34" charset="0"/>
               </a:rPr>
-              <a:t>SUBTITLE/NAME(S)</a:t>
-            </a:r>
-            <a:endParaRPr lang="en-US" sz="4800" dirty="0">
-              <a:solidFill>
-                <a:schemeClr val="bg1"/>
-              </a:solidFill>
-              <a:latin typeface="Impact" panose="020B0806030902050204" pitchFamily="34" charset="0"/>
-            </a:endParaRPr>
+              <a:t>Jacob Roach</a:t>
+            </a:r>
+          </a:p>
+        </p:txBody>
+      </p:sp>
+      <p:sp>
+        <p:nvSpPr>
+          <p:cNvPr id="35" name="Rectangle 34">
+            <a:extLst>
+              <a:ext uri="{FF2B5EF4-FFF2-40B4-BE49-F238E27FC236}">
+                <a16:creationId xmlns:a16="http://schemas.microsoft.com/office/drawing/2014/main" id="{38F13CC9-BD23-9D4A-9DA7-6CE379BCC177}"/>
+              </a:ext>
+            </a:extLst>
+          </p:cNvPr>
+          <p:cNvSpPr/>
+          <p:nvPr/>
+        </p:nvSpPr>
+        <p:spPr bwMode="auto">
+          <a:xfrm>
+            <a:off x="22936199" y="16266179"/>
+            <a:ext cx="9481669" cy="3927777"/>
+          </a:xfrm>
+          <a:prstGeom prst="rect">
+            <a:avLst/>
+          </a:prstGeom>
+          <a:solidFill>
+            <a:schemeClr val="bg1">
+              <a:lumMod val="85000"/>
+            </a:schemeClr>
+          </a:solidFill>
+          <a:ln>
+            <a:solidFill>
+              <a:schemeClr val="tx1"/>
+            </a:solidFill>
+            <a:headEnd type="none" w="med" len="med"/>
+            <a:tailEnd type="none" w="med" len="med"/>
+          </a:ln>
+        </p:spPr>
+        <p:style>
+          <a:lnRef idx="1">
+            <a:schemeClr val="accent4"/>
+          </a:lnRef>
+          <a:fillRef idx="2">
+            <a:schemeClr val="accent4"/>
+          </a:fillRef>
+          <a:effectRef idx="1">
+            <a:schemeClr val="accent4"/>
+          </a:effectRef>
+          <a:fontRef idx="minor">
+            <a:schemeClr val="dk1"/>
+          </a:fontRef>
+        </p:style>
+        <p:txBody>
+          <a:bodyPr vert="horz" wrap="square" lIns="60960" tIns="30480" rIns="60960" bIns="30480" numCol="1" rtlCol="0" anchor="t" anchorCtr="0" compatLnSpc="1">
+            <a:prstTxWarp prst="textNoShape">
+              <a:avLst/>
+            </a:prstTxWarp>
+          </a:bodyPr>
+          <a:lstStyle/>
+          <a:p>
+            <a:pPr defTabSz="766272"/>
+            <a:endParaRPr lang="en-US" sz="2000"/>
+          </a:p>
+        </p:txBody>
+      </p:sp>
+      <p:sp>
+        <p:nvSpPr>
+          <p:cNvPr id="39" name="TextBox 38">
+            <a:extLst>
+              <a:ext uri="{FF2B5EF4-FFF2-40B4-BE49-F238E27FC236}">
+                <a16:creationId xmlns:a16="http://schemas.microsoft.com/office/drawing/2014/main" id="{6FD7B961-7595-CE48-8DAA-0BB8E40BE4FC}"/>
+              </a:ext>
+            </a:extLst>
+          </p:cNvPr>
+          <p:cNvSpPr txBox="1"/>
+          <p:nvPr/>
+        </p:nvSpPr>
+        <p:spPr>
+          <a:xfrm>
+            <a:off x="23164800" y="16448424"/>
+            <a:ext cx="9067799" cy="523220"/>
+          </a:xfrm>
+          <a:prstGeom prst="rect">
+            <a:avLst/>
+          </a:prstGeom>
+          <a:noFill/>
+        </p:spPr>
+        <p:txBody>
+          <a:bodyPr wrap="square" rtlCol="0">
+            <a:spAutoFit/>
+          </a:bodyPr>
+          <a:lstStyle/>
+          <a:p>
+            <a:pPr algn="ctr"/>
+            <a:r>
+              <a:rPr lang="en-US" sz="2800" dirty="0">
+                <a:latin typeface="Myriad Pro" panose="020B0503030403020204" pitchFamily="34" charset="0"/>
+                <a:cs typeface="Futura"/>
+              </a:rPr>
+              <a:t>REFERENCES and ACKNOWLEDGEMENTS</a:t>
+            </a:r>
           </a:p>
         </p:txBody>
       </p:sp>
@@ -5914,13 +5964,6 @@
   <p:clrMapOvr>
     <a:masterClrMapping/>
   </p:clrMapOvr>
-  <p:timing>
-    <p:tnLst>
-      <p:par>
-        <p:cTn id="1" dur="indefinite" restart="never" nodeType="tmRoot"/>
-      </p:par>
-    </p:tnLst>
-  </p:timing>
 </p:sld>
 </file>
 

--- a/poster/Poster_Template_Landscape1.pptx
+++ b/poster/Poster_Template_Landscape1.pptx
@@ -295,7 +295,7 @@
               <a:pPr>
                 <a:defRPr/>
               </a:pPr>
-              <a:t>3/22/22</a:t>
+              <a:t>3/29/22</a:t>
             </a:fld>
             <a:endParaRPr lang="en-US"/>
           </a:p>
@@ -1113,7 +1113,7 @@
             <a:fld id="{C4C2F71C-4B08-4389-8F5D-0DF9D63B9394}" type="datetime1">
               <a:rPr lang="en-US"/>
               <a:pPr/>
-              <a:t>3/22/22</a:t>
+              <a:t>3/29/22</a:t>
             </a:fld>
             <a:endParaRPr lang="en-US"/>
           </a:p>
@@ -1304,7 +1304,7 @@
             <a:fld id="{E44472D3-D9C5-45B8-A0FE-DA537DE4FE83}" type="datetime1">
               <a:rPr lang="en-US"/>
               <a:pPr/>
-              <a:t>3/22/22</a:t>
+              <a:t>3/29/22</a:t>
             </a:fld>
             <a:endParaRPr lang="en-US"/>
           </a:p>
@@ -1505,7 +1505,7 @@
             <a:fld id="{77CDF5B8-3EEA-4690-AC98-82BFF2FBE4D2}" type="datetime1">
               <a:rPr lang="en-US"/>
               <a:pPr/>
-              <a:t>3/22/22</a:t>
+              <a:t>3/29/22</a:t>
             </a:fld>
             <a:endParaRPr lang="en-US"/>
           </a:p>
@@ -1696,7 +1696,7 @@
             <a:fld id="{C1054DBE-D131-4EDB-8641-C3A8C99CF218}" type="datetime1">
               <a:rPr lang="en-US"/>
               <a:pPr/>
-              <a:t>3/22/22</a:t>
+              <a:t>3/29/22</a:t>
             </a:fld>
             <a:endParaRPr lang="en-US"/>
           </a:p>
@@ -1964,7 +1964,7 @@
             <a:fld id="{4092172C-BE27-4611-BEC7-D7DEF73798A6}" type="datetime1">
               <a:rPr lang="en-US"/>
               <a:pPr/>
-              <a:t>3/22/22</a:t>
+              <a:t>3/29/22</a:t>
             </a:fld>
             <a:endParaRPr lang="en-US"/>
           </a:p>
@@ -2272,7 +2272,7 @@
             <a:fld id="{5F98B46A-B183-48B1-8EE5-545E75CCCBEF}" type="datetime1">
               <a:rPr lang="en-US"/>
               <a:pPr/>
-              <a:t>3/22/22</a:t>
+              <a:t>3/29/22</a:t>
             </a:fld>
             <a:endParaRPr lang="en-US"/>
           </a:p>
@@ -2719,7 +2719,7 @@
             <a:fld id="{D5556932-39C0-4F2A-896B-651B4F00ECFB}" type="datetime1">
               <a:rPr lang="en-US"/>
               <a:pPr/>
-              <a:t>3/22/22</a:t>
+              <a:t>3/29/22</a:t>
             </a:fld>
             <a:endParaRPr lang="en-US"/>
           </a:p>
@@ -2859,7 +2859,7 @@
             <a:fld id="{A73915A9-D9C0-44FA-9681-731576DB131B}" type="datetime1">
               <a:rPr lang="en-US"/>
               <a:pPr/>
-              <a:t>3/22/22</a:t>
+              <a:t>3/29/22</a:t>
             </a:fld>
             <a:endParaRPr lang="en-US"/>
           </a:p>
@@ -2977,7 +2977,7 @@
             <a:fld id="{4D682095-FDC6-47A4-B17F-B44B6473C2D0}" type="datetime1">
               <a:rPr lang="en-US"/>
               <a:pPr/>
-              <a:t>3/22/22</a:t>
+              <a:t>3/29/22</a:t>
             </a:fld>
             <a:endParaRPr lang="en-US"/>
           </a:p>
@@ -3275,7 +3275,7 @@
             <a:fld id="{1CA98B65-857C-4AD8-ACAB-4365D82174A1}" type="datetime1">
               <a:rPr lang="en-US"/>
               <a:pPr/>
-              <a:t>3/22/22</a:t>
+              <a:t>3/29/22</a:t>
             </a:fld>
             <a:endParaRPr lang="en-US"/>
           </a:p>
@@ -3553,7 +3553,7 @@
             <a:fld id="{CE554E65-4191-47D0-B6EC-09CA8AC19719}" type="datetime1">
               <a:rPr lang="en-US"/>
               <a:pPr/>
-              <a:t>3/22/22</a:t>
+              <a:t>3/29/22</a:t>
             </a:fld>
             <a:endParaRPr lang="en-US"/>
           </a:p>
@@ -3808,7 +3808,7 @@
                 <a:cs typeface="Arial" pitchFamily="34" charset="0"/>
               </a:rPr>
               <a:pPr defTabSz="2925330" eaLnBrk="1" hangingPunct="1"/>
-              <a:t>3/22/22</a:t>
+              <a:t>3/29/22</a:t>
             </a:fld>
             <a:endParaRPr lang="en-US">
               <a:cs typeface="Arial" pitchFamily="34" charset="0"/>
@@ -4414,219 +4414,6 @@
       </p:sp>
       <p:sp>
         <p:nvSpPr>
-          <p:cNvPr id="22" name="Rectangle 21"/>
-          <p:cNvSpPr/>
-          <p:nvPr/>
-        </p:nvSpPr>
-        <p:spPr bwMode="auto">
-          <a:xfrm>
-            <a:off x="7664257" y="11706955"/>
-            <a:ext cx="9272879" cy="8487001"/>
-          </a:xfrm>
-          <a:prstGeom prst="rect">
-            <a:avLst/>
-          </a:prstGeom>
-          <a:solidFill>
-            <a:schemeClr val="bg1">
-              <a:lumMod val="85000"/>
-            </a:schemeClr>
-          </a:solidFill>
-          <a:ln>
-            <a:solidFill>
-              <a:schemeClr val="tx1"/>
-            </a:solidFill>
-            <a:headEnd type="none" w="med" len="med"/>
-            <a:tailEnd type="none" w="med" len="med"/>
-          </a:ln>
-        </p:spPr>
-        <p:style>
-          <a:lnRef idx="1">
-            <a:schemeClr val="accent4"/>
-          </a:lnRef>
-          <a:fillRef idx="2">
-            <a:schemeClr val="accent4"/>
-          </a:fillRef>
-          <a:effectRef idx="1">
-            <a:schemeClr val="accent4"/>
-          </a:effectRef>
-          <a:fontRef idx="minor">
-            <a:schemeClr val="dk1"/>
-          </a:fontRef>
-        </p:style>
-        <p:txBody>
-          <a:bodyPr vert="horz" wrap="square" lIns="60960" tIns="30480" rIns="60960" bIns="30480" numCol="1" rtlCol="0" anchor="t" anchorCtr="0" compatLnSpc="1">
-            <a:prstTxWarp prst="textNoShape">
-              <a:avLst/>
-            </a:prstTxWarp>
-          </a:bodyPr>
-          <a:lstStyle/>
-          <a:p>
-            <a:pPr defTabSz="766272"/>
-            <a:endParaRPr lang="en-US" sz="2000"/>
-          </a:p>
-        </p:txBody>
-      </p:sp>
-      <p:sp>
-        <p:nvSpPr>
-          <p:cNvPr id="21" name="Rectangle 20"/>
-          <p:cNvSpPr/>
-          <p:nvPr/>
-        </p:nvSpPr>
-        <p:spPr bwMode="auto">
-          <a:xfrm>
-            <a:off x="16154399" y="3107592"/>
-            <a:ext cx="16263471" cy="7986762"/>
-          </a:xfrm>
-          <a:prstGeom prst="rect">
-            <a:avLst/>
-          </a:prstGeom>
-          <a:solidFill>
-            <a:schemeClr val="bg1">
-              <a:lumMod val="85000"/>
-            </a:schemeClr>
-          </a:solidFill>
-          <a:ln>
-            <a:solidFill>
-              <a:schemeClr val="tx1"/>
-            </a:solidFill>
-            <a:headEnd type="none" w="med" len="med"/>
-            <a:tailEnd type="none" w="med" len="med"/>
-          </a:ln>
-        </p:spPr>
-        <p:style>
-          <a:lnRef idx="1">
-            <a:schemeClr val="accent4"/>
-          </a:lnRef>
-          <a:fillRef idx="2">
-            <a:schemeClr val="accent4"/>
-          </a:fillRef>
-          <a:effectRef idx="1">
-            <a:schemeClr val="accent4"/>
-          </a:effectRef>
-          <a:fontRef idx="minor">
-            <a:schemeClr val="dk1"/>
-          </a:fontRef>
-        </p:style>
-        <p:txBody>
-          <a:bodyPr vert="horz" wrap="square" lIns="60960" tIns="30480" rIns="60960" bIns="30480" numCol="1" rtlCol="0" anchor="t" anchorCtr="0" compatLnSpc="1">
-            <a:prstTxWarp prst="textNoShape">
-              <a:avLst/>
-            </a:prstTxWarp>
-          </a:bodyPr>
-          <a:lstStyle/>
-          <a:p>
-            <a:pPr defTabSz="766272"/>
-            <a:endParaRPr lang="en-US" sz="2000"/>
-          </a:p>
-        </p:txBody>
-      </p:sp>
-      <p:sp>
-        <p:nvSpPr>
-          <p:cNvPr id="20" name="Rectangle 19"/>
-          <p:cNvSpPr/>
-          <p:nvPr/>
-        </p:nvSpPr>
-        <p:spPr bwMode="auto">
-          <a:xfrm>
-            <a:off x="22936199" y="11756135"/>
-            <a:ext cx="9481669" cy="3848263"/>
-          </a:xfrm>
-          <a:prstGeom prst="rect">
-            <a:avLst/>
-          </a:prstGeom>
-          <a:solidFill>
-            <a:schemeClr val="bg1">
-              <a:lumMod val="85000"/>
-            </a:schemeClr>
-          </a:solidFill>
-          <a:ln>
-            <a:solidFill>
-              <a:schemeClr val="tx1"/>
-            </a:solidFill>
-            <a:headEnd type="none" w="med" len="med"/>
-            <a:tailEnd type="none" w="med" len="med"/>
-          </a:ln>
-        </p:spPr>
-        <p:style>
-          <a:lnRef idx="1">
-            <a:schemeClr val="accent4"/>
-          </a:lnRef>
-          <a:fillRef idx="2">
-            <a:schemeClr val="accent4"/>
-          </a:fillRef>
-          <a:effectRef idx="1">
-            <a:schemeClr val="accent4"/>
-          </a:effectRef>
-          <a:fontRef idx="minor">
-            <a:schemeClr val="dk1"/>
-          </a:fontRef>
-        </p:style>
-        <p:txBody>
-          <a:bodyPr vert="horz" wrap="square" lIns="60960" tIns="30480" rIns="60960" bIns="30480" numCol="1" rtlCol="0" anchor="t" anchorCtr="0" compatLnSpc="1">
-            <a:prstTxWarp prst="textNoShape">
-              <a:avLst/>
-            </a:prstTxWarp>
-          </a:bodyPr>
-          <a:lstStyle/>
-          <a:p>
-            <a:pPr defTabSz="766272"/>
-            <a:endParaRPr lang="en-US" sz="2000"/>
-          </a:p>
-        </p:txBody>
-      </p:sp>
-      <p:sp>
-        <p:nvSpPr>
-          <p:cNvPr id="9" name="Rectangle 8"/>
-          <p:cNvSpPr/>
-          <p:nvPr/>
-        </p:nvSpPr>
-        <p:spPr bwMode="auto">
-          <a:xfrm>
-            <a:off x="533400" y="3107591"/>
-            <a:ext cx="11318913" cy="7986762"/>
-          </a:xfrm>
-          <a:prstGeom prst="rect">
-            <a:avLst/>
-          </a:prstGeom>
-          <a:solidFill>
-            <a:schemeClr val="bg1">
-              <a:lumMod val="85000"/>
-            </a:schemeClr>
-          </a:solidFill>
-          <a:ln>
-            <a:headEnd type="none" w="med" len="med"/>
-            <a:tailEnd type="none" w="med" len="med"/>
-          </a:ln>
-        </p:spPr>
-        <p:style>
-          <a:lnRef idx="1">
-            <a:schemeClr val="dk1"/>
-          </a:lnRef>
-          <a:fillRef idx="2">
-            <a:schemeClr val="dk1"/>
-          </a:fillRef>
-          <a:effectRef idx="1">
-            <a:schemeClr val="dk1"/>
-          </a:effectRef>
-          <a:fontRef idx="minor">
-            <a:schemeClr val="dk1"/>
-          </a:fontRef>
-        </p:style>
-        <p:txBody>
-          <a:bodyPr vert="horz" wrap="square" lIns="60960" tIns="30480" rIns="60960" bIns="30480" numCol="1" rtlCol="0" anchor="t" anchorCtr="0" compatLnSpc="1">
-            <a:prstTxWarp prst="textNoShape">
-              <a:avLst/>
-            </a:prstTxWarp>
-          </a:bodyPr>
-          <a:lstStyle/>
-          <a:p>
-            <a:pPr defTabSz="766272"/>
-            <a:endParaRPr lang="en-US" sz="2000" dirty="0"/>
-          </a:p>
-        </p:txBody>
-      </p:sp>
-      <p:sp>
-        <p:nvSpPr>
           <p:cNvPr id="2090" name="Rectangle 2997"/>
           <p:cNvSpPr>
             <a:spLocks noChangeArrowheads="1"/>
@@ -4725,238 +4512,6 @@
           </a:p>
         </p:txBody>
       </p:sp>
-      <p:pic>
-        <p:nvPicPr>
-          <p:cNvPr id="14" name="Picture 13"/>
-          <p:cNvPicPr>
-            <a:picLocks noChangeAspect="1"/>
-          </p:cNvPicPr>
-          <p:nvPr/>
-        </p:nvPicPr>
-        <p:blipFill>
-          <a:blip r:embed="rId3"/>
-          <a:stretch>
-            <a:fillRect/>
-          </a:stretch>
-        </p:blipFill>
-        <p:spPr>
-          <a:xfrm>
-            <a:off x="558801" y="11756135"/>
-            <a:ext cx="6367930" cy="8437821"/>
-          </a:xfrm>
-          <a:prstGeom prst="rect">
-            <a:avLst/>
-          </a:prstGeom>
-          <a:ln w="38100" cap="sq">
-            <a:solidFill>
-              <a:srgbClr val="000000"/>
-            </a:solidFill>
-            <a:prstDash val="solid"/>
-            <a:miter lim="800000"/>
-          </a:ln>
-          <a:effectLst>
-            <a:outerShdw blurRad="50800" dist="38100" dir="2700000" algn="tl" rotWithShape="0">
-              <a:srgbClr val="000000">
-                <a:alpha val="43000"/>
-              </a:srgbClr>
-            </a:outerShdw>
-          </a:effectLst>
-        </p:spPr>
-      </p:pic>
-      <p:sp>
-        <p:nvSpPr>
-          <p:cNvPr id="7" name="TextBox 6"/>
-          <p:cNvSpPr txBox="1"/>
-          <p:nvPr/>
-        </p:nvSpPr>
-        <p:spPr>
-          <a:xfrm>
-            <a:off x="1024966" y="14406460"/>
-            <a:ext cx="5435600" cy="3046988"/>
-          </a:xfrm>
-          <a:prstGeom prst="rect">
-            <a:avLst/>
-          </a:prstGeom>
-          <a:noFill/>
-        </p:spPr>
-        <p:txBody>
-          <a:bodyPr wrap="square" rtlCol="0">
-            <a:spAutoFit/>
-          </a:bodyPr>
-          <a:lstStyle/>
-          <a:p>
-            <a:pPr algn="ctr"/>
-            <a:r>
-              <a:rPr lang="en-US" sz="4800" dirty="0">
-                <a:solidFill>
-                  <a:schemeClr val="bg1"/>
-                </a:solidFill>
-                <a:latin typeface="Impact" panose="020B0806030902050204" pitchFamily="34" charset="0"/>
-              </a:rPr>
-              <a:t>ADD PHOTOS/VISUALS</a:t>
-            </a:r>
-          </a:p>
-          <a:p>
-            <a:pPr algn="ctr"/>
-            <a:r>
-              <a:rPr lang="en-US" sz="4800" dirty="0">
-                <a:solidFill>
-                  <a:schemeClr val="bg1"/>
-                </a:solidFill>
-                <a:latin typeface="Impact" panose="020B0806030902050204" pitchFamily="34" charset="0"/>
-              </a:rPr>
-              <a:t>TO ENHANCE THE APPEAL</a:t>
-            </a:r>
-          </a:p>
-          <a:p>
-            <a:pPr algn="ctr"/>
-            <a:r>
-              <a:rPr lang="en-US" sz="4800" dirty="0">
-                <a:solidFill>
-                  <a:schemeClr val="bg1"/>
-                </a:solidFill>
-                <a:latin typeface="Impact" panose="020B0806030902050204" pitchFamily="34" charset="0"/>
-              </a:rPr>
-              <a:t>OF YOUR POSTER</a:t>
-            </a:r>
-          </a:p>
-        </p:txBody>
-      </p:sp>
-      <p:sp>
-        <p:nvSpPr>
-          <p:cNvPr id="10" name="TextBox 9"/>
-          <p:cNvSpPr txBox="1"/>
-          <p:nvPr/>
-        </p:nvSpPr>
-        <p:spPr>
-          <a:xfrm>
-            <a:off x="762000" y="3295043"/>
-            <a:ext cx="10820400" cy="523220"/>
-          </a:xfrm>
-          <a:prstGeom prst="rect">
-            <a:avLst/>
-          </a:prstGeom>
-          <a:noFill/>
-        </p:spPr>
-        <p:txBody>
-          <a:bodyPr wrap="square" rtlCol="0">
-            <a:spAutoFit/>
-          </a:bodyPr>
-          <a:lstStyle/>
-          <a:p>
-            <a:pPr algn="ctr"/>
-            <a:r>
-              <a:rPr lang="en-US" sz="2800" dirty="0">
-                <a:latin typeface="Myriad Pro" panose="020B0503030403020204" pitchFamily="34" charset="0"/>
-                <a:cs typeface="Myriad Arabic" panose="01010101010101010101" pitchFamily="50" charset="-78"/>
-              </a:rPr>
-              <a:t>INTRODUCTION</a:t>
-            </a:r>
-          </a:p>
-        </p:txBody>
-      </p:sp>
-      <p:sp>
-        <p:nvSpPr>
-          <p:cNvPr id="24" name="TextBox 23"/>
-          <p:cNvSpPr txBox="1"/>
-          <p:nvPr/>
-        </p:nvSpPr>
-        <p:spPr>
-          <a:xfrm>
-            <a:off x="16355418" y="3291074"/>
-            <a:ext cx="15877181" cy="523220"/>
-          </a:xfrm>
-          <a:prstGeom prst="rect">
-            <a:avLst/>
-          </a:prstGeom>
-          <a:noFill/>
-        </p:spPr>
-        <p:txBody>
-          <a:bodyPr wrap="square" rtlCol="0">
-            <a:spAutoFit/>
-          </a:bodyPr>
-          <a:lstStyle/>
-          <a:p>
-            <a:pPr algn="ctr"/>
-            <a:r>
-              <a:rPr lang="en-US" sz="2800" cap="all" dirty="0">
-                <a:latin typeface="Myriad Pro" panose="020B0503030403020204" pitchFamily="34" charset="0"/>
-                <a:cs typeface="Futura"/>
-              </a:rPr>
-              <a:t>Methodology</a:t>
-            </a:r>
-          </a:p>
-        </p:txBody>
-      </p:sp>
-      <p:sp>
-        <p:nvSpPr>
-          <p:cNvPr id="25" name="TextBox 24"/>
-          <p:cNvSpPr txBox="1"/>
-          <p:nvPr/>
-        </p:nvSpPr>
-        <p:spPr>
-          <a:xfrm>
-            <a:off x="7848599" y="11916393"/>
-            <a:ext cx="8915401" cy="523220"/>
-          </a:xfrm>
-          <a:prstGeom prst="rect">
-            <a:avLst/>
-          </a:prstGeom>
-          <a:noFill/>
-          <a:ln>
-            <a:noFill/>
-          </a:ln>
-        </p:spPr>
-        <p:txBody>
-          <a:bodyPr wrap="square" rtlCol="0">
-            <a:spAutoFit/>
-          </a:bodyPr>
-          <a:lstStyle/>
-          <a:p>
-            <a:pPr algn="ctr"/>
-            <a:r>
-              <a:rPr lang="en-US" sz="2800" cap="all" dirty="0">
-                <a:latin typeface="Myriad Pro" panose="020B0503030403020204" pitchFamily="34" charset="0"/>
-                <a:cs typeface="Futura"/>
-              </a:rPr>
-              <a:t>FINDINGS</a:t>
-            </a:r>
-          </a:p>
-        </p:txBody>
-      </p:sp>
-      <p:sp>
-        <p:nvSpPr>
-          <p:cNvPr id="26" name="TextBox 25"/>
-          <p:cNvSpPr txBox="1"/>
-          <p:nvPr/>
-        </p:nvSpPr>
-        <p:spPr>
-          <a:xfrm>
-            <a:off x="23164800" y="11916393"/>
-            <a:ext cx="9067799" cy="523220"/>
-          </a:xfrm>
-          <a:prstGeom prst="rect">
-            <a:avLst/>
-          </a:prstGeom>
-          <a:noFill/>
-        </p:spPr>
-        <p:txBody>
-          <a:bodyPr wrap="square" rtlCol="0">
-            <a:spAutoFit/>
-          </a:bodyPr>
-          <a:lstStyle/>
-          <a:p>
-            <a:pPr algn="ctr"/>
-            <a:r>
-              <a:rPr lang="en-US" sz="2800" dirty="0">
-                <a:latin typeface="Myriad Pro" panose="020B0503030403020204" pitchFamily="34" charset="0"/>
-                <a:cs typeface="Futura"/>
-              </a:rPr>
-              <a:t>CONCLUSION and NEXT STEPS</a:t>
-            </a:r>
-          </a:p>
-        </p:txBody>
-      </p:sp>
       <p:sp>
         <p:nvSpPr>
           <p:cNvPr id="23" name="TextBox 22"/>
@@ -4985,7 +4540,7 @@
                 <a:solidFill>
                   <a:schemeClr val="bg1"/>
                 </a:solidFill>
-                <a:latin typeface="Impact" panose="020B0806030902050204" pitchFamily="34" charset="0"/>
+                <a:latin typeface="Franklin Gothic Medium" panose="020B0603020102020204" pitchFamily="34" charset="0"/>
               </a:rPr>
               <a:t>Predicting Short-term Cryptocurrency Volatility using Twitter Data</a:t>
             </a:r>
@@ -5081,35 +4636,6 @@
           </a:p>
         </p:txBody>
       </p:sp>
-      <p:pic>
-        <p:nvPicPr>
-          <p:cNvPr id="37" name="Picture 36" descr="SYMPOSIUM.pdf"/>
-          <p:cNvPicPr>
-            <a:picLocks noChangeAspect="1"/>
-          </p:cNvPicPr>
-          <p:nvPr/>
-        </p:nvPicPr>
-        <p:blipFill rotWithShape="1">
-          <a:blip r:embed="rId4">
-            <a:extLst>
-              <a:ext uri="{28A0092B-C50C-407E-A947-70E740481C1C}">
-                <a14:useLocalDpi xmlns:a14="http://schemas.microsoft.com/office/drawing/2010/main" val="0"/>
-              </a:ext>
-            </a:extLst>
-          </a:blip>
-          <a:srcRect l="87570" t="21626" r="3316" b="56315"/>
-          <a:stretch/>
-        </p:blipFill>
-        <p:spPr>
-          <a:xfrm>
-            <a:off x="29750871" y="659775"/>
-            <a:ext cx="2667000" cy="1143000"/>
-          </a:xfrm>
-          <a:prstGeom prst="rect">
-            <a:avLst/>
-          </a:prstGeom>
-        </p:spPr>
-      </p:pic>
       <p:sp>
         <p:nvSpPr>
           <p:cNvPr id="38" name="TextBox 37"/>
@@ -5118,7 +4644,7 @@
         </p:nvSpPr>
         <p:spPr>
           <a:xfrm>
-            <a:off x="8904518" y="20639328"/>
+            <a:off x="9296400" y="20639328"/>
             <a:ext cx="21488400" cy="913199"/>
           </a:xfrm>
           <a:prstGeom prst="rect">
@@ -5135,18 +4661,18 @@
             <a:pPr algn="r"/>
             <a:r>
               <a:rPr lang="en-US" sz="5334" dirty="0">
-                <a:latin typeface="Impact"/>
-                <a:cs typeface="Impact"/>
+                <a:latin typeface="Franklin Gothic Medium" panose="020B0603020102020204" pitchFamily="34" charset="0"/>
+                <a:cs typeface="Arial" panose="020B0604020202020204" pitchFamily="34" charset="0"/>
               </a:rPr>
               <a:t>Purdue Undergraduate Research Conference </a:t>
             </a:r>
             <a:r>
               <a:rPr lang="en-US" sz="5334" dirty="0">
                 <a:solidFill>
-                  <a:srgbClr val="4D4038"/>
+                  <a:srgbClr val="C28E0E"/>
                 </a:solidFill>
-                <a:latin typeface="Impact"/>
-                <a:cs typeface="Impact"/>
+                <a:latin typeface="Franklin Gothic Medium" panose="020B0603020102020204" pitchFamily="34" charset="0"/>
+                <a:cs typeface="Arial" panose="020B0604020202020204" pitchFamily="34" charset="0"/>
               </a:rPr>
               <a:t>2022</a:t>
             </a:r>
@@ -5224,7 +4750,7 @@
         </p:nvSpPr>
         <p:spPr bwMode="auto">
           <a:xfrm rot="5400000">
-            <a:off x="13323510" y="3887641"/>
+            <a:off x="-3744509" y="4175291"/>
             <a:ext cx="3677214" cy="891910"/>
           </a:xfrm>
           <a:prstGeom prst="homePlate">
@@ -5287,7 +4813,7 @@
         </p:nvSpPr>
         <p:spPr bwMode="auto">
           <a:xfrm rot="5400000">
-            <a:off x="10824556" y="5213112"/>
+            <a:off x="-6243463" y="5500762"/>
             <a:ext cx="6390034" cy="891910"/>
           </a:xfrm>
           <a:prstGeom prst="homePlate">
@@ -5350,7 +4876,7 @@
         </p:nvSpPr>
         <p:spPr bwMode="auto">
           <a:xfrm rot="5400000">
-            <a:off x="8450292" y="6363419"/>
+            <a:off x="-8617727" y="6651069"/>
             <a:ext cx="8813552" cy="891910"/>
           </a:xfrm>
           <a:prstGeom prst="homePlate">
@@ -5468,26 +4994,1014 @@
           </a:p>
         </p:txBody>
       </p:sp>
+      <p:grpSp>
+        <p:nvGrpSpPr>
+          <p:cNvPr id="5" name="Group 4">
+            <a:extLst>
+              <a:ext uri="{FF2B5EF4-FFF2-40B4-BE49-F238E27FC236}">
+                <a16:creationId xmlns:a16="http://schemas.microsoft.com/office/drawing/2014/main" id="{00303D50-2C4A-9D4C-8131-2E6B40573D71}"/>
+              </a:ext>
+            </a:extLst>
+          </p:cNvPr>
+          <p:cNvGrpSpPr/>
+          <p:nvPr/>
+        </p:nvGrpSpPr>
+        <p:grpSpPr>
+          <a:xfrm>
+            <a:off x="533401" y="5993005"/>
+            <a:ext cx="10058400" cy="5817995"/>
+            <a:chOff x="465643" y="3107591"/>
+            <a:chExt cx="11338560" cy="7986762"/>
+          </a:xfrm>
+        </p:grpSpPr>
+        <p:grpSp>
+          <p:nvGrpSpPr>
+            <p:cNvPr id="4" name="Group 3">
+              <a:extLst>
+                <a:ext uri="{FF2B5EF4-FFF2-40B4-BE49-F238E27FC236}">
+                  <a16:creationId xmlns:a16="http://schemas.microsoft.com/office/drawing/2014/main" id="{204777D5-360D-1A47-8456-1A2C61B30C92}"/>
+                </a:ext>
+              </a:extLst>
+            </p:cNvPr>
+            <p:cNvGrpSpPr/>
+            <p:nvPr/>
+          </p:nvGrpSpPr>
+          <p:grpSpPr>
+            <a:xfrm>
+              <a:off x="465643" y="3107591"/>
+              <a:ext cx="11338560" cy="7986762"/>
+              <a:chOff x="465643" y="3107591"/>
+              <a:chExt cx="11338560" cy="7986762"/>
+            </a:xfrm>
+          </p:grpSpPr>
+          <p:sp>
+            <p:nvSpPr>
+              <p:cNvPr id="9" name="Rectangle 8"/>
+              <p:cNvSpPr/>
+              <p:nvPr/>
+            </p:nvSpPr>
+            <p:spPr bwMode="auto">
+              <a:xfrm>
+                <a:off x="465643" y="3107591"/>
+                <a:ext cx="11338560" cy="7986762"/>
+              </a:xfrm>
+              <a:prstGeom prst="rect">
+                <a:avLst/>
+              </a:prstGeom>
+              <a:solidFill>
+                <a:schemeClr val="bg1">
+                  <a:lumMod val="85000"/>
+                </a:schemeClr>
+              </a:solidFill>
+              <a:ln>
+                <a:noFill/>
+                <a:headEnd type="none" w="med" len="med"/>
+                <a:tailEnd type="none" w="med" len="med"/>
+              </a:ln>
+            </p:spPr>
+            <p:style>
+              <a:lnRef idx="1">
+                <a:schemeClr val="dk1"/>
+              </a:lnRef>
+              <a:fillRef idx="2">
+                <a:schemeClr val="dk1"/>
+              </a:fillRef>
+              <a:effectRef idx="1">
+                <a:schemeClr val="dk1"/>
+              </a:effectRef>
+              <a:fontRef idx="minor">
+                <a:schemeClr val="dk1"/>
+              </a:fontRef>
+            </p:style>
+            <p:txBody>
+              <a:bodyPr vert="horz" wrap="square" lIns="60960" tIns="30480" rIns="60960" bIns="30480" numCol="1" rtlCol="0" anchor="t" anchorCtr="0" compatLnSpc="1">
+                <a:prstTxWarp prst="textNoShape">
+                  <a:avLst/>
+                </a:prstTxWarp>
+              </a:bodyPr>
+              <a:lstStyle/>
+              <a:p>
+                <a:pPr defTabSz="766272"/>
+                <a:endParaRPr lang="en-US" sz="2000" dirty="0"/>
+              </a:p>
+            </p:txBody>
+          </p:sp>
+          <p:sp>
+            <p:nvSpPr>
+              <p:cNvPr id="10" name="TextBox 9"/>
+              <p:cNvSpPr txBox="1"/>
+              <p:nvPr/>
+            </p:nvSpPr>
+            <p:spPr>
+              <a:xfrm>
+                <a:off x="762000" y="3295043"/>
+                <a:ext cx="10820400" cy="523220"/>
+              </a:xfrm>
+              <a:prstGeom prst="rect">
+                <a:avLst/>
+              </a:prstGeom>
+              <a:noFill/>
+            </p:spPr>
+            <p:txBody>
+              <a:bodyPr wrap="square" rtlCol="0">
+                <a:spAutoFit/>
+              </a:bodyPr>
+              <a:lstStyle/>
+              <a:p>
+                <a:pPr algn="ctr"/>
+                <a:r>
+                  <a:rPr lang="en-US" sz="2800" dirty="0">
+                    <a:latin typeface="Myriad Pro" panose="020B0503030403020204" pitchFamily="34" charset="0"/>
+                    <a:cs typeface="Myriad Arabic" panose="01010101010101010101" pitchFamily="50" charset="-78"/>
+                  </a:rPr>
+                  <a:t>INTRODUCTION</a:t>
+                </a:r>
+              </a:p>
+            </p:txBody>
+          </p:sp>
+        </p:grpSp>
+        <p:sp>
+          <p:nvSpPr>
+            <p:cNvPr id="53" name="TextBox 52"/>
+            <p:cNvSpPr txBox="1"/>
+            <p:nvPr/>
+          </p:nvSpPr>
+          <p:spPr>
+            <a:xfrm>
+              <a:off x="762000" y="4084839"/>
+              <a:ext cx="10820400" cy="6591094"/>
+            </a:xfrm>
+            <a:prstGeom prst="rect">
+              <a:avLst/>
+            </a:prstGeom>
+            <a:noFill/>
+          </p:spPr>
+          <p:txBody>
+            <a:bodyPr wrap="square" rtlCol="0">
+              <a:spAutoFit/>
+            </a:bodyPr>
+            <a:lstStyle/>
+            <a:p>
+              <a:pPr algn="just"/>
+              <a:r>
+                <a:rPr lang="en-US" sz="1800" dirty="0">
+                  <a:latin typeface="Arial" panose="020B0604020202020204" pitchFamily="34" charset="0"/>
+                  <a:cs typeface="Arial" panose="020B0604020202020204" pitchFamily="34" charset="0"/>
+                </a:rPr>
+                <a:t>Using social media, specifically Twitter, to predict price fluctuations in financial instruments is not an original idea. In 2011, a team of researchers used Twitter data to predict stock market performance with 87% accuracy (Bollen et al, 2011). Since then, many have taken interest in applying this new logic to algorithmic trading, most recently, to cryptocurrency.</a:t>
+              </a:r>
+            </a:p>
+            <a:p>
+              <a:pPr algn="just"/>
+              <a:r>
+                <a:rPr lang="en-US" sz="1800" dirty="0">
+                  <a:latin typeface="Arial" panose="020B0604020202020204" pitchFamily="34" charset="0"/>
+                  <a:cs typeface="Arial" panose="020B0604020202020204" pitchFamily="34" charset="0"/>
+                </a:rPr>
+                <a:t> </a:t>
+              </a:r>
+            </a:p>
+            <a:p>
+              <a:pPr algn="just"/>
+              <a:r>
+                <a:rPr lang="en-US" sz="1800" dirty="0">
+                  <a:latin typeface="Arial" panose="020B0604020202020204" pitchFamily="34" charset="0"/>
+                  <a:cs typeface="Arial" panose="020B0604020202020204" pitchFamily="34" charset="0"/>
+                </a:rPr>
+                <a:t>Cryptocurrency, as suggested in the name, is a digital currency that can be used to buy and sell goods online in a secure fashion. There are many different forms of cryptocurrency, but the most popular is Bitcoin. Not only can Bitcoin be used as a digital currency, but it can also be traded, like a stock (or other currency). The value of Bitcoin fluctuates, like the value of a publicly traded stock or foreign currency. Bitcoin was first introduced as a digital currency that could be "traded" in 2009. Since then, Bitcoin has been one of the most volatile financial instruments on the market, with massive price swings in response to not only the financial market, but also the future of Bitcoin as a currency.</a:t>
+              </a:r>
+            </a:p>
+            <a:p>
+              <a:pPr algn="just"/>
+              <a:r>
+                <a:rPr lang="en-US" sz="1800" dirty="0">
+                  <a:latin typeface="Arial" panose="020B0604020202020204" pitchFamily="34" charset="0"/>
+                  <a:cs typeface="Arial" panose="020B0604020202020204" pitchFamily="34" charset="0"/>
+                </a:rPr>
+                <a:t> </a:t>
+              </a:r>
+            </a:p>
+            <a:p>
+              <a:pPr algn="just"/>
+              <a:r>
+                <a:rPr lang="en-US" sz="1800" dirty="0">
+                  <a:latin typeface="Arial" panose="020B0604020202020204" pitchFamily="34" charset="0"/>
+                  <a:cs typeface="Arial" panose="020B0604020202020204" pitchFamily="34" charset="0"/>
+                </a:rPr>
+                <a:t>To profit from trading Bitcoin, an investor must sell Bitcoin at a higher price than they initially paid. Hypothetically, an algorithmic solution with a high-degree of accuracy can trade non-stop, and profit repeatedly on small gains, maximizing short-term fluctuations.</a:t>
+              </a:r>
+            </a:p>
+          </p:txBody>
+        </p:sp>
+      </p:grpSp>
+      <p:grpSp>
+        <p:nvGrpSpPr>
+          <p:cNvPr id="11" name="Group 10">
+            <a:extLst>
+              <a:ext uri="{FF2B5EF4-FFF2-40B4-BE49-F238E27FC236}">
+                <a16:creationId xmlns:a16="http://schemas.microsoft.com/office/drawing/2014/main" id="{A58703BD-DBBA-DF47-864F-21B40A5505EE}"/>
+              </a:ext>
+            </a:extLst>
+          </p:cNvPr>
+          <p:cNvGrpSpPr/>
+          <p:nvPr/>
+        </p:nvGrpSpPr>
+        <p:grpSpPr>
+          <a:xfrm>
+            <a:off x="10854698" y="3160362"/>
+            <a:ext cx="10058400" cy="8732622"/>
+            <a:chOff x="7664257" y="11706955"/>
+            <a:chExt cx="9272879" cy="8487001"/>
+          </a:xfrm>
+        </p:grpSpPr>
+        <p:sp>
+          <p:nvSpPr>
+            <p:cNvPr id="22" name="Rectangle 21"/>
+            <p:cNvSpPr/>
+            <p:nvPr/>
+          </p:nvSpPr>
+          <p:spPr bwMode="auto">
+            <a:xfrm>
+              <a:off x="7664257" y="11706955"/>
+              <a:ext cx="9272879" cy="8487001"/>
+            </a:xfrm>
+            <a:prstGeom prst="rect">
+              <a:avLst/>
+            </a:prstGeom>
+            <a:solidFill>
+              <a:schemeClr val="bg1">
+                <a:lumMod val="85000"/>
+              </a:schemeClr>
+            </a:solidFill>
+            <a:ln>
+              <a:noFill/>
+              <a:headEnd type="none" w="med" len="med"/>
+              <a:tailEnd type="none" w="med" len="med"/>
+            </a:ln>
+          </p:spPr>
+          <p:style>
+            <a:lnRef idx="1">
+              <a:schemeClr val="accent4"/>
+            </a:lnRef>
+            <a:fillRef idx="2">
+              <a:schemeClr val="accent4"/>
+            </a:fillRef>
+            <a:effectRef idx="1">
+              <a:schemeClr val="accent4"/>
+            </a:effectRef>
+            <a:fontRef idx="minor">
+              <a:schemeClr val="dk1"/>
+            </a:fontRef>
+          </p:style>
+          <p:txBody>
+            <a:bodyPr vert="horz" wrap="square" lIns="60960" tIns="30480" rIns="60960" bIns="30480" numCol="1" rtlCol="0" anchor="t" anchorCtr="0" compatLnSpc="1">
+              <a:prstTxWarp prst="textNoShape">
+                <a:avLst/>
+              </a:prstTxWarp>
+            </a:bodyPr>
+            <a:lstStyle/>
+            <a:p>
+              <a:pPr defTabSz="766272"/>
+              <a:endParaRPr lang="en-US" sz="2000"/>
+            </a:p>
+          </p:txBody>
+        </p:sp>
+        <p:sp>
+          <p:nvSpPr>
+            <p:cNvPr id="25" name="TextBox 24"/>
+            <p:cNvSpPr txBox="1"/>
+            <p:nvPr/>
+          </p:nvSpPr>
+          <p:spPr>
+            <a:xfrm>
+              <a:off x="7848599" y="11916393"/>
+              <a:ext cx="8915401" cy="523220"/>
+            </a:xfrm>
+            <a:prstGeom prst="rect">
+              <a:avLst/>
+            </a:prstGeom>
+            <a:noFill/>
+            <a:ln>
+              <a:noFill/>
+            </a:ln>
+          </p:spPr>
+          <p:txBody>
+            <a:bodyPr wrap="square" rtlCol="0">
+              <a:spAutoFit/>
+            </a:bodyPr>
+            <a:lstStyle/>
+            <a:p>
+              <a:pPr algn="ctr"/>
+              <a:r>
+                <a:rPr lang="en-US" sz="2800" cap="all" dirty="0">
+                  <a:latin typeface="Myriad Pro" panose="020B0503030403020204" pitchFamily="34" charset="0"/>
+                  <a:cs typeface="Futura"/>
+                </a:rPr>
+                <a:t>Data and data Collection</a:t>
+              </a:r>
+            </a:p>
+          </p:txBody>
+        </p:sp>
+        <p:sp>
+          <p:nvSpPr>
+            <p:cNvPr id="55" name="TextBox 54"/>
+            <p:cNvSpPr txBox="1"/>
+            <p:nvPr/>
+          </p:nvSpPr>
+          <p:spPr>
+            <a:xfrm>
+              <a:off x="7848599" y="12446451"/>
+              <a:ext cx="8915401" cy="7024829"/>
+            </a:xfrm>
+            <a:prstGeom prst="rect">
+              <a:avLst/>
+            </a:prstGeom>
+            <a:noFill/>
+          </p:spPr>
+          <p:txBody>
+            <a:bodyPr wrap="square" rtlCol="0">
+              <a:spAutoFit/>
+            </a:bodyPr>
+            <a:lstStyle/>
+            <a:p>
+              <a:r>
+                <a:rPr lang="en-US" sz="1800" dirty="0">
+                  <a:latin typeface="Arial" panose="020B0604020202020204" pitchFamily="34" charset="0"/>
+                  <a:cs typeface="Arial" panose="020B0604020202020204" pitchFamily="34" charset="0"/>
+                </a:rPr>
+                <a:t>Tweets and Bitcoin prices are streamed in real time. A custom Django application is used to stream this data into a cloud-hosted PostgreSQL database. Tweets containing the token “Bitcoin” were streamed using the Twitter API. Simultaneously, the price of Bitcoin was streamed using the TwelveData API at the granularity of a minute. For the purpose of this research, data was collected for a set time interval, and then written to a flat-file. </a:t>
+              </a:r>
+            </a:p>
+            <a:p>
+              <a:r>
+                <a:rPr lang="en-US" sz="1800" dirty="0">
+                  <a:latin typeface="Arial" panose="020B0604020202020204" pitchFamily="34" charset="0"/>
+                  <a:cs typeface="Arial" panose="020B0604020202020204" pitchFamily="34" charset="0"/>
+                </a:rPr>
+                <a:t> </a:t>
+              </a:r>
+            </a:p>
+            <a:p>
+              <a:r>
+                <a:rPr lang="en-US" sz="1800" dirty="0">
+                  <a:latin typeface="Arial" panose="020B0604020202020204" pitchFamily="34" charset="0"/>
+                  <a:cs typeface="Arial" panose="020B0604020202020204" pitchFamily="34" charset="0"/>
+                </a:rPr>
+                <a:t>As Tweets were streamed into a database, they were cleaned. This ensured that the content of the Tweet only contained valuable information. The cleaning process included …. (fill this in here).</a:t>
+              </a:r>
+            </a:p>
+            <a:p>
+              <a:r>
+                <a:rPr lang="en-US" sz="1800" dirty="0">
+                  <a:latin typeface="Arial" panose="020B0604020202020204" pitchFamily="34" charset="0"/>
+                  <a:cs typeface="Arial" panose="020B0604020202020204" pitchFamily="34" charset="0"/>
+                </a:rPr>
+                <a:t> </a:t>
+              </a:r>
+            </a:p>
+            <a:p>
+              <a:r>
+                <a:rPr lang="en-US" sz="1800" dirty="0">
+                  <a:latin typeface="Arial" panose="020B0604020202020204" pitchFamily="34" charset="0"/>
+                  <a:cs typeface="Arial" panose="020B0604020202020204" pitchFamily="34" charset="0"/>
+                </a:rPr>
+                <a:t>On their own, Tweets are relatively useless. In order to offer predictive value, these Tweets must somehow be converted to numbers. Luckily, BERT offers such a solution (make sure to include a reference here). Each Tweet that was collected during the designated time interval was “BERTified”. The result is a vector of 768 floats, ranging from values 0 to 1.</a:t>
+              </a:r>
+            </a:p>
+            <a:p>
+              <a:r>
+                <a:rPr lang="en-US" sz="1800" dirty="0">
+                  <a:latin typeface="Arial" panose="020B0604020202020204" pitchFamily="34" charset="0"/>
+                  <a:cs typeface="Arial" panose="020B0604020202020204" pitchFamily="34" charset="0"/>
+                </a:rPr>
+                <a:t> </a:t>
+              </a:r>
+            </a:p>
+            <a:p>
+              <a:r>
+                <a:rPr lang="en-US" sz="1800" dirty="0">
+                  <a:latin typeface="Arial" panose="020B0604020202020204" pitchFamily="34" charset="0"/>
+                  <a:cs typeface="Arial" panose="020B0604020202020204" pitchFamily="34" charset="0"/>
+                </a:rPr>
+                <a:t>To train a machine learning model, the Twitter and Bitcoin data must be combined in a meaningful way to create training dataset. Each minute, there are hundred of Tweets made containing the token “Bitcoin”. Each Tweet is stamped to the precision of a minute (seconds are truncated from the timestamp). Since Bitcoin prices are also collected each minute, it is easy to join this dataset on each records associate timestamp. For each timestamp, if the price of Bitcoin increased by XXX% in the next XXX hours, then the price increased for that time stamp. If not, it decreased. This feature was called "increase” and represents the predictive goal. The data was then split into a training and testing dataset by labeling each Tweet made in 80% of the time stamps to the training data, while the Tweets belonging to the remaining 20% of time stamps were saved for evaluating the model after it had been trained.</a:t>
+              </a:r>
+            </a:p>
+            <a:p>
+              <a:endParaRPr lang="en-US" sz="1800" dirty="0">
+                <a:latin typeface="Arial" panose="020B0604020202020204" pitchFamily="34" charset="0"/>
+                <a:cs typeface="Arial" panose="020B0604020202020204" pitchFamily="34" charset="0"/>
+              </a:endParaRPr>
+            </a:p>
+          </p:txBody>
+        </p:sp>
+      </p:grpSp>
+      <p:grpSp>
+        <p:nvGrpSpPr>
+          <p:cNvPr id="6" name="Group 5">
+            <a:extLst>
+              <a:ext uri="{FF2B5EF4-FFF2-40B4-BE49-F238E27FC236}">
+                <a16:creationId xmlns:a16="http://schemas.microsoft.com/office/drawing/2014/main" id="{2A2D84A3-DDEA-3640-86DE-FB17F93050D6}"/>
+              </a:ext>
+            </a:extLst>
+          </p:cNvPr>
+          <p:cNvGrpSpPr/>
+          <p:nvPr/>
+        </p:nvGrpSpPr>
+        <p:grpSpPr>
+          <a:xfrm>
+            <a:off x="21692198" y="12073266"/>
+            <a:ext cx="10058400" cy="3931920"/>
+            <a:chOff x="22936199" y="11756135"/>
+            <a:chExt cx="9272016" cy="3848263"/>
+          </a:xfrm>
+        </p:grpSpPr>
+        <p:sp>
+          <p:nvSpPr>
+            <p:cNvPr id="20" name="Rectangle 19"/>
+            <p:cNvSpPr/>
+            <p:nvPr/>
+          </p:nvSpPr>
+          <p:spPr bwMode="auto">
+            <a:xfrm>
+              <a:off x="22936199" y="11756135"/>
+              <a:ext cx="9272016" cy="3848263"/>
+            </a:xfrm>
+            <a:prstGeom prst="rect">
+              <a:avLst/>
+            </a:prstGeom>
+            <a:solidFill>
+              <a:schemeClr val="bg1">
+                <a:lumMod val="85000"/>
+              </a:schemeClr>
+            </a:solidFill>
+            <a:ln>
+              <a:noFill/>
+              <a:headEnd type="none" w="med" len="med"/>
+              <a:tailEnd type="none" w="med" len="med"/>
+            </a:ln>
+          </p:spPr>
+          <p:style>
+            <a:lnRef idx="1">
+              <a:schemeClr val="accent4"/>
+            </a:lnRef>
+            <a:fillRef idx="2">
+              <a:schemeClr val="accent4"/>
+            </a:fillRef>
+            <a:effectRef idx="1">
+              <a:schemeClr val="accent4"/>
+            </a:effectRef>
+            <a:fontRef idx="minor">
+              <a:schemeClr val="dk1"/>
+            </a:fontRef>
+          </p:style>
+          <p:txBody>
+            <a:bodyPr vert="horz" wrap="square" lIns="60960" tIns="30480" rIns="60960" bIns="30480" numCol="1" rtlCol="0" anchor="t" anchorCtr="0" compatLnSpc="1">
+              <a:prstTxWarp prst="textNoShape">
+                <a:avLst/>
+              </a:prstTxWarp>
+            </a:bodyPr>
+            <a:lstStyle/>
+            <a:p>
+              <a:pPr defTabSz="766272"/>
+              <a:endParaRPr lang="en-US" sz="2000"/>
+            </a:p>
+          </p:txBody>
+        </p:sp>
+        <p:sp>
+          <p:nvSpPr>
+            <p:cNvPr id="26" name="TextBox 25"/>
+            <p:cNvSpPr txBox="1"/>
+            <p:nvPr/>
+          </p:nvSpPr>
+          <p:spPr>
+            <a:xfrm>
+              <a:off x="23037202" y="11976317"/>
+              <a:ext cx="9067799" cy="523220"/>
+            </a:xfrm>
+            <a:prstGeom prst="rect">
+              <a:avLst/>
+            </a:prstGeom>
+            <a:noFill/>
+          </p:spPr>
+          <p:txBody>
+            <a:bodyPr wrap="square" rtlCol="0">
+              <a:spAutoFit/>
+            </a:bodyPr>
+            <a:lstStyle/>
+            <a:p>
+              <a:pPr algn="ctr"/>
+              <a:r>
+                <a:rPr lang="en-US" sz="2800" dirty="0">
+                  <a:latin typeface="Myriad Pro" panose="020B0503030403020204" pitchFamily="34" charset="0"/>
+                  <a:cs typeface="Futura"/>
+                </a:rPr>
+                <a:t>CONCLUSION, NEXT STEPS</a:t>
+              </a:r>
+            </a:p>
+          </p:txBody>
+        </p:sp>
+        <p:sp>
+          <p:nvSpPr>
+            <p:cNvPr id="56" name="TextBox 55"/>
+            <p:cNvSpPr txBox="1"/>
+            <p:nvPr/>
+          </p:nvSpPr>
+          <p:spPr>
+            <a:xfrm>
+              <a:off x="23084117" y="12468973"/>
+              <a:ext cx="8915400" cy="2259211"/>
+            </a:xfrm>
+            <a:prstGeom prst="rect">
+              <a:avLst/>
+            </a:prstGeom>
+            <a:noFill/>
+          </p:spPr>
+          <p:txBody>
+            <a:bodyPr wrap="square" rtlCol="0">
+              <a:spAutoFit/>
+            </a:bodyPr>
+            <a:lstStyle/>
+            <a:p>
+              <a:r>
+                <a:rPr lang="en-US" sz="1800" dirty="0">
+                  <a:latin typeface="Arial" panose="020B0604020202020204" pitchFamily="34" charset="0"/>
+                  <a:cs typeface="Arial" panose="020B0604020202020204" pitchFamily="34" charset="0"/>
+                </a:rPr>
+                <a:t>Before this model could be used to support algorithmic trading, further research regarding alternative features and models would be required. However, with an accuracy of XXX% when using majority voting, there is clearly potential for such a solution to provide meaningful insights into Bitcoin price fluctuations. This includes safeguards that retrain and evaluate models at set intervals, ensuring the integrity of the solution is not compromised. After further exploration and experimentation, this solution could be deployed as an API to provide algorithmic traders a method to guide trading and even help explain short-term changes in cryptocurrency value.</a:t>
+              </a:r>
+            </a:p>
+          </p:txBody>
+        </p:sp>
+      </p:grpSp>
+      <p:sp>
+        <p:nvSpPr>
+          <p:cNvPr id="57" name="TextBox 56"/>
+          <p:cNvSpPr txBox="1"/>
+          <p:nvPr/>
+        </p:nvSpPr>
+        <p:spPr>
+          <a:xfrm>
+            <a:off x="4472213" y="1366469"/>
+            <a:ext cx="17627600" cy="830997"/>
+          </a:xfrm>
+          <a:prstGeom prst="rect">
+            <a:avLst/>
+          </a:prstGeom>
+          <a:noFill/>
+        </p:spPr>
+        <p:txBody>
+          <a:bodyPr wrap="square" rtlCol="0">
+            <a:spAutoFit/>
+          </a:bodyPr>
+          <a:lstStyle/>
+          <a:p>
+            <a:pPr algn="ctr"/>
+            <a:r>
+              <a:rPr lang="en-US" sz="4800" dirty="0">
+                <a:solidFill>
+                  <a:srgbClr val="C28E0E"/>
+                </a:solidFill>
+                <a:latin typeface="Franklin Gothic Medium" panose="020B0603020102020204" pitchFamily="34" charset="0"/>
+              </a:rPr>
+              <a:t>Jacob Roach</a:t>
+            </a:r>
+          </a:p>
+        </p:txBody>
+      </p:sp>
+      <p:sp>
+        <p:nvSpPr>
+          <p:cNvPr id="2" name="TextBox 1">
+            <a:extLst>
+              <a:ext uri="{FF2B5EF4-FFF2-40B4-BE49-F238E27FC236}">
+                <a16:creationId xmlns:a16="http://schemas.microsoft.com/office/drawing/2014/main" id="{07D5ADE5-ACDA-4B46-B91B-A5BFAD0C1799}"/>
+              </a:ext>
+            </a:extLst>
+          </p:cNvPr>
+          <p:cNvSpPr txBox="1"/>
+          <p:nvPr/>
+        </p:nvSpPr>
+        <p:spPr>
+          <a:xfrm>
+            <a:off x="2400300" y="13716000"/>
+            <a:ext cx="2932213" cy="553998"/>
+          </a:xfrm>
+          <a:prstGeom prst="rect">
+            <a:avLst/>
+          </a:prstGeom>
+          <a:noFill/>
+        </p:spPr>
+        <p:txBody>
+          <a:bodyPr wrap="none" rtlCol="0">
+            <a:spAutoFit/>
+          </a:bodyPr>
+          <a:lstStyle/>
+          <a:p>
+            <a:r>
+              <a:rPr lang="en-US" sz="3000" dirty="0"/>
+              <a:t>Confusion Matrix</a:t>
+            </a:r>
+          </a:p>
+        </p:txBody>
+      </p:sp>
+      <p:sp>
+        <p:nvSpPr>
+          <p:cNvPr id="3" name="TextBox 2">
+            <a:extLst>
+              <a:ext uri="{FF2B5EF4-FFF2-40B4-BE49-F238E27FC236}">
+                <a16:creationId xmlns:a16="http://schemas.microsoft.com/office/drawing/2014/main" id="{6E5346C5-4CAA-1E4A-AED7-4A42F607A6F4}"/>
+              </a:ext>
+            </a:extLst>
+          </p:cNvPr>
+          <p:cNvSpPr txBox="1"/>
+          <p:nvPr/>
+        </p:nvSpPr>
+        <p:spPr>
+          <a:xfrm>
+            <a:off x="2400300" y="14516610"/>
+            <a:ext cx="2581156" cy="553998"/>
+          </a:xfrm>
+          <a:prstGeom prst="rect">
+            <a:avLst/>
+          </a:prstGeom>
+          <a:noFill/>
+        </p:spPr>
+        <p:txBody>
+          <a:bodyPr wrap="none" rtlCol="0">
+            <a:spAutoFit/>
+          </a:bodyPr>
+          <a:lstStyle/>
+          <a:p>
+            <a:r>
+              <a:rPr lang="en-US" sz="3000" dirty="0"/>
+              <a:t>Percentage of 1</a:t>
+            </a:r>
+          </a:p>
+        </p:txBody>
+      </p:sp>
+      <p:sp>
+        <p:nvSpPr>
+          <p:cNvPr id="40" name="TextBox 39">
+            <a:extLst>
+              <a:ext uri="{FF2B5EF4-FFF2-40B4-BE49-F238E27FC236}">
+                <a16:creationId xmlns:a16="http://schemas.microsoft.com/office/drawing/2014/main" id="{C2FBF7B8-9686-1B4D-9028-EFA9D0326802}"/>
+              </a:ext>
+            </a:extLst>
+          </p:cNvPr>
+          <p:cNvSpPr txBox="1"/>
+          <p:nvPr/>
+        </p:nvSpPr>
+        <p:spPr>
+          <a:xfrm>
+            <a:off x="2400300" y="15270553"/>
+            <a:ext cx="4078361" cy="553998"/>
+          </a:xfrm>
+          <a:prstGeom prst="rect">
+            <a:avLst/>
+          </a:prstGeom>
+          <a:noFill/>
+        </p:spPr>
+        <p:txBody>
+          <a:bodyPr wrap="none" rtlCol="0">
+            <a:spAutoFit/>
+          </a:bodyPr>
+          <a:lstStyle/>
+          <a:p>
+            <a:r>
+              <a:rPr lang="en-US" sz="3000" dirty="0"/>
+              <a:t>Diagram of methodology</a:t>
+            </a:r>
+          </a:p>
+        </p:txBody>
+      </p:sp>
+      <p:grpSp>
+        <p:nvGrpSpPr>
+          <p:cNvPr id="42" name="Group 41">
+            <a:extLst>
+              <a:ext uri="{FF2B5EF4-FFF2-40B4-BE49-F238E27FC236}">
+                <a16:creationId xmlns:a16="http://schemas.microsoft.com/office/drawing/2014/main" id="{D4BAB6AE-5D4F-D44E-A220-3FB546C3B14C}"/>
+              </a:ext>
+            </a:extLst>
+          </p:cNvPr>
+          <p:cNvGrpSpPr/>
+          <p:nvPr/>
+        </p:nvGrpSpPr>
+        <p:grpSpPr>
+          <a:xfrm>
+            <a:off x="533401" y="3084904"/>
+            <a:ext cx="10058400" cy="1455949"/>
+            <a:chOff x="22936199" y="11756136"/>
+            <a:chExt cx="9470987" cy="3848263"/>
+          </a:xfrm>
+        </p:grpSpPr>
+        <p:sp>
+          <p:nvSpPr>
+            <p:cNvPr id="44" name="Rectangle 43">
+              <a:extLst>
+                <a:ext uri="{FF2B5EF4-FFF2-40B4-BE49-F238E27FC236}">
+                  <a16:creationId xmlns:a16="http://schemas.microsoft.com/office/drawing/2014/main" id="{F0956A7F-78D3-7646-9BF6-CEF991E62BCC}"/>
+                </a:ext>
+              </a:extLst>
+            </p:cNvPr>
+            <p:cNvSpPr/>
+            <p:nvPr/>
+          </p:nvSpPr>
+          <p:spPr bwMode="auto">
+            <a:xfrm>
+              <a:off x="22936199" y="11756136"/>
+              <a:ext cx="9470987" cy="3848263"/>
+            </a:xfrm>
+            <a:prstGeom prst="rect">
+              <a:avLst/>
+            </a:prstGeom>
+            <a:solidFill>
+              <a:schemeClr val="bg1">
+                <a:lumMod val="85000"/>
+              </a:schemeClr>
+            </a:solidFill>
+            <a:ln>
+              <a:noFill/>
+              <a:headEnd type="none" w="med" len="med"/>
+              <a:tailEnd type="none" w="med" len="med"/>
+            </a:ln>
+          </p:spPr>
+          <p:style>
+            <a:lnRef idx="1">
+              <a:schemeClr val="accent4"/>
+            </a:lnRef>
+            <a:fillRef idx="2">
+              <a:schemeClr val="accent4"/>
+            </a:fillRef>
+            <a:effectRef idx="1">
+              <a:schemeClr val="accent4"/>
+            </a:effectRef>
+            <a:fontRef idx="minor">
+              <a:schemeClr val="dk1"/>
+            </a:fontRef>
+          </p:style>
+          <p:txBody>
+            <a:bodyPr vert="horz" wrap="square" lIns="60960" tIns="30480" rIns="60960" bIns="30480" numCol="1" rtlCol="0" anchor="t" anchorCtr="0" compatLnSpc="1">
+              <a:prstTxWarp prst="textNoShape">
+                <a:avLst/>
+              </a:prstTxWarp>
+            </a:bodyPr>
+            <a:lstStyle/>
+            <a:p>
+              <a:pPr defTabSz="766272"/>
+              <a:endParaRPr lang="en-US" sz="2000"/>
+            </a:p>
+          </p:txBody>
+        </p:sp>
+        <p:sp>
+          <p:nvSpPr>
+            <p:cNvPr id="48" name="TextBox 47">
+              <a:extLst>
+                <a:ext uri="{FF2B5EF4-FFF2-40B4-BE49-F238E27FC236}">
+                  <a16:creationId xmlns:a16="http://schemas.microsoft.com/office/drawing/2014/main" id="{ACD76268-1F81-E04F-800C-8E72B17553B3}"/>
+                </a:ext>
+              </a:extLst>
+            </p:cNvPr>
+            <p:cNvSpPr txBox="1"/>
+            <p:nvPr/>
+          </p:nvSpPr>
+          <p:spPr>
+            <a:xfrm>
+              <a:off x="23164800" y="12193101"/>
+              <a:ext cx="9067799" cy="875339"/>
+            </a:xfrm>
+            <a:prstGeom prst="rect">
+              <a:avLst/>
+            </a:prstGeom>
+            <a:noFill/>
+          </p:spPr>
+          <p:txBody>
+            <a:bodyPr wrap="square" rtlCol="0">
+              <a:spAutoFit/>
+            </a:bodyPr>
+            <a:lstStyle/>
+            <a:p>
+              <a:pPr algn="ctr"/>
+              <a:r>
+                <a:rPr lang="en-US" sz="2800" dirty="0">
+                  <a:latin typeface="Myriad Pro" panose="020B0503030403020204" pitchFamily="34" charset="0"/>
+                  <a:cs typeface="Futura"/>
+                </a:rPr>
+                <a:t>GOAL</a:t>
+              </a:r>
+            </a:p>
+          </p:txBody>
+        </p:sp>
+        <p:sp>
+          <p:nvSpPr>
+            <p:cNvPr id="49" name="TextBox 48">
+              <a:extLst>
+                <a:ext uri="{FF2B5EF4-FFF2-40B4-BE49-F238E27FC236}">
+                  <a16:creationId xmlns:a16="http://schemas.microsoft.com/office/drawing/2014/main" id="{011298EA-D3E4-0743-836E-8CB830855322}"/>
+                </a:ext>
+              </a:extLst>
+            </p:cNvPr>
+            <p:cNvSpPr txBox="1"/>
+            <p:nvPr/>
+          </p:nvSpPr>
+          <p:spPr>
+            <a:xfrm>
+              <a:off x="23084117" y="13367589"/>
+              <a:ext cx="9148482" cy="1110696"/>
+            </a:xfrm>
+            <a:prstGeom prst="rect">
+              <a:avLst/>
+            </a:prstGeom>
+            <a:noFill/>
+          </p:spPr>
+          <p:txBody>
+            <a:bodyPr wrap="square" rtlCol="0">
+              <a:spAutoFit/>
+            </a:bodyPr>
+            <a:lstStyle/>
+            <a:p>
+              <a:r>
+                <a:rPr lang="en-US" sz="1800" dirty="0">
+                  <a:latin typeface="Arial" panose="020B0604020202020204" pitchFamily="34" charset="0"/>
+                  <a:cs typeface="Arial" panose="020B0604020202020204" pitchFamily="34" charset="0"/>
+                </a:rPr>
+                <a:t>Develop a machine learning model that uses real-time social media data to predict price fluctuations in Bitcoin prices.</a:t>
+              </a:r>
+            </a:p>
+          </p:txBody>
+        </p:sp>
+      </p:grpSp>
+      <p:grpSp>
+        <p:nvGrpSpPr>
+          <p:cNvPr id="8" name="Group 7">
+            <a:extLst>
+              <a:ext uri="{FF2B5EF4-FFF2-40B4-BE49-F238E27FC236}">
+                <a16:creationId xmlns:a16="http://schemas.microsoft.com/office/drawing/2014/main" id="{B799E6EB-0651-504C-92B1-E2B3E57D312A}"/>
+              </a:ext>
+            </a:extLst>
+          </p:cNvPr>
+          <p:cNvGrpSpPr/>
+          <p:nvPr/>
+        </p:nvGrpSpPr>
+        <p:grpSpPr>
+          <a:xfrm>
+            <a:off x="22099813" y="16379375"/>
+            <a:ext cx="10058400" cy="3927777"/>
+            <a:chOff x="22936199" y="16266179"/>
+            <a:chExt cx="9272016" cy="3927777"/>
+          </a:xfrm>
+        </p:grpSpPr>
+        <p:sp>
+          <p:nvSpPr>
+            <p:cNvPr id="35" name="Rectangle 34">
+              <a:extLst>
+                <a:ext uri="{FF2B5EF4-FFF2-40B4-BE49-F238E27FC236}">
+                  <a16:creationId xmlns:a16="http://schemas.microsoft.com/office/drawing/2014/main" id="{38F13CC9-BD23-9D4A-9DA7-6CE379BCC177}"/>
+                </a:ext>
+              </a:extLst>
+            </p:cNvPr>
+            <p:cNvSpPr/>
+            <p:nvPr/>
+          </p:nvSpPr>
+          <p:spPr bwMode="auto">
+            <a:xfrm>
+              <a:off x="22936199" y="16266179"/>
+              <a:ext cx="9272016" cy="3927777"/>
+            </a:xfrm>
+            <a:prstGeom prst="rect">
+              <a:avLst/>
+            </a:prstGeom>
+            <a:solidFill>
+              <a:schemeClr val="bg1">
+                <a:lumMod val="85000"/>
+              </a:schemeClr>
+            </a:solidFill>
+            <a:ln>
+              <a:noFill/>
+              <a:headEnd type="none" w="med" len="med"/>
+              <a:tailEnd type="none" w="med" len="med"/>
+            </a:ln>
+          </p:spPr>
+          <p:style>
+            <a:lnRef idx="1">
+              <a:schemeClr val="accent4"/>
+            </a:lnRef>
+            <a:fillRef idx="2">
+              <a:schemeClr val="accent4"/>
+            </a:fillRef>
+            <a:effectRef idx="1">
+              <a:schemeClr val="accent4"/>
+            </a:effectRef>
+            <a:fontRef idx="minor">
+              <a:schemeClr val="dk1"/>
+            </a:fontRef>
+          </p:style>
+          <p:txBody>
+            <a:bodyPr vert="horz" wrap="square" lIns="60960" tIns="30480" rIns="60960" bIns="30480" numCol="1" rtlCol="0" anchor="t" anchorCtr="0" compatLnSpc="1">
+              <a:prstTxWarp prst="textNoShape">
+                <a:avLst/>
+              </a:prstTxWarp>
+            </a:bodyPr>
+            <a:lstStyle/>
+            <a:p>
+              <a:pPr defTabSz="766272"/>
+              <a:endParaRPr lang="en-US" sz="2000"/>
+            </a:p>
+          </p:txBody>
+        </p:sp>
+        <p:sp>
+          <p:nvSpPr>
+            <p:cNvPr id="39" name="TextBox 38">
+              <a:extLst>
+                <a:ext uri="{FF2B5EF4-FFF2-40B4-BE49-F238E27FC236}">
+                  <a16:creationId xmlns:a16="http://schemas.microsoft.com/office/drawing/2014/main" id="{6FD7B961-7595-CE48-8DAA-0BB8E40BE4FC}"/>
+                </a:ext>
+              </a:extLst>
+            </p:cNvPr>
+            <p:cNvSpPr txBox="1"/>
+            <p:nvPr/>
+          </p:nvSpPr>
+          <p:spPr>
+            <a:xfrm>
+              <a:off x="23007918" y="16417830"/>
+              <a:ext cx="9148482" cy="523220"/>
+            </a:xfrm>
+            <a:prstGeom prst="rect">
+              <a:avLst/>
+            </a:prstGeom>
+            <a:noFill/>
+          </p:spPr>
+          <p:txBody>
+            <a:bodyPr wrap="square" rtlCol="0">
+              <a:spAutoFit/>
+            </a:bodyPr>
+            <a:lstStyle/>
+            <a:p>
+              <a:pPr algn="ctr"/>
+              <a:r>
+                <a:rPr lang="en-US" sz="2800" dirty="0">
+                  <a:latin typeface="Myriad Pro" panose="020B0503030403020204" pitchFamily="34" charset="0"/>
+                  <a:cs typeface="Futura"/>
+                </a:rPr>
+                <a:t>REFERENCES and ACKNOWLEDGEMENTS</a:t>
+              </a:r>
+            </a:p>
+          </p:txBody>
+        </p:sp>
+        <p:sp>
+          <p:nvSpPr>
+            <p:cNvPr id="50" name="TextBox 49">
+              <a:extLst>
+                <a:ext uri="{FF2B5EF4-FFF2-40B4-BE49-F238E27FC236}">
+                  <a16:creationId xmlns:a16="http://schemas.microsoft.com/office/drawing/2014/main" id="{19A56D31-D8B9-7D4E-A3B8-3122DF0D6F66}"/>
+                </a:ext>
+              </a:extLst>
+            </p:cNvPr>
+            <p:cNvSpPr txBox="1"/>
+            <p:nvPr/>
+          </p:nvSpPr>
+          <p:spPr>
+            <a:xfrm>
+              <a:off x="23124458" y="16969223"/>
+              <a:ext cx="8915400" cy="369332"/>
+            </a:xfrm>
+            <a:prstGeom prst="rect">
+              <a:avLst/>
+            </a:prstGeom>
+            <a:noFill/>
+          </p:spPr>
+          <p:txBody>
+            <a:bodyPr wrap="square" rtlCol="0">
+              <a:spAutoFit/>
+            </a:bodyPr>
+            <a:lstStyle/>
+            <a:p>
+              <a:r>
+                <a:rPr lang="en-US" sz="1800" dirty="0">
+                  <a:latin typeface="Myriad Pro" panose="020B0503030403020204" pitchFamily="34" charset="0"/>
+                  <a:cs typeface="Myriad Arabic" panose="01010101010101010101" pitchFamily="50" charset="-78"/>
+                </a:rPr>
+                <a:t>BODY TEXT</a:t>
+              </a:r>
+            </a:p>
+          </p:txBody>
+        </p:sp>
+      </p:grpSp>
       <p:pic>
         <p:nvPicPr>
-          <p:cNvPr id="48" name="Picture 47"/>
+          <p:cNvPr id="13" name="Picture 12" descr="A picture containing text, tableware, plate, clipart&#10;&#10;Description automatically generated">
+            <a:extLst>
+              <a:ext uri="{FF2B5EF4-FFF2-40B4-BE49-F238E27FC236}">
+                <a16:creationId xmlns:a16="http://schemas.microsoft.com/office/drawing/2014/main" id="{0561AC6A-B72A-0F4C-844C-4D56CE32FC70}"/>
+              </a:ext>
+            </a:extLst>
+          </p:cNvPr>
           <p:cNvPicPr>
             <a:picLocks noChangeAspect="1"/>
           </p:cNvPicPr>
           <p:nvPr/>
         </p:nvPicPr>
         <p:blipFill>
-          <a:blip r:embed="rId5">
+          <a:blip r:embed="rId3">
             <a:extLst>
-              <a:ext uri="{BEBA8EAE-BF5A-486C-A8C5-ECC9F3942E4B}">
-                <a14:imgProps xmlns:a14="http://schemas.microsoft.com/office/drawing/2010/main">
-                  <a14:imgLayer r:embed="rId6">
-                    <a14:imgEffect>
-                      <a14:brightnessContrast bright="-40000"/>
-                    </a14:imgEffect>
-                  </a14:imgLayer>
-                </a14:imgProps>
-              </a:ext>
               <a:ext uri="{28A0092B-C50C-407E-A947-70E740481C1C}">
                 <a14:useLocalDpi xmlns:a14="http://schemas.microsoft.com/office/drawing/2010/main" val="0"/>
               </a:ext>
@@ -5499,461 +6013,395 @@
         </p:blipFill>
         <p:spPr>
           <a:xfrm>
-            <a:off x="17585764" y="11706955"/>
-            <a:ext cx="4740836" cy="3848263"/>
+            <a:off x="28940352" y="912742"/>
+            <a:ext cx="3688895" cy="660303"/>
           </a:xfrm>
           <a:prstGeom prst="rect">
             <a:avLst/>
           </a:prstGeom>
-          <a:ln w="38100" cap="sq">
-            <a:solidFill>
-              <a:srgbClr val="000000"/>
-            </a:solidFill>
-            <a:prstDash val="solid"/>
-            <a:miter lim="800000"/>
-          </a:ln>
-          <a:effectLst>
-            <a:outerShdw blurRad="50800" dist="38100" dir="2700000" algn="tl" rotWithShape="0">
-              <a:srgbClr val="000000">
-                <a:alpha val="43000"/>
-              </a:srgbClr>
-            </a:outerShdw>
-          </a:effectLst>
         </p:spPr>
       </p:pic>
-      <p:pic>
-        <p:nvPicPr>
-          <p:cNvPr id="49" name="Picture 48"/>
-          <p:cNvPicPr>
-            <a:picLocks noChangeAspect="1"/>
-          </p:cNvPicPr>
-          <p:nvPr/>
-        </p:nvPicPr>
-        <p:blipFill>
-          <a:blip r:embed="rId7">
-            <a:extLst>
-              <a:ext uri="{BEBA8EAE-BF5A-486C-A8C5-ECC9F3942E4B}">
-                <a14:imgProps xmlns:a14="http://schemas.microsoft.com/office/drawing/2010/main">
-                  <a14:imgLayer r:embed="rId8">
-                    <a14:imgEffect>
-                      <a14:brightnessContrast bright="-40000" contrast="20000"/>
-                    </a14:imgEffect>
-                  </a14:imgLayer>
-                </a14:imgProps>
-              </a:ext>
-              <a:ext uri="{28A0092B-C50C-407E-A947-70E740481C1C}">
-                <a14:useLocalDpi xmlns:a14="http://schemas.microsoft.com/office/drawing/2010/main" val="0"/>
-              </a:ext>
-            </a:extLst>
-          </a:blip>
-          <a:stretch>
-            <a:fillRect/>
-          </a:stretch>
-        </p:blipFill>
-        <p:spPr>
-          <a:xfrm>
-            <a:off x="17585764" y="16306346"/>
-            <a:ext cx="4740836" cy="3887610"/>
-          </a:xfrm>
-          <a:prstGeom prst="rect">
-            <a:avLst/>
-          </a:prstGeom>
-          <a:ln w="38100" cap="sq">
-            <a:solidFill>
-              <a:srgbClr val="000000"/>
-            </a:solidFill>
-            <a:prstDash val="solid"/>
-            <a:miter lim="800000"/>
-          </a:ln>
-          <a:effectLst>
-            <a:outerShdw blurRad="50800" dist="38100" dir="2700000" algn="tl" rotWithShape="0">
-              <a:srgbClr val="000000">
-                <a:alpha val="43000"/>
-              </a:srgbClr>
-            </a:outerShdw>
-          </a:effectLst>
-        </p:spPr>
-      </p:pic>
-      <p:sp>
-        <p:nvSpPr>
-          <p:cNvPr id="51" name="TextBox 50"/>
-          <p:cNvSpPr txBox="1"/>
-          <p:nvPr/>
-        </p:nvSpPr>
-        <p:spPr>
-          <a:xfrm>
-            <a:off x="17585763" y="12186778"/>
-            <a:ext cx="4740837" cy="2554545"/>
-          </a:xfrm>
-          <a:prstGeom prst="rect">
-            <a:avLst/>
-          </a:prstGeom>
-          <a:noFill/>
-        </p:spPr>
-        <p:txBody>
-          <a:bodyPr wrap="square" rtlCol="0">
-            <a:spAutoFit/>
-          </a:bodyPr>
-          <a:lstStyle/>
-          <a:p>
-            <a:pPr algn="ctr"/>
-            <a:r>
-              <a:rPr lang="en-US" sz="4000" dirty="0">
-                <a:solidFill>
-                  <a:schemeClr val="bg1"/>
-                </a:solidFill>
-                <a:latin typeface="Impact" panose="020B0806030902050204" pitchFamily="34" charset="0"/>
-              </a:rPr>
-              <a:t>ADD PHOTOS/VISUALS</a:t>
-            </a:r>
-          </a:p>
-          <a:p>
-            <a:pPr algn="ctr"/>
-            <a:r>
-              <a:rPr lang="en-US" sz="4000" dirty="0">
-                <a:solidFill>
-                  <a:schemeClr val="bg1"/>
-                </a:solidFill>
-                <a:latin typeface="Impact" panose="020B0806030902050204" pitchFamily="34" charset="0"/>
-              </a:rPr>
-              <a:t>TO ENHANCE THE APPEAL</a:t>
-            </a:r>
-          </a:p>
-          <a:p>
-            <a:pPr algn="ctr"/>
-            <a:r>
-              <a:rPr lang="en-US" sz="4000" dirty="0">
-                <a:solidFill>
-                  <a:schemeClr val="bg1"/>
-                </a:solidFill>
-                <a:latin typeface="Impact" panose="020B0806030902050204" pitchFamily="34" charset="0"/>
-              </a:rPr>
-              <a:t>OF YOUR POSTER</a:t>
-            </a:r>
-          </a:p>
-        </p:txBody>
-      </p:sp>
-      <p:sp>
-        <p:nvSpPr>
-          <p:cNvPr id="52" name="TextBox 51"/>
-          <p:cNvSpPr txBox="1"/>
-          <p:nvPr/>
-        </p:nvSpPr>
-        <p:spPr>
-          <a:xfrm>
-            <a:off x="17585763" y="16992359"/>
-            <a:ext cx="4740837" cy="2554545"/>
-          </a:xfrm>
-          <a:prstGeom prst="rect">
-            <a:avLst/>
-          </a:prstGeom>
-          <a:noFill/>
-        </p:spPr>
-        <p:txBody>
-          <a:bodyPr wrap="square" rtlCol="0">
-            <a:spAutoFit/>
-          </a:bodyPr>
-          <a:lstStyle/>
-          <a:p>
-            <a:pPr algn="ctr"/>
-            <a:r>
-              <a:rPr lang="en-US" sz="4000" dirty="0">
-                <a:solidFill>
-                  <a:schemeClr val="bg1"/>
-                </a:solidFill>
-                <a:latin typeface="Impact" panose="020B0806030902050204" pitchFamily="34" charset="0"/>
-              </a:rPr>
-              <a:t>ADD PHOTOS/VISUALS</a:t>
-            </a:r>
-          </a:p>
-          <a:p>
-            <a:pPr algn="ctr"/>
-            <a:r>
-              <a:rPr lang="en-US" sz="4000" dirty="0">
-                <a:solidFill>
-                  <a:schemeClr val="bg1"/>
-                </a:solidFill>
-                <a:latin typeface="Impact" panose="020B0806030902050204" pitchFamily="34" charset="0"/>
-              </a:rPr>
-              <a:t>TO ENHANCE THE APPEAL</a:t>
-            </a:r>
-          </a:p>
-          <a:p>
-            <a:pPr algn="ctr"/>
-            <a:r>
-              <a:rPr lang="en-US" sz="4000" dirty="0">
-                <a:solidFill>
-                  <a:schemeClr val="bg1"/>
-                </a:solidFill>
-                <a:latin typeface="Impact" panose="020B0806030902050204" pitchFamily="34" charset="0"/>
-              </a:rPr>
-              <a:t>OF YOUR POSTER</a:t>
-            </a:r>
-          </a:p>
-        </p:txBody>
-      </p:sp>
-      <p:sp>
-        <p:nvSpPr>
-          <p:cNvPr id="53" name="TextBox 52"/>
-          <p:cNvSpPr txBox="1"/>
-          <p:nvPr/>
-        </p:nvSpPr>
-        <p:spPr>
-          <a:xfrm>
-            <a:off x="762000" y="3862355"/>
-            <a:ext cx="10820400" cy="369332"/>
-          </a:xfrm>
-          <a:prstGeom prst="rect">
-            <a:avLst/>
-          </a:prstGeom>
-          <a:noFill/>
-        </p:spPr>
-        <p:txBody>
-          <a:bodyPr wrap="square" rtlCol="0">
-            <a:spAutoFit/>
-          </a:bodyPr>
-          <a:lstStyle/>
-          <a:p>
-            <a:r>
-              <a:rPr lang="en-US" sz="1800" dirty="0">
-                <a:latin typeface="Myriad Pro" panose="020B0503030403020204" pitchFamily="34" charset="0"/>
-                <a:cs typeface="Myriad Arabic" panose="01010101010101010101" pitchFamily="50" charset="-78"/>
-              </a:rPr>
-              <a:t>BODY TEXT</a:t>
-            </a:r>
-          </a:p>
-        </p:txBody>
-      </p:sp>
-      <p:sp>
-        <p:nvSpPr>
-          <p:cNvPr id="54" name="TextBox 53"/>
-          <p:cNvSpPr txBox="1"/>
-          <p:nvPr/>
-        </p:nvSpPr>
-        <p:spPr>
-          <a:xfrm>
-            <a:off x="16355418" y="3816701"/>
-            <a:ext cx="10820400" cy="369332"/>
-          </a:xfrm>
-          <a:prstGeom prst="rect">
-            <a:avLst/>
-          </a:prstGeom>
-          <a:noFill/>
-        </p:spPr>
-        <p:txBody>
-          <a:bodyPr wrap="square" rtlCol="0">
-            <a:spAutoFit/>
-          </a:bodyPr>
-          <a:lstStyle/>
-          <a:p>
-            <a:r>
-              <a:rPr lang="en-US" sz="1800" dirty="0">
-                <a:latin typeface="Myriad Pro" panose="020B0503030403020204" pitchFamily="34" charset="0"/>
-                <a:cs typeface="Myriad Arabic" panose="01010101010101010101" pitchFamily="50" charset="-78"/>
-              </a:rPr>
-              <a:t>BODY TEXT</a:t>
-            </a:r>
-          </a:p>
-        </p:txBody>
-      </p:sp>
-      <p:sp>
-        <p:nvSpPr>
-          <p:cNvPr id="55" name="TextBox 54"/>
-          <p:cNvSpPr txBox="1"/>
-          <p:nvPr/>
-        </p:nvSpPr>
-        <p:spPr>
-          <a:xfrm>
-            <a:off x="7848599" y="12446451"/>
-            <a:ext cx="8915401" cy="369332"/>
-          </a:xfrm>
-          <a:prstGeom prst="rect">
-            <a:avLst/>
-          </a:prstGeom>
-          <a:noFill/>
-        </p:spPr>
-        <p:txBody>
-          <a:bodyPr wrap="square" rtlCol="0">
-            <a:spAutoFit/>
-          </a:bodyPr>
-          <a:lstStyle/>
-          <a:p>
-            <a:r>
-              <a:rPr lang="en-US" sz="1800" dirty="0">
-                <a:latin typeface="Myriad Pro" panose="020B0503030403020204" pitchFamily="34" charset="0"/>
-                <a:cs typeface="Myriad Arabic" panose="01010101010101010101" pitchFamily="50" charset="-78"/>
-              </a:rPr>
-              <a:t>BODY TEXT</a:t>
-            </a:r>
-          </a:p>
-        </p:txBody>
-      </p:sp>
-      <p:sp>
-        <p:nvSpPr>
-          <p:cNvPr id="56" name="TextBox 55"/>
-          <p:cNvSpPr txBox="1"/>
-          <p:nvPr/>
-        </p:nvSpPr>
-        <p:spPr>
-          <a:xfrm>
-            <a:off x="23084117" y="12430593"/>
-            <a:ext cx="9148482" cy="369332"/>
-          </a:xfrm>
-          <a:prstGeom prst="rect">
-            <a:avLst/>
-          </a:prstGeom>
-          <a:noFill/>
-        </p:spPr>
-        <p:txBody>
-          <a:bodyPr wrap="square" rtlCol="0">
-            <a:spAutoFit/>
-          </a:bodyPr>
-          <a:lstStyle/>
-          <a:p>
-            <a:r>
-              <a:rPr lang="en-US" sz="1800" dirty="0">
-                <a:latin typeface="Myriad Pro" panose="020B0503030403020204" pitchFamily="34" charset="0"/>
-                <a:cs typeface="Myriad Arabic" panose="01010101010101010101" pitchFamily="50" charset="-78"/>
-              </a:rPr>
-              <a:t>BODY TEXT</a:t>
-            </a:r>
-          </a:p>
-        </p:txBody>
-      </p:sp>
-      <p:sp>
-        <p:nvSpPr>
-          <p:cNvPr id="57" name="TextBox 56"/>
-          <p:cNvSpPr txBox="1"/>
-          <p:nvPr/>
-        </p:nvSpPr>
-        <p:spPr>
-          <a:xfrm>
-            <a:off x="4472213" y="1366469"/>
-            <a:ext cx="17627600" cy="830997"/>
-          </a:xfrm>
-          <a:prstGeom prst="rect">
-            <a:avLst/>
-          </a:prstGeom>
-          <a:noFill/>
-        </p:spPr>
-        <p:txBody>
-          <a:bodyPr wrap="square" rtlCol="0">
-            <a:spAutoFit/>
-          </a:bodyPr>
-          <a:lstStyle/>
-          <a:p>
-            <a:pPr algn="ctr"/>
-            <a:r>
-              <a:rPr lang="en-US" sz="4800" dirty="0">
-                <a:solidFill>
-                  <a:schemeClr val="bg1"/>
-                </a:solidFill>
-                <a:latin typeface="Impact" panose="020B0806030902050204" pitchFamily="34" charset="0"/>
-              </a:rPr>
-              <a:t>Jacob Roach</a:t>
-            </a:r>
-          </a:p>
-        </p:txBody>
-      </p:sp>
-      <p:sp>
-        <p:nvSpPr>
-          <p:cNvPr id="35" name="Rectangle 34">
+      <p:grpSp>
+        <p:nvGrpSpPr>
+          <p:cNvPr id="51" name="Group 50">
             <a:extLst>
               <a:ext uri="{FF2B5EF4-FFF2-40B4-BE49-F238E27FC236}">
-                <a16:creationId xmlns:a16="http://schemas.microsoft.com/office/drawing/2014/main" id="{38F13CC9-BD23-9D4A-9DA7-6CE379BCC177}"/>
+                <a16:creationId xmlns:a16="http://schemas.microsoft.com/office/drawing/2014/main" id="{FF7E394B-713A-3C42-9276-8365C6BC4E2C}"/>
               </a:ext>
             </a:extLst>
           </p:cNvPr>
-          <p:cNvSpPr/>
+          <p:cNvGrpSpPr/>
           <p:nvPr/>
-        </p:nvSpPr>
-        <p:spPr bwMode="auto">
+        </p:nvGrpSpPr>
+        <p:grpSpPr>
           <a:xfrm>
-            <a:off x="22936199" y="16266179"/>
-            <a:ext cx="9481669" cy="3927777"/>
+            <a:off x="21692197" y="3081767"/>
+            <a:ext cx="10058400" cy="6136098"/>
+            <a:chOff x="7664257" y="11706955"/>
+            <a:chExt cx="9272879" cy="13258663"/>
           </a:xfrm>
-          <a:prstGeom prst="rect">
-            <a:avLst/>
-          </a:prstGeom>
-          <a:solidFill>
-            <a:schemeClr val="bg1">
-              <a:lumMod val="85000"/>
-            </a:schemeClr>
-          </a:solidFill>
-          <a:ln>
+        </p:grpSpPr>
+        <p:sp>
+          <p:nvSpPr>
+            <p:cNvPr id="52" name="Rectangle 51">
+              <a:extLst>
+                <a:ext uri="{FF2B5EF4-FFF2-40B4-BE49-F238E27FC236}">
+                  <a16:creationId xmlns:a16="http://schemas.microsoft.com/office/drawing/2014/main" id="{8227A6DC-5529-304C-AB37-E579B4CC4CF5}"/>
+                </a:ext>
+              </a:extLst>
+            </p:cNvPr>
+            <p:cNvSpPr/>
+            <p:nvPr/>
+          </p:nvSpPr>
+          <p:spPr bwMode="auto">
+            <a:xfrm>
+              <a:off x="7664257" y="11706955"/>
+              <a:ext cx="9272879" cy="13258663"/>
+            </a:xfrm>
+            <a:prstGeom prst="rect">
+              <a:avLst/>
+            </a:prstGeom>
             <a:solidFill>
-              <a:schemeClr val="tx1"/>
+              <a:schemeClr val="bg1">
+                <a:lumMod val="85000"/>
+              </a:schemeClr>
             </a:solidFill>
-            <a:headEnd type="none" w="med" len="med"/>
-            <a:tailEnd type="none" w="med" len="med"/>
-          </a:ln>
-        </p:spPr>
-        <p:style>
-          <a:lnRef idx="1">
-            <a:schemeClr val="accent4"/>
-          </a:lnRef>
-          <a:fillRef idx="2">
-            <a:schemeClr val="accent4"/>
-          </a:fillRef>
-          <a:effectRef idx="1">
-            <a:schemeClr val="accent4"/>
-          </a:effectRef>
-          <a:fontRef idx="minor">
-            <a:schemeClr val="dk1"/>
-          </a:fontRef>
-        </p:style>
-        <p:txBody>
-          <a:bodyPr vert="horz" wrap="square" lIns="60960" tIns="30480" rIns="60960" bIns="30480" numCol="1" rtlCol="0" anchor="t" anchorCtr="0" compatLnSpc="1">
-            <a:prstTxWarp prst="textNoShape">
+            <a:ln>
+              <a:noFill/>
+              <a:headEnd type="none" w="med" len="med"/>
+              <a:tailEnd type="none" w="med" len="med"/>
+            </a:ln>
+          </p:spPr>
+          <p:style>
+            <a:lnRef idx="1">
+              <a:schemeClr val="accent4"/>
+            </a:lnRef>
+            <a:fillRef idx="2">
+              <a:schemeClr val="accent4"/>
+            </a:fillRef>
+            <a:effectRef idx="1">
+              <a:schemeClr val="accent4"/>
+            </a:effectRef>
+            <a:fontRef idx="minor">
+              <a:schemeClr val="dk1"/>
+            </a:fontRef>
+          </p:style>
+          <p:txBody>
+            <a:bodyPr vert="horz" wrap="square" lIns="60960" tIns="30480" rIns="60960" bIns="30480" numCol="1" rtlCol="0" anchor="t" anchorCtr="0" compatLnSpc="1">
+              <a:prstTxWarp prst="textNoShape">
+                <a:avLst/>
+              </a:prstTxWarp>
+            </a:bodyPr>
+            <a:lstStyle/>
+            <a:p>
+              <a:pPr defTabSz="766272"/>
+              <a:endParaRPr lang="en-US" sz="2000"/>
+            </a:p>
+          </p:txBody>
+        </p:sp>
+        <p:sp>
+          <p:nvSpPr>
+            <p:cNvPr id="58" name="TextBox 57">
+              <a:extLst>
+                <a:ext uri="{FF2B5EF4-FFF2-40B4-BE49-F238E27FC236}">
+                  <a16:creationId xmlns:a16="http://schemas.microsoft.com/office/drawing/2014/main" id="{8D3B6262-EC6E-7443-AD28-5950ABFAE29D}"/>
+                </a:ext>
+              </a:extLst>
+            </p:cNvPr>
+            <p:cNvSpPr txBox="1"/>
+            <p:nvPr/>
+          </p:nvSpPr>
+          <p:spPr>
+            <a:xfrm>
+              <a:off x="7848599" y="12098674"/>
+              <a:ext cx="8915401" cy="523220"/>
+            </a:xfrm>
+            <a:prstGeom prst="rect">
               <a:avLst/>
-            </a:prstTxWarp>
-          </a:bodyPr>
-          <a:lstStyle/>
-          <a:p>
-            <a:pPr defTabSz="766272"/>
-            <a:endParaRPr lang="en-US" sz="2000"/>
-          </a:p>
-        </p:txBody>
-      </p:sp>
-      <p:sp>
-        <p:nvSpPr>
-          <p:cNvPr id="39" name="TextBox 38">
+            </a:prstGeom>
+            <a:noFill/>
+            <a:ln>
+              <a:noFill/>
+            </a:ln>
+          </p:spPr>
+          <p:txBody>
+            <a:bodyPr wrap="square" rtlCol="0">
+              <a:spAutoFit/>
+            </a:bodyPr>
+            <a:lstStyle/>
+            <a:p>
+              <a:pPr algn="ctr"/>
+              <a:r>
+                <a:rPr lang="en-US" sz="2800" cap="all" dirty="0">
+                  <a:latin typeface="Myriad Pro" panose="020B0503030403020204" pitchFamily="34" charset="0"/>
+                  <a:cs typeface="Futura"/>
+                </a:rPr>
+                <a:t>models</a:t>
+              </a:r>
+            </a:p>
+          </p:txBody>
+        </p:sp>
+        <p:sp>
+          <p:nvSpPr>
+            <p:cNvPr id="59" name="TextBox 58">
+              <a:extLst>
+                <a:ext uri="{FF2B5EF4-FFF2-40B4-BE49-F238E27FC236}">
+                  <a16:creationId xmlns:a16="http://schemas.microsoft.com/office/drawing/2014/main" id="{55C984EA-01C2-434B-BB5A-D9CF74972336}"/>
+                </a:ext>
+              </a:extLst>
+            </p:cNvPr>
+            <p:cNvSpPr txBox="1"/>
+            <p:nvPr/>
+          </p:nvSpPr>
+          <p:spPr>
+            <a:xfrm>
+              <a:off x="7848599" y="13234445"/>
+              <a:ext cx="8915401" cy="11571568"/>
+            </a:xfrm>
+            <a:prstGeom prst="rect">
+              <a:avLst/>
+            </a:prstGeom>
+            <a:noFill/>
+          </p:spPr>
+          <p:txBody>
+            <a:bodyPr wrap="square" rtlCol="0">
+              <a:spAutoFit/>
+            </a:bodyPr>
+            <a:lstStyle/>
+            <a:p>
+              <a:pPr fontAlgn="ctr"/>
+              <a:r>
+                <a:rPr lang="en-US" sz="1800" dirty="0">
+                  <a:latin typeface="Arial" panose="020B0604020202020204" pitchFamily="34" charset="0"/>
+                  <a:cs typeface="Arial" panose="020B0604020202020204" pitchFamily="34" charset="0"/>
+                </a:rPr>
+                <a:t>Once data was formatted into a training set, a machine learning model was built. This model takes the vector of length 768 produced by "BERTifying" the Tweet and returns 0 if the price of Bitcoin will not increase in the next XXX hours, and 1 if it will.</a:t>
+              </a:r>
+            </a:p>
+            <a:p>
+              <a:pPr fontAlgn="ctr"/>
+              <a:r>
+                <a:rPr lang="en-US" sz="1800" dirty="0">
+                  <a:latin typeface="Arial" panose="020B0604020202020204" pitchFamily="34" charset="0"/>
+                  <a:cs typeface="Arial" panose="020B0604020202020204" pitchFamily="34" charset="0"/>
+                </a:rPr>
+                <a:t> </a:t>
+              </a:r>
+            </a:p>
+            <a:p>
+              <a:pPr fontAlgn="ctr"/>
+              <a:r>
+                <a:rPr lang="en-US" sz="1800" dirty="0">
+                  <a:latin typeface="Arial" panose="020B0604020202020204" pitchFamily="34" charset="0"/>
+                  <a:cs typeface="Arial" panose="020B0604020202020204" pitchFamily="34" charset="0"/>
+                </a:rPr>
+                <a:t>Several machine learning models were tested in early experimentation, until an RNN (Recurrent Neural Network) was chosen. This model was then trained on 80% of the training dataset. For more information about the model, as well as its initial accuracy, please see Figure XXX. The model was then tested on the remaining 20% of the data, to determine its accuracy.</a:t>
+              </a:r>
+            </a:p>
+            <a:p>
+              <a:r>
+                <a:rPr lang="en-US" sz="1800" dirty="0">
+                  <a:latin typeface="Arial" panose="020B0604020202020204" pitchFamily="34" charset="0"/>
+                  <a:cs typeface="Arial" panose="020B0604020202020204" pitchFamily="34" charset="0"/>
+                </a:rPr>
+                <a:t> </a:t>
+              </a:r>
+            </a:p>
+            <a:p>
+              <a:r>
+                <a:rPr lang="en-US" sz="1800" dirty="0">
+                  <a:latin typeface="Arial" panose="020B0604020202020204" pitchFamily="34" charset="0"/>
+                  <a:cs typeface="Arial" panose="020B0604020202020204" pitchFamily="34" charset="0"/>
+                </a:rPr>
+                <a:t>Since hundreds of Tweets are made each minute containing the token "Bitcoin", majority voting could then be used to better the prediction each minute. For example, there may be 100 Tweets made in a single minute. When these Tweets are passed to the model, they are assigned a value of 0 or 1. If 90 of these Tweets are 1's, then most likely, the price of Bitcoin will increase in the next XXX hours. To find the best majority voting cutoff, the percent of increase values were visualized in a histogram (Figure XXX). Then, a cutoff value was selected based on overall accuracy. This cutoff value was XXX%. For more information on this cutoff value, please see Findings and Results.</a:t>
+              </a:r>
+            </a:p>
+            <a:p>
+              <a:endParaRPr lang="en-US" sz="1800" dirty="0">
+                <a:latin typeface="Arial" panose="020B0604020202020204" pitchFamily="34" charset="0"/>
+                <a:cs typeface="Arial" panose="020B0604020202020204" pitchFamily="34" charset="0"/>
+              </a:endParaRPr>
+            </a:p>
+          </p:txBody>
+        </p:sp>
+      </p:grpSp>
+      <p:grpSp>
+        <p:nvGrpSpPr>
+          <p:cNvPr id="60" name="Group 59">
             <a:extLst>
               <a:ext uri="{FF2B5EF4-FFF2-40B4-BE49-F238E27FC236}">
-                <a16:creationId xmlns:a16="http://schemas.microsoft.com/office/drawing/2014/main" id="{6FD7B961-7595-CE48-8DAA-0BB8E40BE4FC}"/>
+                <a16:creationId xmlns:a16="http://schemas.microsoft.com/office/drawing/2014/main" id="{445C5564-8691-3046-BC90-AC1D2B4B47A3}"/>
               </a:ext>
             </a:extLst>
           </p:cNvPr>
-          <p:cNvSpPr txBox="1"/>
+          <p:cNvGrpSpPr/>
           <p:nvPr/>
-        </p:nvSpPr>
-        <p:spPr>
+        </p:nvGrpSpPr>
+        <p:grpSpPr>
           <a:xfrm>
-            <a:off x="23164800" y="16448424"/>
-            <a:ext cx="9067799" cy="523220"/>
+            <a:off x="11226203" y="15118530"/>
+            <a:ext cx="10058400" cy="3927777"/>
+            <a:chOff x="7664257" y="11706955"/>
+            <a:chExt cx="9272879" cy="8487001"/>
           </a:xfrm>
-          <a:prstGeom prst="rect">
-            <a:avLst/>
-          </a:prstGeom>
-          <a:noFill/>
-        </p:spPr>
-        <p:txBody>
-          <a:bodyPr wrap="square" rtlCol="0">
-            <a:spAutoFit/>
-          </a:bodyPr>
-          <a:lstStyle/>
-          <a:p>
-            <a:pPr algn="ctr"/>
-            <a:r>
-              <a:rPr lang="en-US" sz="2800" dirty="0">
-                <a:latin typeface="Myriad Pro" panose="020B0503030403020204" pitchFamily="34" charset="0"/>
-                <a:cs typeface="Futura"/>
-              </a:rPr>
-              <a:t>REFERENCES and ACKNOWLEDGEMENTS</a:t>
-            </a:r>
-          </a:p>
-        </p:txBody>
-      </p:sp>
+        </p:grpSpPr>
+        <p:sp>
+          <p:nvSpPr>
+            <p:cNvPr id="61" name="Rectangle 60">
+              <a:extLst>
+                <a:ext uri="{FF2B5EF4-FFF2-40B4-BE49-F238E27FC236}">
+                  <a16:creationId xmlns:a16="http://schemas.microsoft.com/office/drawing/2014/main" id="{50BCBD51-169B-1540-B637-35AB0F6ED073}"/>
+                </a:ext>
+              </a:extLst>
+            </p:cNvPr>
+            <p:cNvSpPr/>
+            <p:nvPr/>
+          </p:nvSpPr>
+          <p:spPr bwMode="auto">
+            <a:xfrm>
+              <a:off x="7664257" y="11706955"/>
+              <a:ext cx="9272879" cy="8487001"/>
+            </a:xfrm>
+            <a:prstGeom prst="rect">
+              <a:avLst/>
+            </a:prstGeom>
+            <a:solidFill>
+              <a:schemeClr val="bg1">
+                <a:lumMod val="85000"/>
+              </a:schemeClr>
+            </a:solidFill>
+            <a:ln>
+              <a:noFill/>
+              <a:headEnd type="none" w="med" len="med"/>
+              <a:tailEnd type="none" w="med" len="med"/>
+            </a:ln>
+          </p:spPr>
+          <p:style>
+            <a:lnRef idx="1">
+              <a:schemeClr val="accent4"/>
+            </a:lnRef>
+            <a:fillRef idx="2">
+              <a:schemeClr val="accent4"/>
+            </a:fillRef>
+            <a:effectRef idx="1">
+              <a:schemeClr val="accent4"/>
+            </a:effectRef>
+            <a:fontRef idx="minor">
+              <a:schemeClr val="dk1"/>
+            </a:fontRef>
+          </p:style>
+          <p:txBody>
+            <a:bodyPr vert="horz" wrap="square" lIns="60960" tIns="30480" rIns="60960" bIns="30480" numCol="1" rtlCol="0" anchor="t" anchorCtr="0" compatLnSpc="1">
+              <a:prstTxWarp prst="textNoShape">
+                <a:avLst/>
+              </a:prstTxWarp>
+            </a:bodyPr>
+            <a:lstStyle/>
+            <a:p>
+              <a:pPr defTabSz="766272"/>
+              <a:endParaRPr lang="en-US" sz="2000"/>
+            </a:p>
+          </p:txBody>
+        </p:sp>
+        <p:sp>
+          <p:nvSpPr>
+            <p:cNvPr id="62" name="TextBox 61">
+              <a:extLst>
+                <a:ext uri="{FF2B5EF4-FFF2-40B4-BE49-F238E27FC236}">
+                  <a16:creationId xmlns:a16="http://schemas.microsoft.com/office/drawing/2014/main" id="{C1C5BEC8-166E-DE4E-A2B7-F9D9C7B6A208}"/>
+                </a:ext>
+              </a:extLst>
+            </p:cNvPr>
+            <p:cNvSpPr txBox="1"/>
+            <p:nvPr/>
+          </p:nvSpPr>
+          <p:spPr>
+            <a:xfrm>
+              <a:off x="7848599" y="12156070"/>
+              <a:ext cx="8915401" cy="1130555"/>
+            </a:xfrm>
+            <a:prstGeom prst="rect">
+              <a:avLst/>
+            </a:prstGeom>
+            <a:noFill/>
+            <a:ln>
+              <a:noFill/>
+            </a:ln>
+          </p:spPr>
+          <p:txBody>
+            <a:bodyPr wrap="square" rtlCol="0">
+              <a:spAutoFit/>
+            </a:bodyPr>
+            <a:lstStyle/>
+            <a:p>
+              <a:pPr algn="ctr"/>
+              <a:r>
+                <a:rPr lang="en-US" sz="2800" cap="all" dirty="0">
+                  <a:latin typeface="Myriad Pro" panose="020B0503030403020204" pitchFamily="34" charset="0"/>
+                  <a:cs typeface="Futura"/>
+                </a:rPr>
+                <a:t>Findings</a:t>
+              </a:r>
+            </a:p>
+          </p:txBody>
+        </p:sp>
+        <p:sp>
+          <p:nvSpPr>
+            <p:cNvPr id="63" name="TextBox 62">
+              <a:extLst>
+                <a:ext uri="{FF2B5EF4-FFF2-40B4-BE49-F238E27FC236}">
+                  <a16:creationId xmlns:a16="http://schemas.microsoft.com/office/drawing/2014/main" id="{1C8D8770-E169-1A4C-880F-E2BF2F28A7BD}"/>
+                </a:ext>
+              </a:extLst>
+            </p:cNvPr>
+            <p:cNvSpPr txBox="1"/>
+            <p:nvPr/>
+          </p:nvSpPr>
+          <p:spPr>
+            <a:xfrm>
+              <a:off x="7848599" y="13253952"/>
+              <a:ext cx="8915401" cy="6783333"/>
+            </a:xfrm>
+            <a:prstGeom prst="rect">
+              <a:avLst/>
+            </a:prstGeom>
+            <a:noFill/>
+          </p:spPr>
+          <p:txBody>
+            <a:bodyPr wrap="square" rtlCol="0">
+              <a:spAutoFit/>
+            </a:bodyPr>
+            <a:lstStyle/>
+            <a:p>
+              <a:r>
+                <a:rPr lang="en-US" sz="1800" dirty="0">
+                  <a:latin typeface="Arial" panose="020B0604020202020204" pitchFamily="34" charset="0"/>
+                  <a:cs typeface="Arial" panose="020B0604020202020204" pitchFamily="34" charset="0"/>
+                </a:rPr>
+                <a:t>After training the Recurrent Neural Network, the model produced an accuracy of roughly XXX% on the testing data. When combined with majority voting, the accuracy of the model rose to XXX%. This means that on average, using Tweets containing "Bitcoin" during a given minute, there is an XXX% percent change the model will correctly predict an increase or decrease in the price of Bitcoin.</a:t>
+              </a:r>
+            </a:p>
+            <a:p>
+              <a:r>
+                <a:rPr lang="en-US" sz="1800" dirty="0">
+                  <a:latin typeface="Arial" panose="020B0604020202020204" pitchFamily="34" charset="0"/>
+                  <a:cs typeface="Arial" panose="020B0604020202020204" pitchFamily="34" charset="0"/>
+                </a:rPr>
+                <a:t> </a:t>
+              </a:r>
+            </a:p>
+            <a:p>
+              <a:r>
+                <a:rPr lang="en-US" sz="1800" dirty="0">
+                  <a:latin typeface="Arial" panose="020B0604020202020204" pitchFamily="34" charset="0"/>
+                  <a:cs typeface="Arial" panose="020B0604020202020204" pitchFamily="34" charset="0"/>
+                </a:rPr>
+                <a:t>Upon further inspection of the confusion matrix, there are two type of errors that can be made. The first is when the model predicts the price will decrease when it in fact increases (false negative). The other is when the model predicts a price increased when it in fact decreased (false positive). A false positive was viewed as a more harmful error than a false negative and was kept in mind when determining a majority voting cutoff.</a:t>
+              </a:r>
+            </a:p>
+          </p:txBody>
+        </p:sp>
+      </p:grpSp>
     </p:spTree>
     <p:extLst>
       <p:ext uri="{BB962C8B-B14F-4D97-AF65-F5344CB8AC3E}">

--- a/poster/Poster_Template_Landscape1.pptx
+++ b/poster/Poster_Template_Landscape1.pptx
@@ -295,7 +295,7 @@
               <a:pPr>
                 <a:defRPr/>
               </a:pPr>
-              <a:t>3/29/22</a:t>
+              <a:t>3/30/22</a:t>
             </a:fld>
             <a:endParaRPr lang="en-US"/>
           </a:p>
@@ -1113,7 +1113,7 @@
             <a:fld id="{C4C2F71C-4B08-4389-8F5D-0DF9D63B9394}" type="datetime1">
               <a:rPr lang="en-US"/>
               <a:pPr/>
-              <a:t>3/29/22</a:t>
+              <a:t>3/30/22</a:t>
             </a:fld>
             <a:endParaRPr lang="en-US"/>
           </a:p>
@@ -1304,7 +1304,7 @@
             <a:fld id="{E44472D3-D9C5-45B8-A0FE-DA537DE4FE83}" type="datetime1">
               <a:rPr lang="en-US"/>
               <a:pPr/>
-              <a:t>3/29/22</a:t>
+              <a:t>3/30/22</a:t>
             </a:fld>
             <a:endParaRPr lang="en-US"/>
           </a:p>
@@ -1505,7 +1505,7 @@
             <a:fld id="{77CDF5B8-3EEA-4690-AC98-82BFF2FBE4D2}" type="datetime1">
               <a:rPr lang="en-US"/>
               <a:pPr/>
-              <a:t>3/29/22</a:t>
+              <a:t>3/30/22</a:t>
             </a:fld>
             <a:endParaRPr lang="en-US"/>
           </a:p>
@@ -1696,7 +1696,7 @@
             <a:fld id="{C1054DBE-D131-4EDB-8641-C3A8C99CF218}" type="datetime1">
               <a:rPr lang="en-US"/>
               <a:pPr/>
-              <a:t>3/29/22</a:t>
+              <a:t>3/30/22</a:t>
             </a:fld>
             <a:endParaRPr lang="en-US"/>
           </a:p>
@@ -1964,7 +1964,7 @@
             <a:fld id="{4092172C-BE27-4611-BEC7-D7DEF73798A6}" type="datetime1">
               <a:rPr lang="en-US"/>
               <a:pPr/>
-              <a:t>3/29/22</a:t>
+              <a:t>3/30/22</a:t>
             </a:fld>
             <a:endParaRPr lang="en-US"/>
           </a:p>
@@ -2272,7 +2272,7 @@
             <a:fld id="{5F98B46A-B183-48B1-8EE5-545E75CCCBEF}" type="datetime1">
               <a:rPr lang="en-US"/>
               <a:pPr/>
-              <a:t>3/29/22</a:t>
+              <a:t>3/30/22</a:t>
             </a:fld>
             <a:endParaRPr lang="en-US"/>
           </a:p>
@@ -2719,7 +2719,7 @@
             <a:fld id="{D5556932-39C0-4F2A-896B-651B4F00ECFB}" type="datetime1">
               <a:rPr lang="en-US"/>
               <a:pPr/>
-              <a:t>3/29/22</a:t>
+              <a:t>3/30/22</a:t>
             </a:fld>
             <a:endParaRPr lang="en-US"/>
           </a:p>
@@ -2859,7 +2859,7 @@
             <a:fld id="{A73915A9-D9C0-44FA-9681-731576DB131B}" type="datetime1">
               <a:rPr lang="en-US"/>
               <a:pPr/>
-              <a:t>3/29/22</a:t>
+              <a:t>3/30/22</a:t>
             </a:fld>
             <a:endParaRPr lang="en-US"/>
           </a:p>
@@ -2977,7 +2977,7 @@
             <a:fld id="{4D682095-FDC6-47A4-B17F-B44B6473C2D0}" type="datetime1">
               <a:rPr lang="en-US"/>
               <a:pPr/>
-              <a:t>3/29/22</a:t>
+              <a:t>3/30/22</a:t>
             </a:fld>
             <a:endParaRPr lang="en-US"/>
           </a:p>
@@ -3275,7 +3275,7 @@
             <a:fld id="{1CA98B65-857C-4AD8-ACAB-4365D82174A1}" type="datetime1">
               <a:rPr lang="en-US"/>
               <a:pPr/>
-              <a:t>3/29/22</a:t>
+              <a:t>3/30/22</a:t>
             </a:fld>
             <a:endParaRPr lang="en-US"/>
           </a:p>
@@ -3553,7 +3553,7 @@
             <a:fld id="{CE554E65-4191-47D0-B6EC-09CA8AC19719}" type="datetime1">
               <a:rPr lang="en-US"/>
               <a:pPr/>
-              <a:t>3/29/22</a:t>
+              <a:t>3/30/22</a:t>
             </a:fld>
             <a:endParaRPr lang="en-US"/>
           </a:p>
@@ -3808,7 +3808,7 @@
                 <a:cs typeface="Arial" pitchFamily="34" charset="0"/>
               </a:rPr>
               <a:pPr defTabSz="2925330" eaLnBrk="1" hangingPunct="1"/>
-              <a:t>3/29/22</a:t>
+              <a:t>3/30/22</a:t>
             </a:fld>
             <a:endParaRPr lang="en-US">
               <a:cs typeface="Arial" pitchFamily="34" charset="0"/>
@@ -5347,7 +5347,7 @@
                   <a:latin typeface="Arial" panose="020B0604020202020204" pitchFamily="34" charset="0"/>
                   <a:cs typeface="Arial" panose="020B0604020202020204" pitchFamily="34" charset="0"/>
                 </a:rPr>
-                <a:t>As Tweets were streamed into a database, they were cleaned. This ensured that the content of the Tweet only contained valuable information. The cleaning process included …. (fill this in here).</a:t>
+                <a:t>As Tweets were streamed into a database, they were cleaned. This ensured that the content of the Tweet only contained valuable information. The cleaning process included removing punctuation, hashtags, “retweet” symbols, links and extra whitespace.</a:t>
               </a:r>
             </a:p>
             <a:p>
@@ -5383,7 +5383,7 @@
                   <a:latin typeface="Arial" panose="020B0604020202020204" pitchFamily="34" charset="0"/>
                   <a:cs typeface="Arial" panose="020B0604020202020204" pitchFamily="34" charset="0"/>
                 </a:rPr>
-                <a:t>To train a machine learning model, the Twitter and Bitcoin data must be combined in a meaningful way to create training dataset. Each minute, there are hundred of Tweets made containing the token “Bitcoin”. Each Tweet is stamped to the precision of a minute (seconds are truncated from the timestamp). Since Bitcoin prices are also collected each minute, it is easy to join this dataset on each records associate timestamp. For each timestamp, if the price of Bitcoin increased by XXX% in the next XXX hours, then the price increased for that time stamp. If not, it decreased. This feature was called "increase” and represents the predictive goal. The data was then split into a training and testing dataset by labeling each Tweet made in 80% of the time stamps to the training data, while the Tweets belonging to the remaining 20% of time stamps were saved for evaluating the model after it had been trained.</a:t>
+                <a:t>To train a machine learning model, the Twitter and Bitcoin data must be combined in a meaningful way to create training dataset. Each minute, there are hundred of Tweets made containing the token “Bitcoin”. Each Tweet is stamped to the precision of a minute (seconds are truncated from the timestamp). Since Bitcoin prices are also collected each minute, it is easy to join this dataset on each records associate timestamp. For each timestamp, if the price of Bitcoin rose by 0.25% in the next 12 hours, then the price increased for that time stamp. If not, it decreased. This feature was called "increase” and represents the predictive goal. The data was then split into a training and testing dataset by labeling each Tweet made in 80% of the time stamps to the training data, while the Tweets belonging to the remaining 20% of time stamps were saved for evaluating the model after it had been trained.</a:t>
               </a:r>
             </a:p>
             <a:p>
@@ -5508,7 +5508,7 @@
           </p:nvSpPr>
           <p:spPr>
             <a:xfrm>
-              <a:off x="23084117" y="12468973"/>
+              <a:off x="23084117" y="12521702"/>
               <a:ext cx="8915400" cy="2259211"/>
             </a:xfrm>
             <a:prstGeom prst="rect">
@@ -5527,7 +5527,7 @@
                   <a:latin typeface="Arial" panose="020B0604020202020204" pitchFamily="34" charset="0"/>
                   <a:cs typeface="Arial" panose="020B0604020202020204" pitchFamily="34" charset="0"/>
                 </a:rPr>
-                <a:t>Before this model could be used to support algorithmic trading, further research regarding alternative features and models would be required. However, with an accuracy of XXX% when using majority voting, there is clearly potential for such a solution to provide meaningful insights into Bitcoin price fluctuations. This includes safeguards that retrain and evaluate models at set intervals, ensuring the integrity of the solution is not compromised. After further exploration and experimentation, this solution could be deployed as an API to provide algorithmic traders a method to guide trading and even help explain short-term changes in cryptocurrency value.</a:t>
+                <a:t>Before this model could be used to support algorithmic trading, further research regarding alternative features and models would be required. However, with an accuracy of 83.6% when using majority voting, there is clearly potential for such a solution to provide meaningful insights into Bitcoin price fluctuations. This includes safeguards that retrain and evaluate models at set intervals, ensuring the integrity of the solution is not compromised. After further exploration and experimentation, this solution could be deployed as an API to provide algorithmic traders a method to guide trading and even help explain short-term changes in cryptocurrency value.</a:t>
               </a:r>
             </a:p>
           </p:txBody>
@@ -5564,111 +5564,6 @@
                 <a:latin typeface="Franklin Gothic Medium" panose="020B0603020102020204" pitchFamily="34" charset="0"/>
               </a:rPr>
               <a:t>Jacob Roach</a:t>
-            </a:r>
-          </a:p>
-        </p:txBody>
-      </p:sp>
-      <p:sp>
-        <p:nvSpPr>
-          <p:cNvPr id="2" name="TextBox 1">
-            <a:extLst>
-              <a:ext uri="{FF2B5EF4-FFF2-40B4-BE49-F238E27FC236}">
-                <a16:creationId xmlns:a16="http://schemas.microsoft.com/office/drawing/2014/main" id="{07D5ADE5-ACDA-4B46-B91B-A5BFAD0C1799}"/>
-              </a:ext>
-            </a:extLst>
-          </p:cNvPr>
-          <p:cNvSpPr txBox="1"/>
-          <p:nvPr/>
-        </p:nvSpPr>
-        <p:spPr>
-          <a:xfrm>
-            <a:off x="2400300" y="13716000"/>
-            <a:ext cx="2932213" cy="553998"/>
-          </a:xfrm>
-          <a:prstGeom prst="rect">
-            <a:avLst/>
-          </a:prstGeom>
-          <a:noFill/>
-        </p:spPr>
-        <p:txBody>
-          <a:bodyPr wrap="none" rtlCol="0">
-            <a:spAutoFit/>
-          </a:bodyPr>
-          <a:lstStyle/>
-          <a:p>
-            <a:r>
-              <a:rPr lang="en-US" sz="3000" dirty="0"/>
-              <a:t>Confusion Matrix</a:t>
-            </a:r>
-          </a:p>
-        </p:txBody>
-      </p:sp>
-      <p:sp>
-        <p:nvSpPr>
-          <p:cNvPr id="3" name="TextBox 2">
-            <a:extLst>
-              <a:ext uri="{FF2B5EF4-FFF2-40B4-BE49-F238E27FC236}">
-                <a16:creationId xmlns:a16="http://schemas.microsoft.com/office/drawing/2014/main" id="{6E5346C5-4CAA-1E4A-AED7-4A42F607A6F4}"/>
-              </a:ext>
-            </a:extLst>
-          </p:cNvPr>
-          <p:cNvSpPr txBox="1"/>
-          <p:nvPr/>
-        </p:nvSpPr>
-        <p:spPr>
-          <a:xfrm>
-            <a:off x="2400300" y="14516610"/>
-            <a:ext cx="2581156" cy="553998"/>
-          </a:xfrm>
-          <a:prstGeom prst="rect">
-            <a:avLst/>
-          </a:prstGeom>
-          <a:noFill/>
-        </p:spPr>
-        <p:txBody>
-          <a:bodyPr wrap="none" rtlCol="0">
-            <a:spAutoFit/>
-          </a:bodyPr>
-          <a:lstStyle/>
-          <a:p>
-            <a:r>
-              <a:rPr lang="en-US" sz="3000" dirty="0"/>
-              <a:t>Percentage of 1</a:t>
-            </a:r>
-          </a:p>
-        </p:txBody>
-      </p:sp>
-      <p:sp>
-        <p:nvSpPr>
-          <p:cNvPr id="40" name="TextBox 39">
-            <a:extLst>
-              <a:ext uri="{FF2B5EF4-FFF2-40B4-BE49-F238E27FC236}">
-                <a16:creationId xmlns:a16="http://schemas.microsoft.com/office/drawing/2014/main" id="{C2FBF7B8-9686-1B4D-9028-EFA9D0326802}"/>
-              </a:ext>
-            </a:extLst>
-          </p:cNvPr>
-          <p:cNvSpPr txBox="1"/>
-          <p:nvPr/>
-        </p:nvSpPr>
-        <p:spPr>
-          <a:xfrm>
-            <a:off x="2400300" y="15270553"/>
-            <a:ext cx="4078361" cy="553998"/>
-          </a:xfrm>
-          <a:prstGeom prst="rect">
-            <a:avLst/>
-          </a:prstGeom>
-          <a:noFill/>
-        </p:spPr>
-        <p:txBody>
-          <a:bodyPr wrap="none" rtlCol="0">
-            <a:spAutoFit/>
-          </a:bodyPr>
-          <a:lstStyle/>
-          <a:p>
-            <a:r>
-              <a:rPr lang="en-US" sz="3000" dirty="0"/>
-              <a:t>Diagram of methodology</a:t>
             </a:r>
           </a:p>
         </p:txBody>
@@ -6175,7 +6070,7 @@
                   <a:latin typeface="Arial" panose="020B0604020202020204" pitchFamily="34" charset="0"/>
                   <a:cs typeface="Arial" panose="020B0604020202020204" pitchFamily="34" charset="0"/>
                 </a:rPr>
-                <a:t>Once data was formatted into a training set, a machine learning model was built. This model takes the vector of length 768 produced by "BERTifying" the Tweet and returns 0 if the price of Bitcoin will not increase in the next XXX hours, and 1 if it will.</a:t>
+                <a:t>Once data was formatted into a training set, a machine learning model was built. This model takes the vector of length 768 produced by "BERTifying" the Tweet and returns 0 if the price of Bitcoin will not increase in the next 12 hours, and 1 if it will.</a:t>
               </a:r>
             </a:p>
             <a:p>
@@ -6213,7 +6108,7 @@
                   <a:latin typeface="Arial" panose="020B0604020202020204" pitchFamily="34" charset="0"/>
                   <a:cs typeface="Arial" panose="020B0604020202020204" pitchFamily="34" charset="0"/>
                 </a:rPr>
-                <a:t>Since hundreds of Tweets are made each minute containing the token "Bitcoin", majority voting could then be used to better the prediction each minute. For example, there may be 100 Tweets made in a single minute. When these Tweets are passed to the model, they are assigned a value of 0 or 1. If 90 of these Tweets are 1's, then most likely, the price of Bitcoin will increase in the next XXX hours. To find the best majority voting cutoff, the percent of increase values were visualized in a histogram (Figure XXX). Then, a cutoff value was selected based on overall accuracy. This cutoff value was XXX%. For more information on this cutoff value, please see Findings and Results.</a:t>
+                <a:t>Since hundreds of Tweets are made each minute containing the token "Bitcoin", majority voting could then be used to better the prediction each minute. For example, there may be 100 Tweets made in a single minute. When these Tweets are passed to the model, they are assigned a value of 0 or 1. If 90 of these Tweets are 1's, then most likely, the price of Bitcoin will increase in the next 12 hours. To find the best majority voting cutoff, the percent of increase values were visualized in a histogram (Figure XXX). Then, a cutoff value was selected based on overall accuracy. This cutoff value was 85%. For more information on this cutoff value, please see Findings and Results.</a:t>
               </a:r>
             </a:p>
             <a:p>
@@ -6239,10 +6134,10 @@
         </p:nvGrpSpPr>
         <p:grpSpPr>
           <a:xfrm>
-            <a:off x="11226203" y="15118530"/>
-            <a:ext cx="10058400" cy="3927777"/>
+            <a:off x="11226203" y="12357896"/>
+            <a:ext cx="10058400" cy="4021479"/>
             <a:chOff x="7664257" y="11706955"/>
-            <a:chExt cx="9272879" cy="8487001"/>
+            <a:chExt cx="9272879" cy="8689469"/>
           </a:xfrm>
         </p:grpSpPr>
         <p:sp>
@@ -6260,7 +6155,7 @@
           <p:spPr bwMode="auto">
             <a:xfrm>
               <a:off x="7664257" y="11706955"/>
-              <a:ext cx="9272879" cy="8487001"/>
+              <a:ext cx="9272879" cy="8689469"/>
             </a:xfrm>
             <a:prstGeom prst="rect">
               <a:avLst/>
@@ -6378,7 +6273,7 @@
                   <a:latin typeface="Arial" panose="020B0604020202020204" pitchFamily="34" charset="0"/>
                   <a:cs typeface="Arial" panose="020B0604020202020204" pitchFamily="34" charset="0"/>
                 </a:rPr>
-                <a:t>After training the Recurrent Neural Network, the model produced an accuracy of roughly XXX% on the testing data. When combined with majority voting, the accuracy of the model rose to XXX%. This means that on average, using Tweets containing "Bitcoin" during a given minute, there is an XXX% percent change the model will correctly predict an increase or decrease in the price of Bitcoin.</a:t>
+                <a:t>After training the Recurrent Neural Network, the model produced an accuracy of roughly 66.3% on the testing data. When combined with majority voting, the accuracy of the model rose to 83.6%. This means that on average, using Tweets containing "Bitcoin" during a given minute, there is an 0.25% percent change the model will correctly predict an increase or decrease in the price of Bitcoin.</a:t>
               </a:r>
             </a:p>
             <a:p>
@@ -6397,6 +6292,1245 @@
                   <a:cs typeface="Arial" panose="020B0604020202020204" pitchFamily="34" charset="0"/>
                 </a:rPr>
                 <a:t>Upon further inspection of the confusion matrix, there are two type of errors that can be made. The first is when the model predicts the price will decrease when it in fact increases (false negative). The other is when the model predicts a price increased when it in fact decreased (false positive). A false positive was viewed as a more harmful error than a false negative and was kept in mind when determining a majority voting cutoff.</a:t>
+              </a:r>
+            </a:p>
+          </p:txBody>
+        </p:sp>
+      </p:grpSp>
+      <p:grpSp>
+        <p:nvGrpSpPr>
+          <p:cNvPr id="12" name="Group 11">
+            <a:extLst>
+              <a:ext uri="{FF2B5EF4-FFF2-40B4-BE49-F238E27FC236}">
+                <a16:creationId xmlns:a16="http://schemas.microsoft.com/office/drawing/2014/main" id="{9EF6AB02-3A99-0F4B-BBB0-B2EBDDCF483F}"/>
+              </a:ext>
+            </a:extLst>
+          </p:cNvPr>
+          <p:cNvGrpSpPr/>
+          <p:nvPr/>
+        </p:nvGrpSpPr>
+        <p:grpSpPr>
+          <a:xfrm>
+            <a:off x="1839970" y="17329844"/>
+            <a:ext cx="10047230" cy="2863156"/>
+            <a:chOff x="1839970" y="17267085"/>
+            <a:chExt cx="10047230" cy="2863156"/>
+          </a:xfrm>
+        </p:grpSpPr>
+        <p:pic>
+          <p:nvPicPr>
+            <p:cNvPr id="54" name="Graphic 53" descr="Mop and bucket with solid fill">
+              <a:extLst>
+                <a:ext uri="{FF2B5EF4-FFF2-40B4-BE49-F238E27FC236}">
+                  <a16:creationId xmlns:a16="http://schemas.microsoft.com/office/drawing/2014/main" id="{BB35D672-4818-E84C-8422-467677B5D639}"/>
+                </a:ext>
+              </a:extLst>
+            </p:cNvPr>
+            <p:cNvPicPr>
+              <a:picLocks noChangeAspect="1"/>
+            </p:cNvPicPr>
+            <p:nvPr/>
+          </p:nvPicPr>
+          <p:blipFill>
+            <a:blip r:embed="rId4">
+              <a:extLst>
+                <a:ext uri="{96DAC541-7B7A-43D3-8B79-37D633B846F1}">
+                  <asvg:svgBlip xmlns:asvg="http://schemas.microsoft.com/office/drawing/2016/SVG/main" r:embed="rId5"/>
+                </a:ext>
+              </a:extLst>
+            </a:blip>
+            <a:stretch>
+              <a:fillRect/>
+            </a:stretch>
+          </p:blipFill>
+          <p:spPr>
+            <a:xfrm>
+              <a:off x="4117541" y="17844241"/>
+              <a:ext cx="914400" cy="914400"/>
+            </a:xfrm>
+            <a:prstGeom prst="rect">
+              <a:avLst/>
+            </a:prstGeom>
+          </p:spPr>
+        </p:pic>
+        <p:pic>
+          <p:nvPicPr>
+            <p:cNvPr id="64" name="Graphic 63" descr="Table with solid fill">
+              <a:extLst>
+                <a:ext uri="{FF2B5EF4-FFF2-40B4-BE49-F238E27FC236}">
+                  <a16:creationId xmlns:a16="http://schemas.microsoft.com/office/drawing/2014/main" id="{7F969B40-13BF-2C40-B150-2C9607F872C0}"/>
+                </a:ext>
+              </a:extLst>
+            </p:cNvPr>
+            <p:cNvPicPr>
+              <a:picLocks noChangeAspect="1"/>
+            </p:cNvPicPr>
+            <p:nvPr/>
+          </p:nvPicPr>
+          <p:blipFill>
+            <a:blip r:embed="rId6">
+              <a:extLst>
+                <a:ext uri="{96DAC541-7B7A-43D3-8B79-37D633B846F1}">
+                  <asvg:svgBlip xmlns:asvg="http://schemas.microsoft.com/office/drawing/2016/SVG/main" r:embed="rId7"/>
+                </a:ext>
+              </a:extLst>
+            </a:blip>
+            <a:stretch>
+              <a:fillRect/>
+            </a:stretch>
+          </p:blipFill>
+          <p:spPr>
+            <a:xfrm>
+              <a:off x="6241600" y="17907000"/>
+              <a:ext cx="914400" cy="914400"/>
+            </a:xfrm>
+            <a:prstGeom prst="rect">
+              <a:avLst/>
+            </a:prstGeom>
+          </p:spPr>
+        </p:pic>
+        <p:pic>
+          <p:nvPicPr>
+            <p:cNvPr id="65" name="Graphic 64" descr="Wrench with solid fill">
+              <a:extLst>
+                <a:ext uri="{FF2B5EF4-FFF2-40B4-BE49-F238E27FC236}">
+                  <a16:creationId xmlns:a16="http://schemas.microsoft.com/office/drawing/2014/main" id="{669B1FA9-9C2F-674E-857D-F672F470284F}"/>
+                </a:ext>
+              </a:extLst>
+            </p:cNvPr>
+            <p:cNvPicPr>
+              <a:picLocks noChangeAspect="1"/>
+            </p:cNvPicPr>
+            <p:nvPr/>
+          </p:nvPicPr>
+          <p:blipFill>
+            <a:blip r:embed="rId8">
+              <a:extLst>
+                <a:ext uri="{96DAC541-7B7A-43D3-8B79-37D633B846F1}">
+                  <asvg:svgBlip xmlns:asvg="http://schemas.microsoft.com/office/drawing/2016/SVG/main" r:embed="rId9"/>
+                </a:ext>
+              </a:extLst>
+            </a:blip>
+            <a:stretch>
+              <a:fillRect/>
+            </a:stretch>
+          </p:blipFill>
+          <p:spPr>
+            <a:xfrm>
+              <a:off x="8370750" y="17920441"/>
+              <a:ext cx="914400" cy="914400"/>
+            </a:xfrm>
+            <a:prstGeom prst="rect">
+              <a:avLst/>
+            </a:prstGeom>
+          </p:spPr>
+        </p:pic>
+        <p:pic>
+          <p:nvPicPr>
+            <p:cNvPr id="66" name="Graphic 65" descr="Statistics with solid fill">
+              <a:extLst>
+                <a:ext uri="{FF2B5EF4-FFF2-40B4-BE49-F238E27FC236}">
+                  <a16:creationId xmlns:a16="http://schemas.microsoft.com/office/drawing/2014/main" id="{988B0597-AF45-0C4C-A0F2-2CE15F81A006}"/>
+                </a:ext>
+              </a:extLst>
+            </p:cNvPr>
+            <p:cNvPicPr>
+              <a:picLocks noChangeAspect="1"/>
+            </p:cNvPicPr>
+            <p:nvPr/>
+          </p:nvPicPr>
+          <p:blipFill>
+            <a:blip r:embed="rId10">
+              <a:extLst>
+                <a:ext uri="{96DAC541-7B7A-43D3-8B79-37D633B846F1}">
+                  <asvg:svgBlip xmlns:asvg="http://schemas.microsoft.com/office/drawing/2016/SVG/main" r:embed="rId11"/>
+                </a:ext>
+              </a:extLst>
+            </a:blip>
+            <a:stretch>
+              <a:fillRect/>
+            </a:stretch>
+          </p:blipFill>
+          <p:spPr>
+            <a:xfrm>
+              <a:off x="10348550" y="17920441"/>
+              <a:ext cx="914400" cy="914400"/>
+            </a:xfrm>
+            <a:prstGeom prst="rect">
+              <a:avLst/>
+            </a:prstGeom>
+          </p:spPr>
+        </p:pic>
+        <p:grpSp>
+          <p:nvGrpSpPr>
+            <p:cNvPr id="67" name="Group 66">
+              <a:extLst>
+                <a:ext uri="{FF2B5EF4-FFF2-40B4-BE49-F238E27FC236}">
+                  <a16:creationId xmlns:a16="http://schemas.microsoft.com/office/drawing/2014/main" id="{1E084EF5-143F-5740-A6F0-BB3993D3CF25}"/>
+                </a:ext>
+              </a:extLst>
+            </p:cNvPr>
+            <p:cNvGrpSpPr/>
+            <p:nvPr/>
+          </p:nvGrpSpPr>
+          <p:grpSpPr>
+            <a:xfrm>
+              <a:off x="1839970" y="17267085"/>
+              <a:ext cx="1586525" cy="1589879"/>
+              <a:chOff x="2211829" y="2811414"/>
+              <a:chExt cx="1099335" cy="1084271"/>
+            </a:xfrm>
+            <a:solidFill>
+              <a:srgbClr val="808080"/>
+            </a:solidFill>
+          </p:grpSpPr>
+          <p:pic>
+            <p:nvPicPr>
+              <p:cNvPr id="68" name="Graphic 67" descr="Database with solid fill">
+                <a:extLst>
+                  <a:ext uri="{FF2B5EF4-FFF2-40B4-BE49-F238E27FC236}">
+                    <a16:creationId xmlns:a16="http://schemas.microsoft.com/office/drawing/2014/main" id="{D1D79E38-A57F-1141-886B-3BFA275412AC}"/>
+                  </a:ext>
+                </a:extLst>
+              </p:cNvPr>
+              <p:cNvPicPr>
+                <a:picLocks noChangeAspect="1"/>
+              </p:cNvPicPr>
+              <p:nvPr/>
+            </p:nvPicPr>
+            <p:blipFill>
+              <a:blip r:embed="rId12">
+                <a:extLst>
+                  <a:ext uri="{96DAC541-7B7A-43D3-8B79-37D633B846F1}">
+                    <asvg:svgBlip xmlns:asvg="http://schemas.microsoft.com/office/drawing/2016/SVG/main" r:embed="rId13"/>
+                  </a:ext>
+                </a:extLst>
+              </a:blip>
+              <a:stretch>
+                <a:fillRect/>
+              </a:stretch>
+            </p:blipFill>
+            <p:spPr>
+              <a:xfrm>
+                <a:off x="2556030" y="3276641"/>
+                <a:ext cx="619044" cy="619044"/>
+              </a:xfrm>
+              <a:prstGeom prst="rect">
+                <a:avLst/>
+              </a:prstGeom>
+            </p:spPr>
+          </p:pic>
+          <p:pic>
+            <p:nvPicPr>
+              <p:cNvPr id="69" name="Graphic 68" descr="Document with solid fill">
+                <a:extLst>
+                  <a:ext uri="{FF2B5EF4-FFF2-40B4-BE49-F238E27FC236}">
+                    <a16:creationId xmlns:a16="http://schemas.microsoft.com/office/drawing/2014/main" id="{A50C001F-B54D-DE43-8587-33BD01EC9EBC}"/>
+                  </a:ext>
+                </a:extLst>
+              </p:cNvPr>
+              <p:cNvPicPr>
+                <a:picLocks noChangeAspect="1"/>
+              </p:cNvPicPr>
+              <p:nvPr/>
+            </p:nvPicPr>
+            <p:blipFill>
+              <a:blip r:embed="rId14">
+                <a:extLst>
+                  <a:ext uri="{96DAC541-7B7A-43D3-8B79-37D633B846F1}">
+                    <asvg:svgBlip xmlns:asvg="http://schemas.microsoft.com/office/drawing/2016/SVG/main" r:embed="rId15"/>
+                  </a:ext>
+                </a:extLst>
+              </a:blip>
+              <a:stretch>
+                <a:fillRect/>
+              </a:stretch>
+            </p:blipFill>
+            <p:spPr>
+              <a:xfrm>
+                <a:off x="2211829" y="2967879"/>
+                <a:ext cx="257095" cy="257095"/>
+              </a:xfrm>
+              <a:prstGeom prst="rect">
+                <a:avLst/>
+              </a:prstGeom>
+            </p:spPr>
+          </p:pic>
+          <p:pic>
+            <p:nvPicPr>
+              <p:cNvPr id="70" name="Graphic 69" descr="Bitcoin with solid fill">
+                <a:extLst>
+                  <a:ext uri="{FF2B5EF4-FFF2-40B4-BE49-F238E27FC236}">
+                    <a16:creationId xmlns:a16="http://schemas.microsoft.com/office/drawing/2014/main" id="{720B4F7D-175C-9940-9E8B-6358CFAECC61}"/>
+                  </a:ext>
+                </a:extLst>
+              </p:cNvPr>
+              <p:cNvPicPr>
+                <a:picLocks noChangeAspect="1"/>
+              </p:cNvPicPr>
+              <p:nvPr/>
+            </p:nvPicPr>
+            <p:blipFill>
+              <a:blip r:embed="rId16">
+                <a:extLst>
+                  <a:ext uri="{96DAC541-7B7A-43D3-8B79-37D633B846F1}">
+                    <asvg:svgBlip xmlns:asvg="http://schemas.microsoft.com/office/drawing/2016/SVG/main" r:embed="rId17"/>
+                  </a:ext>
+                </a:extLst>
+              </a:blip>
+              <a:stretch>
+                <a:fillRect/>
+              </a:stretch>
+            </p:blipFill>
+            <p:spPr>
+              <a:xfrm>
+                <a:off x="3054069" y="2811414"/>
+                <a:ext cx="257095" cy="257095"/>
+              </a:xfrm>
+              <a:prstGeom prst="rect">
+                <a:avLst/>
+              </a:prstGeom>
+            </p:spPr>
+          </p:pic>
+          <p:pic>
+            <p:nvPicPr>
+              <p:cNvPr id="71" name="Graphic 70" descr="Document with solid fill">
+                <a:extLst>
+                  <a:ext uri="{FF2B5EF4-FFF2-40B4-BE49-F238E27FC236}">
+                    <a16:creationId xmlns:a16="http://schemas.microsoft.com/office/drawing/2014/main" id="{0568286A-55AF-AA48-B2AC-12BFAA7C1863}"/>
+                  </a:ext>
+                </a:extLst>
+              </p:cNvPr>
+              <p:cNvPicPr>
+                <a:picLocks noChangeAspect="1"/>
+              </p:cNvPicPr>
+              <p:nvPr/>
+            </p:nvPicPr>
+            <p:blipFill>
+              <a:blip r:embed="rId14">
+                <a:extLst>
+                  <a:ext uri="{96DAC541-7B7A-43D3-8B79-37D633B846F1}">
+                    <asvg:svgBlip xmlns:asvg="http://schemas.microsoft.com/office/drawing/2016/SVG/main" r:embed="rId15"/>
+                  </a:ext>
+                </a:extLst>
+              </a:blip>
+              <a:stretch>
+                <a:fillRect/>
+              </a:stretch>
+            </p:blipFill>
+            <p:spPr>
+              <a:xfrm>
+                <a:off x="2483947" y="2811414"/>
+                <a:ext cx="257095" cy="257095"/>
+              </a:xfrm>
+              <a:prstGeom prst="rect">
+                <a:avLst/>
+              </a:prstGeom>
+            </p:spPr>
+          </p:pic>
+          <p:cxnSp>
+            <p:nvCxnSpPr>
+              <p:cNvPr id="72" name="Straight Arrow Connector 71">
+                <a:extLst>
+                  <a:ext uri="{FF2B5EF4-FFF2-40B4-BE49-F238E27FC236}">
+                    <a16:creationId xmlns:a16="http://schemas.microsoft.com/office/drawing/2014/main" id="{034E8EA8-5D9E-724C-80A8-FF81BB49EDF0}"/>
+                  </a:ext>
+                </a:extLst>
+              </p:cNvPr>
+              <p:cNvCxnSpPr>
+                <a:cxnSpLocks/>
+              </p:cNvCxnSpPr>
+              <p:nvPr/>
+            </p:nvCxnSpPr>
+            <p:spPr>
+              <a:xfrm>
+                <a:off x="2521668" y="3128963"/>
+                <a:ext cx="90827" cy="192022"/>
+              </a:xfrm>
+              <a:prstGeom prst="straightConnector1">
+                <a:avLst/>
+              </a:prstGeom>
+              <a:grpFill/>
+              <a:ln w="12700">
+                <a:solidFill>
+                  <a:srgbClr val="808080"/>
+                </a:solidFill>
+                <a:tailEnd type="triangle"/>
+              </a:ln>
+            </p:spPr>
+            <p:style>
+              <a:lnRef idx="1">
+                <a:schemeClr val="dk1"/>
+              </a:lnRef>
+              <a:fillRef idx="0">
+                <a:schemeClr val="dk1"/>
+              </a:fillRef>
+              <a:effectRef idx="0">
+                <a:schemeClr val="dk1"/>
+              </a:effectRef>
+              <a:fontRef idx="minor">
+                <a:schemeClr val="tx1"/>
+              </a:fontRef>
+            </p:style>
+          </p:cxnSp>
+          <p:cxnSp>
+            <p:nvCxnSpPr>
+              <p:cNvPr id="73" name="Straight Arrow Connector 72">
+                <a:extLst>
+                  <a:ext uri="{FF2B5EF4-FFF2-40B4-BE49-F238E27FC236}">
+                    <a16:creationId xmlns:a16="http://schemas.microsoft.com/office/drawing/2014/main" id="{AB60FBC4-856C-B847-8004-AE515132A660}"/>
+                  </a:ext>
+                </a:extLst>
+              </p:cNvPr>
+              <p:cNvCxnSpPr>
+                <a:cxnSpLocks/>
+              </p:cNvCxnSpPr>
+              <p:nvPr/>
+            </p:nvCxnSpPr>
+            <p:spPr>
+              <a:xfrm flipH="1">
+                <a:off x="2982317" y="3101975"/>
+                <a:ext cx="126008" cy="174666"/>
+              </a:xfrm>
+              <a:prstGeom prst="straightConnector1">
+                <a:avLst/>
+              </a:prstGeom>
+              <a:grpFill/>
+              <a:ln w="12700">
+                <a:solidFill>
+                  <a:srgbClr val="808080"/>
+                </a:solidFill>
+                <a:tailEnd type="triangle"/>
+              </a:ln>
+            </p:spPr>
+            <p:style>
+              <a:lnRef idx="1">
+                <a:schemeClr val="dk1"/>
+              </a:lnRef>
+              <a:fillRef idx="0">
+                <a:schemeClr val="dk1"/>
+              </a:fillRef>
+              <a:effectRef idx="0">
+                <a:schemeClr val="dk1"/>
+              </a:effectRef>
+              <a:fontRef idx="minor">
+                <a:schemeClr val="tx1"/>
+              </a:fontRef>
+            </p:style>
+          </p:cxnSp>
+        </p:grpSp>
+        <p:sp>
+          <p:nvSpPr>
+            <p:cNvPr id="74" name="TextBox 73">
+              <a:extLst>
+                <a:ext uri="{FF2B5EF4-FFF2-40B4-BE49-F238E27FC236}">
+                  <a16:creationId xmlns:a16="http://schemas.microsoft.com/office/drawing/2014/main" id="{2C2DE916-F9EB-6D47-9188-9AAA53A1ABC0}"/>
+                </a:ext>
+              </a:extLst>
+            </p:cNvPr>
+            <p:cNvSpPr txBox="1"/>
+            <p:nvPr/>
+          </p:nvSpPr>
+          <p:spPr>
+            <a:xfrm>
+              <a:off x="1839970" y="19180417"/>
+              <a:ext cx="1586525" cy="949684"/>
+            </a:xfrm>
+            <a:prstGeom prst="rect">
+              <a:avLst/>
+            </a:prstGeom>
+            <a:noFill/>
+          </p:spPr>
+          <p:txBody>
+            <a:bodyPr wrap="square" rtlCol="0">
+              <a:spAutoFit/>
+            </a:bodyPr>
+            <a:lstStyle/>
+            <a:p>
+              <a:pPr algn="ctr"/>
+              <a:r>
+                <a:rPr lang="en-US" dirty="0">
+                  <a:latin typeface="Franklin Gothic Medium" panose="020B0603020102020204" pitchFamily="34" charset="0"/>
+                </a:rPr>
+                <a:t>Stream Twitter and Bitcoin data</a:t>
+              </a:r>
+            </a:p>
+          </p:txBody>
+        </p:sp>
+        <p:sp>
+          <p:nvSpPr>
+            <p:cNvPr id="75" name="TextBox 74">
+              <a:extLst>
+                <a:ext uri="{FF2B5EF4-FFF2-40B4-BE49-F238E27FC236}">
+                  <a16:creationId xmlns:a16="http://schemas.microsoft.com/office/drawing/2014/main" id="{E626CC98-36DD-9D4F-B95C-4D8D891F2672}"/>
+                </a:ext>
+              </a:extLst>
+            </p:cNvPr>
+            <p:cNvSpPr txBox="1"/>
+            <p:nvPr/>
+          </p:nvSpPr>
+          <p:spPr>
+            <a:xfrm>
+              <a:off x="3657600" y="19180557"/>
+              <a:ext cx="1828800" cy="949684"/>
+            </a:xfrm>
+            <a:prstGeom prst="rect">
+              <a:avLst/>
+            </a:prstGeom>
+            <a:noFill/>
+          </p:spPr>
+          <p:txBody>
+            <a:bodyPr wrap="square" rtlCol="0">
+              <a:spAutoFit/>
+            </a:bodyPr>
+            <a:lstStyle/>
+            <a:p>
+              <a:pPr algn="ctr"/>
+              <a:r>
+                <a:rPr lang="en-US" dirty="0">
+                  <a:latin typeface="Franklin Gothic Medium" panose="020B0603020102020204" pitchFamily="34" charset="0"/>
+                </a:rPr>
+                <a:t>Clean and Tweets, convert to vectors</a:t>
+              </a:r>
+            </a:p>
+          </p:txBody>
+        </p:sp>
+        <p:sp>
+          <p:nvSpPr>
+            <p:cNvPr id="76" name="TextBox 75">
+              <a:extLst>
+                <a:ext uri="{FF2B5EF4-FFF2-40B4-BE49-F238E27FC236}">
+                  <a16:creationId xmlns:a16="http://schemas.microsoft.com/office/drawing/2014/main" id="{51A18860-B5BA-7542-A9E9-9B34D001F187}"/>
+                </a:ext>
+              </a:extLst>
+            </p:cNvPr>
+            <p:cNvSpPr txBox="1"/>
+            <p:nvPr/>
+          </p:nvSpPr>
+          <p:spPr>
+            <a:xfrm>
+              <a:off x="5631374" y="19180417"/>
+              <a:ext cx="2134852" cy="949684"/>
+            </a:xfrm>
+            <a:prstGeom prst="rect">
+              <a:avLst/>
+            </a:prstGeom>
+            <a:noFill/>
+          </p:spPr>
+          <p:txBody>
+            <a:bodyPr wrap="square" rtlCol="0">
+              <a:spAutoFit/>
+            </a:bodyPr>
+            <a:lstStyle/>
+            <a:p>
+              <a:pPr algn="ctr"/>
+              <a:r>
+                <a:rPr lang="en-US" dirty="0">
+                  <a:latin typeface="Franklin Gothic Medium" panose="020B0603020102020204" pitchFamily="34" charset="0"/>
+                </a:rPr>
+                <a:t>Engineer features, create training and testing data</a:t>
+              </a:r>
+            </a:p>
+          </p:txBody>
+        </p:sp>
+        <p:sp>
+          <p:nvSpPr>
+            <p:cNvPr id="77" name="TextBox 76">
+              <a:extLst>
+                <a:ext uri="{FF2B5EF4-FFF2-40B4-BE49-F238E27FC236}">
+                  <a16:creationId xmlns:a16="http://schemas.microsoft.com/office/drawing/2014/main" id="{FC21CB02-70A4-6448-8891-3B4BB4360587}"/>
+                </a:ext>
+              </a:extLst>
+            </p:cNvPr>
+            <p:cNvSpPr txBox="1"/>
+            <p:nvPr/>
+          </p:nvSpPr>
+          <p:spPr>
+            <a:xfrm>
+              <a:off x="7933662" y="19180417"/>
+              <a:ext cx="1576688" cy="949684"/>
+            </a:xfrm>
+            <a:prstGeom prst="rect">
+              <a:avLst/>
+            </a:prstGeom>
+            <a:noFill/>
+          </p:spPr>
+          <p:txBody>
+            <a:bodyPr wrap="square" rtlCol="0">
+              <a:spAutoFit/>
+            </a:bodyPr>
+            <a:lstStyle/>
+            <a:p>
+              <a:pPr algn="ctr"/>
+              <a:r>
+                <a:rPr lang="en-US" dirty="0">
+                  <a:latin typeface="Franklin Gothic Medium" panose="020B0603020102020204" pitchFamily="34" charset="0"/>
+                </a:rPr>
+                <a:t>Train RNN to predict price fluctuations</a:t>
+              </a:r>
+            </a:p>
+          </p:txBody>
+        </p:sp>
+        <p:sp>
+          <p:nvSpPr>
+            <p:cNvPr id="78" name="TextBox 77">
+              <a:extLst>
+                <a:ext uri="{FF2B5EF4-FFF2-40B4-BE49-F238E27FC236}">
+                  <a16:creationId xmlns:a16="http://schemas.microsoft.com/office/drawing/2014/main" id="{4F4BFBAD-CED4-CB48-9E1D-B7B46AC164E8}"/>
+                </a:ext>
+              </a:extLst>
+            </p:cNvPr>
+            <p:cNvSpPr txBox="1"/>
+            <p:nvPr/>
+          </p:nvSpPr>
+          <p:spPr>
+            <a:xfrm>
+              <a:off x="9724300" y="19180417"/>
+              <a:ext cx="2162900" cy="949684"/>
+            </a:xfrm>
+            <a:prstGeom prst="rect">
+              <a:avLst/>
+            </a:prstGeom>
+            <a:noFill/>
+          </p:spPr>
+          <p:txBody>
+            <a:bodyPr wrap="square" rtlCol="0">
+              <a:spAutoFit/>
+            </a:bodyPr>
+            <a:lstStyle/>
+            <a:p>
+              <a:pPr algn="ctr"/>
+              <a:r>
+                <a:rPr lang="en-US" dirty="0">
+                  <a:latin typeface="Franklin Gothic Medium" panose="020B0603020102020204" pitchFamily="34" charset="0"/>
+                </a:rPr>
+                <a:t>Evaluate model accuracy and tune majority voting</a:t>
+              </a:r>
+            </a:p>
+          </p:txBody>
+        </p:sp>
+      </p:grpSp>
+      <p:grpSp>
+        <p:nvGrpSpPr>
+          <p:cNvPr id="7" name="Group 6">
+            <a:extLst>
+              <a:ext uri="{FF2B5EF4-FFF2-40B4-BE49-F238E27FC236}">
+                <a16:creationId xmlns:a16="http://schemas.microsoft.com/office/drawing/2014/main" id="{F460CAFC-9965-3B49-BEA0-54C538902ED0}"/>
+              </a:ext>
+            </a:extLst>
+          </p:cNvPr>
+          <p:cNvGrpSpPr/>
+          <p:nvPr/>
+        </p:nvGrpSpPr>
+        <p:grpSpPr>
+          <a:xfrm>
+            <a:off x="3359702" y="12603970"/>
+            <a:ext cx="3514331" cy="3482932"/>
+            <a:chOff x="3359702" y="12603970"/>
+            <a:chExt cx="3514331" cy="3482932"/>
+          </a:xfrm>
+        </p:grpSpPr>
+        <p:sp>
+          <p:nvSpPr>
+            <p:cNvPr id="79" name="Rounded Rectangle 78">
+              <a:extLst>
+                <a:ext uri="{FF2B5EF4-FFF2-40B4-BE49-F238E27FC236}">
+                  <a16:creationId xmlns:a16="http://schemas.microsoft.com/office/drawing/2014/main" id="{4DA6E480-AE7D-9644-BEDA-1806AE783DE8}"/>
+                </a:ext>
+              </a:extLst>
+            </p:cNvPr>
+            <p:cNvSpPr/>
+            <p:nvPr/>
+          </p:nvSpPr>
+          <p:spPr>
+            <a:xfrm>
+              <a:off x="4088392" y="13308977"/>
+              <a:ext cx="1371600" cy="1371600"/>
+            </a:xfrm>
+            <a:prstGeom prst="roundRect">
+              <a:avLst>
+                <a:gd name="adj" fmla="val 5697"/>
+              </a:avLst>
+            </a:prstGeom>
+            <a:solidFill>
+              <a:schemeClr val="accent6">
+                <a:lumMod val="40000"/>
+                <a:lumOff val="60000"/>
+              </a:schemeClr>
+            </a:solidFill>
+            <a:ln>
+              <a:noFill/>
+            </a:ln>
+          </p:spPr>
+          <p:style>
+            <a:lnRef idx="2">
+              <a:schemeClr val="accent1">
+                <a:shade val="50000"/>
+              </a:schemeClr>
+            </a:lnRef>
+            <a:fillRef idx="1">
+              <a:schemeClr val="accent1"/>
+            </a:fillRef>
+            <a:effectRef idx="0">
+              <a:schemeClr val="accent1"/>
+            </a:effectRef>
+            <a:fontRef idx="minor">
+              <a:schemeClr val="lt1"/>
+            </a:fontRef>
+          </p:style>
+          <p:txBody>
+            <a:bodyPr rtlCol="0" anchor="ctr"/>
+            <a:lstStyle/>
+            <a:p>
+              <a:pPr algn="ctr"/>
+              <a:endParaRPr lang="en-US">
+                <a:latin typeface="Franklin Gothic Medium" panose="020B0603020102020204" pitchFamily="34" charset="0"/>
+              </a:endParaRPr>
+            </a:p>
+          </p:txBody>
+        </p:sp>
+        <p:sp>
+          <p:nvSpPr>
+            <p:cNvPr id="80" name="Rounded Rectangle 79">
+              <a:extLst>
+                <a:ext uri="{FF2B5EF4-FFF2-40B4-BE49-F238E27FC236}">
+                  <a16:creationId xmlns:a16="http://schemas.microsoft.com/office/drawing/2014/main" id="{768C88F5-F602-B841-9027-CAF036352377}"/>
+                </a:ext>
+              </a:extLst>
+            </p:cNvPr>
+            <p:cNvSpPr/>
+            <p:nvPr/>
+          </p:nvSpPr>
+          <p:spPr>
+            <a:xfrm>
+              <a:off x="5502433" y="13308977"/>
+              <a:ext cx="1371600" cy="1371600"/>
+            </a:xfrm>
+            <a:prstGeom prst="roundRect">
+              <a:avLst>
+                <a:gd name="adj" fmla="val 5697"/>
+              </a:avLst>
+            </a:prstGeom>
+            <a:solidFill>
+              <a:schemeClr val="accent2">
+                <a:lumMod val="60000"/>
+                <a:lumOff val="40000"/>
+              </a:schemeClr>
+            </a:solidFill>
+            <a:ln>
+              <a:noFill/>
+            </a:ln>
+          </p:spPr>
+          <p:style>
+            <a:lnRef idx="2">
+              <a:schemeClr val="accent1">
+                <a:shade val="50000"/>
+              </a:schemeClr>
+            </a:lnRef>
+            <a:fillRef idx="1">
+              <a:schemeClr val="accent1"/>
+            </a:fillRef>
+            <a:effectRef idx="0">
+              <a:schemeClr val="accent1"/>
+            </a:effectRef>
+            <a:fontRef idx="minor">
+              <a:schemeClr val="lt1"/>
+            </a:fontRef>
+          </p:style>
+          <p:txBody>
+            <a:bodyPr rtlCol="0" anchor="ctr"/>
+            <a:lstStyle/>
+            <a:p>
+              <a:pPr algn="ctr"/>
+              <a:endParaRPr lang="en-US">
+                <a:latin typeface="Franklin Gothic Medium" panose="020B0603020102020204" pitchFamily="34" charset="0"/>
+              </a:endParaRPr>
+            </a:p>
+          </p:txBody>
+        </p:sp>
+        <p:sp>
+          <p:nvSpPr>
+            <p:cNvPr id="81" name="Rounded Rectangle 80">
+              <a:extLst>
+                <a:ext uri="{FF2B5EF4-FFF2-40B4-BE49-F238E27FC236}">
+                  <a16:creationId xmlns:a16="http://schemas.microsoft.com/office/drawing/2014/main" id="{CCE1E4A3-D8C5-5047-9027-7B9FA7FBD915}"/>
+                </a:ext>
+              </a:extLst>
+            </p:cNvPr>
+            <p:cNvSpPr/>
+            <p:nvPr/>
+          </p:nvSpPr>
+          <p:spPr>
+            <a:xfrm>
+              <a:off x="4088392" y="14715302"/>
+              <a:ext cx="1371600" cy="1371600"/>
+            </a:xfrm>
+            <a:prstGeom prst="roundRect">
+              <a:avLst>
+                <a:gd name="adj" fmla="val 5697"/>
+              </a:avLst>
+            </a:prstGeom>
+            <a:solidFill>
+              <a:schemeClr val="accent2">
+                <a:lumMod val="40000"/>
+                <a:lumOff val="60000"/>
+              </a:schemeClr>
+            </a:solidFill>
+            <a:ln>
+              <a:noFill/>
+            </a:ln>
+          </p:spPr>
+          <p:style>
+            <a:lnRef idx="2">
+              <a:schemeClr val="accent1">
+                <a:shade val="50000"/>
+              </a:schemeClr>
+            </a:lnRef>
+            <a:fillRef idx="1">
+              <a:schemeClr val="accent1"/>
+            </a:fillRef>
+            <a:effectRef idx="0">
+              <a:schemeClr val="accent1"/>
+            </a:effectRef>
+            <a:fontRef idx="minor">
+              <a:schemeClr val="lt1"/>
+            </a:fontRef>
+          </p:style>
+          <p:txBody>
+            <a:bodyPr rtlCol="0" anchor="ctr"/>
+            <a:lstStyle/>
+            <a:p>
+              <a:pPr algn="ctr"/>
+              <a:endParaRPr lang="en-US">
+                <a:latin typeface="Franklin Gothic Medium" panose="020B0603020102020204" pitchFamily="34" charset="0"/>
+              </a:endParaRPr>
+            </a:p>
+          </p:txBody>
+        </p:sp>
+        <p:sp>
+          <p:nvSpPr>
+            <p:cNvPr id="82" name="Rounded Rectangle 81">
+              <a:extLst>
+                <a:ext uri="{FF2B5EF4-FFF2-40B4-BE49-F238E27FC236}">
+                  <a16:creationId xmlns:a16="http://schemas.microsoft.com/office/drawing/2014/main" id="{31630DDC-B483-4044-87ED-CB1067BB63C0}"/>
+                </a:ext>
+              </a:extLst>
+            </p:cNvPr>
+            <p:cNvSpPr/>
+            <p:nvPr/>
+          </p:nvSpPr>
+          <p:spPr>
+            <a:xfrm>
+              <a:off x="5502433" y="14715302"/>
+              <a:ext cx="1371600" cy="1371600"/>
+            </a:xfrm>
+            <a:prstGeom prst="roundRect">
+              <a:avLst>
+                <a:gd name="adj" fmla="val 5697"/>
+              </a:avLst>
+            </a:prstGeom>
+            <a:solidFill>
+              <a:srgbClr val="92D050"/>
+            </a:solidFill>
+            <a:ln>
+              <a:noFill/>
+            </a:ln>
+          </p:spPr>
+          <p:style>
+            <a:lnRef idx="2">
+              <a:schemeClr val="accent1">
+                <a:shade val="50000"/>
+              </a:schemeClr>
+            </a:lnRef>
+            <a:fillRef idx="1">
+              <a:schemeClr val="accent1"/>
+            </a:fillRef>
+            <a:effectRef idx="0">
+              <a:schemeClr val="accent1"/>
+            </a:effectRef>
+            <a:fontRef idx="minor">
+              <a:schemeClr val="lt1"/>
+            </a:fontRef>
+          </p:style>
+          <p:txBody>
+            <a:bodyPr rtlCol="0" anchor="ctr"/>
+            <a:lstStyle/>
+            <a:p>
+              <a:pPr algn="ctr"/>
+              <a:endParaRPr lang="en-US">
+                <a:latin typeface="Franklin Gothic Medium" panose="020B0603020102020204" pitchFamily="34" charset="0"/>
+              </a:endParaRPr>
+            </a:p>
+          </p:txBody>
+        </p:sp>
+        <p:sp>
+          <p:nvSpPr>
+            <p:cNvPr id="83" name="TextBox 82">
+              <a:extLst>
+                <a:ext uri="{FF2B5EF4-FFF2-40B4-BE49-F238E27FC236}">
+                  <a16:creationId xmlns:a16="http://schemas.microsoft.com/office/drawing/2014/main" id="{8A43C605-4707-2447-8FEC-5E2E5BF2976F}"/>
+                </a:ext>
+              </a:extLst>
+            </p:cNvPr>
+            <p:cNvSpPr txBox="1"/>
+            <p:nvPr/>
+          </p:nvSpPr>
+          <p:spPr>
+            <a:xfrm>
+              <a:off x="4882847" y="12603970"/>
+              <a:ext cx="1154290" cy="378117"/>
+            </a:xfrm>
+            <a:prstGeom prst="rect">
+              <a:avLst/>
+            </a:prstGeom>
+            <a:noFill/>
+          </p:spPr>
+          <p:txBody>
+            <a:bodyPr wrap="none" rtlCol="0">
+              <a:spAutoFit/>
+            </a:bodyPr>
+            <a:lstStyle/>
+            <a:p>
+              <a:pPr algn="ctr"/>
+              <a:r>
+                <a:rPr lang="en-US" dirty="0">
+                  <a:latin typeface="Franklin Gothic Medium" panose="020B0603020102020204" pitchFamily="34" charset="0"/>
+                </a:rPr>
+                <a:t>Predicted</a:t>
+              </a:r>
+            </a:p>
+          </p:txBody>
+        </p:sp>
+        <p:sp>
+          <p:nvSpPr>
+            <p:cNvPr id="84" name="TextBox 83">
+              <a:extLst>
+                <a:ext uri="{FF2B5EF4-FFF2-40B4-BE49-F238E27FC236}">
+                  <a16:creationId xmlns:a16="http://schemas.microsoft.com/office/drawing/2014/main" id="{21AFA17C-07E3-A04A-8FA2-832D0EAA98C0}"/>
+                </a:ext>
+              </a:extLst>
+            </p:cNvPr>
+            <p:cNvSpPr txBox="1"/>
+            <p:nvPr/>
+          </p:nvSpPr>
+          <p:spPr>
+            <a:xfrm rot="16200000">
+              <a:off x="3134224" y="14491518"/>
+              <a:ext cx="829073" cy="378117"/>
+            </a:xfrm>
+            <a:prstGeom prst="rect">
+              <a:avLst/>
+            </a:prstGeom>
+            <a:noFill/>
+          </p:spPr>
+          <p:txBody>
+            <a:bodyPr wrap="none" rtlCol="0">
+              <a:spAutoFit/>
+            </a:bodyPr>
+            <a:lstStyle/>
+            <a:p>
+              <a:pPr algn="ctr"/>
+              <a:r>
+                <a:rPr lang="en-US" dirty="0">
+                  <a:latin typeface="Franklin Gothic Medium" panose="020B0603020102020204" pitchFamily="34" charset="0"/>
+                </a:rPr>
+                <a:t>Actual</a:t>
+              </a:r>
+            </a:p>
+          </p:txBody>
+        </p:sp>
+        <p:sp>
+          <p:nvSpPr>
+            <p:cNvPr id="85" name="TextBox 84">
+              <a:extLst>
+                <a:ext uri="{FF2B5EF4-FFF2-40B4-BE49-F238E27FC236}">
+                  <a16:creationId xmlns:a16="http://schemas.microsoft.com/office/drawing/2014/main" id="{80881704-F73E-B943-B0E6-B31CCF128C16}"/>
+                </a:ext>
+              </a:extLst>
+            </p:cNvPr>
+            <p:cNvSpPr txBox="1"/>
+            <p:nvPr/>
+          </p:nvSpPr>
+          <p:spPr>
+            <a:xfrm>
+              <a:off x="3732690" y="15215904"/>
+              <a:ext cx="324128" cy="378117"/>
+            </a:xfrm>
+            <a:prstGeom prst="rect">
+              <a:avLst/>
+            </a:prstGeom>
+            <a:noFill/>
+          </p:spPr>
+          <p:txBody>
+            <a:bodyPr wrap="none" rtlCol="0">
+              <a:spAutoFit/>
+            </a:bodyPr>
+            <a:lstStyle/>
+            <a:p>
+              <a:r>
+                <a:rPr lang="en-US" dirty="0">
+                  <a:latin typeface="Franklin Gothic Medium" panose="020B0603020102020204" pitchFamily="34" charset="0"/>
+                </a:rPr>
+                <a:t>1</a:t>
+              </a:r>
+            </a:p>
+          </p:txBody>
+        </p:sp>
+        <p:sp>
+          <p:nvSpPr>
+            <p:cNvPr id="86" name="TextBox 85">
+              <a:extLst>
+                <a:ext uri="{FF2B5EF4-FFF2-40B4-BE49-F238E27FC236}">
+                  <a16:creationId xmlns:a16="http://schemas.microsoft.com/office/drawing/2014/main" id="{B79F20DF-3B2E-754D-AADB-54FCB233F308}"/>
+                </a:ext>
+              </a:extLst>
+            </p:cNvPr>
+            <p:cNvSpPr txBox="1"/>
+            <p:nvPr/>
+          </p:nvSpPr>
+          <p:spPr>
+            <a:xfrm>
+              <a:off x="3724088" y="13810111"/>
+              <a:ext cx="324128" cy="378117"/>
+            </a:xfrm>
+            <a:prstGeom prst="rect">
+              <a:avLst/>
+            </a:prstGeom>
+            <a:noFill/>
+          </p:spPr>
+          <p:txBody>
+            <a:bodyPr wrap="none" rtlCol="0">
+              <a:spAutoFit/>
+            </a:bodyPr>
+            <a:lstStyle/>
+            <a:p>
+              <a:r>
+                <a:rPr lang="en-US" dirty="0">
+                  <a:latin typeface="Franklin Gothic Medium" panose="020B0603020102020204" pitchFamily="34" charset="0"/>
+                </a:rPr>
+                <a:t>0</a:t>
+              </a:r>
+            </a:p>
+          </p:txBody>
+        </p:sp>
+        <p:sp>
+          <p:nvSpPr>
+            <p:cNvPr id="87" name="TextBox 86">
+              <a:extLst>
+                <a:ext uri="{FF2B5EF4-FFF2-40B4-BE49-F238E27FC236}">
+                  <a16:creationId xmlns:a16="http://schemas.microsoft.com/office/drawing/2014/main" id="{6EAA6245-667B-5D43-877D-99525A901D35}"/>
+                </a:ext>
+              </a:extLst>
+            </p:cNvPr>
+            <p:cNvSpPr txBox="1"/>
+            <p:nvPr/>
+          </p:nvSpPr>
+          <p:spPr>
+            <a:xfrm>
+              <a:off x="6042452" y="12939449"/>
+              <a:ext cx="324128" cy="378117"/>
+            </a:xfrm>
+            <a:prstGeom prst="rect">
+              <a:avLst/>
+            </a:prstGeom>
+            <a:noFill/>
+          </p:spPr>
+          <p:txBody>
+            <a:bodyPr wrap="none" rtlCol="0">
+              <a:spAutoFit/>
+            </a:bodyPr>
+            <a:lstStyle/>
+            <a:p>
+              <a:r>
+                <a:rPr lang="en-US" dirty="0">
+                  <a:latin typeface="Franklin Gothic Medium" panose="020B0603020102020204" pitchFamily="34" charset="0"/>
+                </a:rPr>
+                <a:t>1</a:t>
+              </a:r>
+            </a:p>
+          </p:txBody>
+        </p:sp>
+        <p:sp>
+          <p:nvSpPr>
+            <p:cNvPr id="88" name="TextBox 87">
+              <a:extLst>
+                <a:ext uri="{FF2B5EF4-FFF2-40B4-BE49-F238E27FC236}">
+                  <a16:creationId xmlns:a16="http://schemas.microsoft.com/office/drawing/2014/main" id="{2D03B131-4D42-B14E-A0AC-782C98FB7BD0}"/>
+                </a:ext>
+              </a:extLst>
+            </p:cNvPr>
+            <p:cNvSpPr txBox="1"/>
+            <p:nvPr/>
+          </p:nvSpPr>
+          <p:spPr>
+            <a:xfrm>
+              <a:off x="4618286" y="12939449"/>
+              <a:ext cx="324128" cy="378117"/>
+            </a:xfrm>
+            <a:prstGeom prst="rect">
+              <a:avLst/>
+            </a:prstGeom>
+            <a:noFill/>
+          </p:spPr>
+          <p:txBody>
+            <a:bodyPr wrap="none" rtlCol="0">
+              <a:spAutoFit/>
+            </a:bodyPr>
+            <a:lstStyle/>
+            <a:p>
+              <a:r>
+                <a:rPr lang="en-US" dirty="0">
+                  <a:latin typeface="Franklin Gothic Medium" panose="020B0603020102020204" pitchFamily="34" charset="0"/>
+                </a:rPr>
+                <a:t>0</a:t>
+              </a:r>
+            </a:p>
+          </p:txBody>
+        </p:sp>
+        <p:sp>
+          <p:nvSpPr>
+            <p:cNvPr id="89" name="TextBox 88">
+              <a:extLst>
+                <a:ext uri="{FF2B5EF4-FFF2-40B4-BE49-F238E27FC236}">
+                  <a16:creationId xmlns:a16="http://schemas.microsoft.com/office/drawing/2014/main" id="{38DD5FCC-0A32-E44F-BC2A-511E03CE0F7D}"/>
+                </a:ext>
+              </a:extLst>
+            </p:cNvPr>
+            <p:cNvSpPr txBox="1"/>
+            <p:nvPr/>
+          </p:nvSpPr>
+          <p:spPr>
+            <a:xfrm>
+              <a:off x="5886002" y="15215904"/>
+              <a:ext cx="604461" cy="378117"/>
+            </a:xfrm>
+            <a:prstGeom prst="rect">
+              <a:avLst/>
+            </a:prstGeom>
+            <a:noFill/>
+          </p:spPr>
+          <p:txBody>
+            <a:bodyPr wrap="none" rtlCol="0">
+              <a:spAutoFit/>
+            </a:bodyPr>
+            <a:lstStyle/>
+            <a:p>
+              <a:r>
+                <a:rPr lang="en-US" dirty="0">
+                  <a:latin typeface="Franklin Gothic Medium" panose="020B0603020102020204" pitchFamily="34" charset="0"/>
+                </a:rPr>
+                <a:t>134</a:t>
+              </a:r>
+            </a:p>
+          </p:txBody>
+        </p:sp>
+        <p:sp>
+          <p:nvSpPr>
+            <p:cNvPr id="90" name="TextBox 89">
+              <a:extLst>
+                <a:ext uri="{FF2B5EF4-FFF2-40B4-BE49-F238E27FC236}">
+                  <a16:creationId xmlns:a16="http://schemas.microsoft.com/office/drawing/2014/main" id="{243817D0-CD7A-5846-ACC0-DE6625EAA02C}"/>
+                </a:ext>
+              </a:extLst>
+            </p:cNvPr>
+            <p:cNvSpPr txBox="1"/>
+            <p:nvPr/>
+          </p:nvSpPr>
+          <p:spPr>
+            <a:xfrm>
+              <a:off x="4559777" y="13818168"/>
+              <a:ext cx="463588" cy="378117"/>
+            </a:xfrm>
+            <a:prstGeom prst="rect">
+              <a:avLst/>
+            </a:prstGeom>
+            <a:noFill/>
+          </p:spPr>
+          <p:txBody>
+            <a:bodyPr wrap="none" rtlCol="0">
+              <a:spAutoFit/>
+            </a:bodyPr>
+            <a:lstStyle/>
+            <a:p>
+              <a:r>
+                <a:rPr lang="en-US" dirty="0">
+                  <a:latin typeface="Franklin Gothic Medium" panose="020B0603020102020204" pitchFamily="34" charset="0"/>
+                </a:rPr>
+                <a:t>60</a:t>
+              </a:r>
+            </a:p>
+          </p:txBody>
+        </p:sp>
+        <p:sp>
+          <p:nvSpPr>
+            <p:cNvPr id="91" name="TextBox 90">
+              <a:extLst>
+                <a:ext uri="{FF2B5EF4-FFF2-40B4-BE49-F238E27FC236}">
+                  <a16:creationId xmlns:a16="http://schemas.microsoft.com/office/drawing/2014/main" id="{ABD2C16E-4F78-7B4C-B145-DDC35D407959}"/>
+                </a:ext>
+              </a:extLst>
+            </p:cNvPr>
+            <p:cNvSpPr txBox="1"/>
+            <p:nvPr/>
+          </p:nvSpPr>
+          <p:spPr>
+            <a:xfrm>
+              <a:off x="5970425" y="13826196"/>
+              <a:ext cx="463588" cy="378117"/>
+            </a:xfrm>
+            <a:prstGeom prst="rect">
+              <a:avLst/>
+            </a:prstGeom>
+            <a:noFill/>
+          </p:spPr>
+          <p:txBody>
+            <a:bodyPr wrap="none" rtlCol="0">
+              <a:spAutoFit/>
+            </a:bodyPr>
+            <a:lstStyle/>
+            <a:p>
+              <a:r>
+                <a:rPr lang="en-US" dirty="0">
+                  <a:latin typeface="Franklin Gothic Medium" panose="020B0603020102020204" pitchFamily="34" charset="0"/>
+                </a:rPr>
+                <a:t>28</a:t>
+              </a:r>
+            </a:p>
+          </p:txBody>
+        </p:sp>
+        <p:sp>
+          <p:nvSpPr>
+            <p:cNvPr id="92" name="TextBox 91">
+              <a:extLst>
+                <a:ext uri="{FF2B5EF4-FFF2-40B4-BE49-F238E27FC236}">
+                  <a16:creationId xmlns:a16="http://schemas.microsoft.com/office/drawing/2014/main" id="{3EE2A226-FC0B-1E4E-A3D4-CFB7686319FC}"/>
+                </a:ext>
+              </a:extLst>
+            </p:cNvPr>
+            <p:cNvSpPr txBox="1"/>
+            <p:nvPr/>
+          </p:nvSpPr>
+          <p:spPr>
+            <a:xfrm>
+              <a:off x="4543552" y="15215904"/>
+              <a:ext cx="461280" cy="378117"/>
+            </a:xfrm>
+            <a:prstGeom prst="rect">
+              <a:avLst/>
+            </a:prstGeom>
+            <a:noFill/>
+          </p:spPr>
+          <p:txBody>
+            <a:bodyPr wrap="none" rtlCol="0">
+              <a:spAutoFit/>
+            </a:bodyPr>
+            <a:lstStyle/>
+            <a:p>
+              <a:r>
+                <a:rPr lang="en-US" dirty="0">
+                  <a:latin typeface="Franklin Gothic Medium" panose="020B0603020102020204" pitchFamily="34" charset="0"/>
+                </a:rPr>
+                <a:t>10</a:t>
               </a:r>
             </a:p>
           </p:txBody>
